--- a/Mini-project presentation.pptx
+++ b/Mini-project presentation.pptx
@@ -1,42 +1,43 @@
 
 <file path=ppt/presentation.xml><?xml version="1.0" encoding="utf-8"?>
-<p:presentation xmlns:a="http://schemas.openxmlformats.org/drawingml/2006/main" xmlns:r="http://schemas.openxmlformats.org/officeDocument/2006/relationships" xmlns:mc="http://schemas.openxmlformats.org/markup-compatibility/2006" xmlns:mv="urn:schemas-microsoft-com:mac:vml" xmlns:p="http://schemas.openxmlformats.org/presentationml/2006/main" xmlns:c="http://schemas.openxmlformats.org/drawingml/2006/chart" xmlns:dgm="http://schemas.openxmlformats.org/drawingml/2006/diagram" xmlns:o="urn:schemas-microsoft-com:office:office" xmlns:v="urn:schemas-microsoft-com:vml" xmlns:pvml="urn:schemas-microsoft-com:office:powerpoint" xmlns:com="http://schemas.openxmlformats.org/drawingml/2006/compatibility" xmlns:p14="http://schemas.microsoft.com/office/powerpoint/2010/main" xmlns:p15="http://schemas.microsoft.com/office/powerpoint/2012/main" autoCompressPictures="0" embedTrueTypeFonts="1" strictFirstAndLastChars="0" saveSubsetFonts="1">
+<p:presentation xmlns:a="http://schemas.openxmlformats.org/drawingml/2006/main" xmlns:r="http://schemas.openxmlformats.org/officeDocument/2006/relationships" xmlns:p="http://schemas.openxmlformats.org/presentationml/2006/main" strictFirstAndLastChars="0" embedTrueTypeFonts="1" saveSubsetFonts="1" autoCompressPictures="0">
   <p:sldMasterIdLst>
-    <p:sldMasterId id="2147483659" r:id="rId4"/>
+    <p:sldMasterId id="2147483659" r:id="rId1"/>
   </p:sldMasterIdLst>
   <p:notesMasterIdLst>
-    <p:notesMasterId r:id="rId5"/>
+    <p:notesMasterId r:id="rId11"/>
   </p:notesMasterIdLst>
   <p:sldIdLst>
-    <p:sldId id="256" r:id="rId6"/>
-    <p:sldId id="257" r:id="rId7"/>
-    <p:sldId id="258" r:id="rId8"/>
-    <p:sldId id="259" r:id="rId9"/>
-    <p:sldId id="260" r:id="rId10"/>
-    <p:sldId id="261" r:id="rId11"/>
-    <p:sldId id="262" r:id="rId12"/>
-    <p:sldId id="263" r:id="rId13"/>
+    <p:sldId id="256" r:id="rId2"/>
+    <p:sldId id="264" r:id="rId3"/>
+    <p:sldId id="257" r:id="rId4"/>
+    <p:sldId id="258" r:id="rId5"/>
+    <p:sldId id="259" r:id="rId6"/>
+    <p:sldId id="260" r:id="rId7"/>
+    <p:sldId id="261" r:id="rId8"/>
+    <p:sldId id="262" r:id="rId9"/>
+    <p:sldId id="263" r:id="rId10"/>
   </p:sldIdLst>
-  <p:sldSz cy="5143500" cx="9144000"/>
+  <p:sldSz cx="9144000" cy="5143500" type="screen16x9"/>
   <p:notesSz cx="6858000" cy="9144000"/>
   <p:embeddedFontLst>
     <p:embeddedFont>
-      <p:font typeface="Economica"/>
-      <p:regular r:id="rId14"/>
-      <p:bold r:id="rId15"/>
-      <p:italic r:id="rId16"/>
-      <p:boldItalic r:id="rId17"/>
+      <p:font typeface="Economica" panose="020B0604020202020204" charset="0"/>
+      <p:regular r:id="rId12"/>
+      <p:bold r:id="rId13"/>
+      <p:italic r:id="rId14"/>
+      <p:boldItalic r:id="rId15"/>
     </p:embeddedFont>
     <p:embeddedFont>
-      <p:font typeface="Open Sans"/>
-      <p:regular r:id="rId18"/>
-      <p:bold r:id="rId19"/>
-      <p:italic r:id="rId20"/>
-      <p:boldItalic r:id="rId21"/>
+      <p:font typeface="Open Sans" panose="020B0606030504020204" pitchFamily="34" charset="0"/>
+      <p:regular r:id="rId16"/>
+      <p:bold r:id="rId17"/>
+      <p:italic r:id="rId18"/>
+      <p:boldItalic r:id="rId19"/>
     </p:embeddedFont>
   </p:embeddedFontLst>
   <p:defaultTextStyle>
-    <a:defPPr lvl="0" marR="0" rtl="0" algn="l">
+    <a:defPPr marR="0" lvl="0" algn="l" rtl="0">
       <a:lnSpc>
         <a:spcPct val="100000"/>
       </a:lnSpc>
@@ -47,7 +48,7 @@
         <a:spcPts val="0"/>
       </a:spcAft>
     </a:defPPr>
-    <a:lvl1pPr lvl="0" marR="0" rtl="0" algn="l">
+    <a:lvl1pPr marR="0" lvl="0" algn="l" rtl="0">
       <a:lnSpc>
         <a:spcPct val="100000"/>
       </a:lnSpc>
@@ -61,7 +62,7 @@
         <a:srgbClr val="000000"/>
       </a:buClr>
       <a:buFont typeface="Arial"/>
-      <a:defRPr b="0" i="0" sz="1400" u="none" cap="none" strike="noStrike">
+      <a:defRPr sz="1400" b="0" i="0" u="none" strike="noStrike" cap="none">
         <a:solidFill>
           <a:srgbClr val="000000"/>
         </a:solidFill>
@@ -71,7 +72,7 @@
         <a:sym typeface="Arial"/>
       </a:defRPr>
     </a:lvl1pPr>
-    <a:lvl2pPr lvl="1" marR="0" rtl="0" algn="l">
+    <a:lvl2pPr marR="0" lvl="1" algn="l" rtl="0">
       <a:lnSpc>
         <a:spcPct val="100000"/>
       </a:lnSpc>
@@ -85,7 +86,7 @@
         <a:srgbClr val="000000"/>
       </a:buClr>
       <a:buFont typeface="Arial"/>
-      <a:defRPr b="0" i="0" sz="1400" u="none" cap="none" strike="noStrike">
+      <a:defRPr sz="1400" b="0" i="0" u="none" strike="noStrike" cap="none">
         <a:solidFill>
           <a:srgbClr val="000000"/>
         </a:solidFill>
@@ -95,7 +96,7 @@
         <a:sym typeface="Arial"/>
       </a:defRPr>
     </a:lvl2pPr>
-    <a:lvl3pPr lvl="2" marR="0" rtl="0" algn="l">
+    <a:lvl3pPr marR="0" lvl="2" algn="l" rtl="0">
       <a:lnSpc>
         <a:spcPct val="100000"/>
       </a:lnSpc>
@@ -109,7 +110,7 @@
         <a:srgbClr val="000000"/>
       </a:buClr>
       <a:buFont typeface="Arial"/>
-      <a:defRPr b="0" i="0" sz="1400" u="none" cap="none" strike="noStrike">
+      <a:defRPr sz="1400" b="0" i="0" u="none" strike="noStrike" cap="none">
         <a:solidFill>
           <a:srgbClr val="000000"/>
         </a:solidFill>
@@ -119,7 +120,7 @@
         <a:sym typeface="Arial"/>
       </a:defRPr>
     </a:lvl3pPr>
-    <a:lvl4pPr lvl="3" marR="0" rtl="0" algn="l">
+    <a:lvl4pPr marR="0" lvl="3" algn="l" rtl="0">
       <a:lnSpc>
         <a:spcPct val="100000"/>
       </a:lnSpc>
@@ -133,7 +134,7 @@
         <a:srgbClr val="000000"/>
       </a:buClr>
       <a:buFont typeface="Arial"/>
-      <a:defRPr b="0" i="0" sz="1400" u="none" cap="none" strike="noStrike">
+      <a:defRPr sz="1400" b="0" i="0" u="none" strike="noStrike" cap="none">
         <a:solidFill>
           <a:srgbClr val="000000"/>
         </a:solidFill>
@@ -143,7 +144,7 @@
         <a:sym typeface="Arial"/>
       </a:defRPr>
     </a:lvl4pPr>
-    <a:lvl5pPr lvl="4" marR="0" rtl="0" algn="l">
+    <a:lvl5pPr marR="0" lvl="4" algn="l" rtl="0">
       <a:lnSpc>
         <a:spcPct val="100000"/>
       </a:lnSpc>
@@ -157,7 +158,7 @@
         <a:srgbClr val="000000"/>
       </a:buClr>
       <a:buFont typeface="Arial"/>
-      <a:defRPr b="0" i="0" sz="1400" u="none" cap="none" strike="noStrike">
+      <a:defRPr sz="1400" b="0" i="0" u="none" strike="noStrike" cap="none">
         <a:solidFill>
           <a:srgbClr val="000000"/>
         </a:solidFill>
@@ -167,7 +168,7 @@
         <a:sym typeface="Arial"/>
       </a:defRPr>
     </a:lvl5pPr>
-    <a:lvl6pPr lvl="5" marR="0" rtl="0" algn="l">
+    <a:lvl6pPr marR="0" lvl="5" algn="l" rtl="0">
       <a:lnSpc>
         <a:spcPct val="100000"/>
       </a:lnSpc>
@@ -181,7 +182,7 @@
         <a:srgbClr val="000000"/>
       </a:buClr>
       <a:buFont typeface="Arial"/>
-      <a:defRPr b="0" i="0" sz="1400" u="none" cap="none" strike="noStrike">
+      <a:defRPr sz="1400" b="0" i="0" u="none" strike="noStrike" cap="none">
         <a:solidFill>
           <a:srgbClr val="000000"/>
         </a:solidFill>
@@ -191,7 +192,7 @@
         <a:sym typeface="Arial"/>
       </a:defRPr>
     </a:lvl6pPr>
-    <a:lvl7pPr lvl="6" marR="0" rtl="0" algn="l">
+    <a:lvl7pPr marR="0" lvl="6" algn="l" rtl="0">
       <a:lnSpc>
         <a:spcPct val="100000"/>
       </a:lnSpc>
@@ -205,7 +206,7 @@
         <a:srgbClr val="000000"/>
       </a:buClr>
       <a:buFont typeface="Arial"/>
-      <a:defRPr b="0" i="0" sz="1400" u="none" cap="none" strike="noStrike">
+      <a:defRPr sz="1400" b="0" i="0" u="none" strike="noStrike" cap="none">
         <a:solidFill>
           <a:srgbClr val="000000"/>
         </a:solidFill>
@@ -215,7 +216,7 @@
         <a:sym typeface="Arial"/>
       </a:defRPr>
     </a:lvl7pPr>
-    <a:lvl8pPr lvl="7" marR="0" rtl="0" algn="l">
+    <a:lvl8pPr marR="0" lvl="7" algn="l" rtl="0">
       <a:lnSpc>
         <a:spcPct val="100000"/>
       </a:lnSpc>
@@ -229,7 +230,7 @@
         <a:srgbClr val="000000"/>
       </a:buClr>
       <a:buFont typeface="Arial"/>
-      <a:defRPr b="0" i="0" sz="1400" u="none" cap="none" strike="noStrike">
+      <a:defRPr sz="1400" b="0" i="0" u="none" strike="noStrike" cap="none">
         <a:solidFill>
           <a:srgbClr val="000000"/>
         </a:solidFill>
@@ -239,7 +240,7 @@
         <a:sym typeface="Arial"/>
       </a:defRPr>
     </a:lvl8pPr>
-    <a:lvl9pPr lvl="8" marR="0" rtl="0" algn="l">
+    <a:lvl9pPr marR="0" lvl="8" algn="l" rtl="0">
       <a:lnSpc>
         <a:spcPct val="100000"/>
       </a:lnSpc>
@@ -253,7 +254,7 @@
         <a:srgbClr val="000000"/>
       </a:buClr>
       <a:buFont typeface="Arial"/>
-      <a:defRPr b="0" i="0" sz="1400" u="none" cap="none" strike="noStrike">
+      <a:defRPr sz="1400" b="0" i="0" u="none" strike="noStrike" cap="none">
         <a:solidFill>
           <a:srgbClr val="000000"/>
         </a:solidFill>
@@ -266,7 +267,7 @@
   </p:defaultTextStyle>
   <p:extLst>
     <p:ext uri="{EFAFB233-063F-42B5-8137-9DF3F51BA10A}">
-      <p15:sldGuideLst>
+      <p15:sldGuideLst xmlns:p15="http://schemas.microsoft.com/office/powerpoint/2012/main">
         <p15:guide id="1" orient="horz" pos="1620">
           <p15:clr>
             <a:srgbClr val="A4A3A4"/>
@@ -284,11 +285,16 @@
 </file>
 
 <file path=ppt/notesMasters/notesMaster1.xml><?xml version="1.0" encoding="utf-8"?>
-<p:notesMaster xmlns:a="http://schemas.openxmlformats.org/drawingml/2006/main" xmlns:r="http://schemas.openxmlformats.org/officeDocument/2006/relationships" xmlns:mc="http://schemas.openxmlformats.org/markup-compatibility/2006" xmlns:mv="urn:schemas-microsoft-com:mac:vml" xmlns:p="http://schemas.openxmlformats.org/presentationml/2006/main" xmlns:c="http://schemas.openxmlformats.org/drawingml/2006/chart" xmlns:dgm="http://schemas.openxmlformats.org/drawingml/2006/diagram" xmlns:o="urn:schemas-microsoft-com:office:office" xmlns:v="urn:schemas-microsoft-com:vml" xmlns:pvml="urn:schemas-microsoft-com:office:powerpoint" xmlns:com="http://schemas.openxmlformats.org/drawingml/2006/compatibility" xmlns:p14="http://schemas.microsoft.com/office/powerpoint/2010/main" xmlns:p15="http://schemas.microsoft.com/office/powerpoint/2012/main">
+<p:notesMaster xmlns:a="http://schemas.openxmlformats.org/drawingml/2006/main" xmlns:r="http://schemas.openxmlformats.org/officeDocument/2006/relationships" xmlns:p="http://schemas.openxmlformats.org/presentationml/2006/main">
   <p:cSld>
+    <p:bg>
+      <p:bgRef idx="1001">
+        <a:schemeClr val="bg1"/>
+      </p:bgRef>
+    </p:bg>
     <p:spTree>
       <p:nvGrpSpPr>
-        <p:cNvPr id="2" name="Shape 2"/>
+        <p:cNvPr id="1" name="Shape 2"/>
         <p:cNvGrpSpPr/>
         <p:nvPr/>
       </p:nvGrpSpPr>
@@ -303,9 +309,11 @@
       <p:sp>
         <p:nvSpPr>
           <p:cNvPr id="3" name="Google Shape;3;n"/>
-          <p:cNvSpPr/>
+          <p:cNvSpPr>
+            <a:spLocks noGrp="1" noRot="1" noChangeAspect="1"/>
+          </p:cNvSpPr>
           <p:nvPr>
-            <p:ph idx="2" type="sldImg"/>
+            <p:ph type="sldImg" idx="2"/>
           </p:nvPr>
         </p:nvSpPr>
         <p:spPr>
@@ -314,9 +322,13 @@
             <a:ext cx="6096075" cy="3429000"/>
           </a:xfrm>
           <a:custGeom>
-            <a:rect b="b" l="l" r="r" t="t"/>
+            <a:avLst/>
+            <a:gdLst/>
+            <a:ahLst/>
+            <a:cxnLst/>
+            <a:rect l="l" t="t" r="r" b="b"/>
             <a:pathLst>
-              <a:path extrusionOk="0" h="120000" w="120000">
+              <a:path w="120000" h="120000" extrusionOk="0">
                 <a:moveTo>
                   <a:pt x="0" y="0"/>
                 </a:moveTo>
@@ -334,23 +346,25 @@
             </a:pathLst>
           </a:custGeom>
           <a:noFill/>
-          <a:ln cap="flat" cmpd="sng" w="9525">
+          <a:ln w="9525" cap="flat" cmpd="sng">
             <a:solidFill>
               <a:srgbClr val="000000"/>
             </a:solidFill>
             <a:prstDash val="solid"/>
             <a:round/>
-            <a:headEnd len="sm" w="sm" type="none"/>
-            <a:tailEnd len="sm" w="sm" type="none"/>
+            <a:headEnd type="none" w="sm" len="sm"/>
+            <a:tailEnd type="none" w="sm" len="sm"/>
           </a:ln>
         </p:spPr>
       </p:sp>
       <p:sp>
         <p:nvSpPr>
           <p:cNvPr id="4" name="Google Shape;4;n"/>
-          <p:cNvSpPr txBox="1"/>
+          <p:cNvSpPr txBox="1">
+            <a:spLocks noGrp="1"/>
+          </p:cNvSpPr>
           <p:nvPr>
-            <p:ph idx="1" type="body"/>
+            <p:ph type="body" idx="1"/>
           </p:nvPr>
         </p:nvSpPr>
         <p:spPr>
@@ -367,11 +381,11 @@
           </a:ln>
         </p:spPr>
         <p:txBody>
-          <a:bodyPr anchorCtr="0" anchor="t" bIns="91425" lIns="91425" spcFirstLastPara="1" rIns="91425" wrap="square" tIns="91425">
+          <a:bodyPr spcFirstLastPara="1" wrap="square" lIns="91425" tIns="91425" rIns="91425" bIns="91425" anchor="t" anchorCtr="0">
             <a:noAutofit/>
           </a:bodyPr>
           <a:lstStyle>
-            <a:lvl1pPr indent="-298450" lvl="0" marL="457200">
+            <a:lvl1pPr marL="457200" lvl="0" indent="-298450">
               <a:spcBef>
                 <a:spcPts val="0"/>
               </a:spcBef>
@@ -382,7 +396,7 @@
               <a:buChar char="●"/>
               <a:defRPr sz="1100"/>
             </a:lvl1pPr>
-            <a:lvl2pPr indent="-298450" lvl="1" marL="914400">
+            <a:lvl2pPr marL="914400" lvl="1" indent="-298450">
               <a:spcBef>
                 <a:spcPts val="0"/>
               </a:spcBef>
@@ -393,7 +407,7 @@
               <a:buChar char="○"/>
               <a:defRPr sz="1100"/>
             </a:lvl2pPr>
-            <a:lvl3pPr indent="-298450" lvl="2" marL="1371600">
+            <a:lvl3pPr marL="1371600" lvl="2" indent="-298450">
               <a:spcBef>
                 <a:spcPts val="0"/>
               </a:spcBef>
@@ -404,7 +418,7 @@
               <a:buChar char="■"/>
               <a:defRPr sz="1100"/>
             </a:lvl3pPr>
-            <a:lvl4pPr indent="-298450" lvl="3" marL="1828800">
+            <a:lvl4pPr marL="1828800" lvl="3" indent="-298450">
               <a:spcBef>
                 <a:spcPts val="0"/>
               </a:spcBef>
@@ -415,7 +429,7 @@
               <a:buChar char="●"/>
               <a:defRPr sz="1100"/>
             </a:lvl4pPr>
-            <a:lvl5pPr indent="-298450" lvl="4" marL="2286000">
+            <a:lvl5pPr marL="2286000" lvl="4" indent="-298450">
               <a:spcBef>
                 <a:spcPts val="0"/>
               </a:spcBef>
@@ -426,7 +440,7 @@
               <a:buChar char="○"/>
               <a:defRPr sz="1100"/>
             </a:lvl5pPr>
-            <a:lvl6pPr indent="-298450" lvl="5" marL="2743200">
+            <a:lvl6pPr marL="2743200" lvl="5" indent="-298450">
               <a:spcBef>
                 <a:spcPts val="0"/>
               </a:spcBef>
@@ -437,7 +451,7 @@
               <a:buChar char="■"/>
               <a:defRPr sz="1100"/>
             </a:lvl6pPr>
-            <a:lvl7pPr indent="-298450" lvl="6" marL="3200400">
+            <a:lvl7pPr marL="3200400" lvl="6" indent="-298450">
               <a:spcBef>
                 <a:spcPts val="0"/>
               </a:spcBef>
@@ -448,7 +462,7 @@
               <a:buChar char="●"/>
               <a:defRPr sz="1100"/>
             </a:lvl7pPr>
-            <a:lvl8pPr indent="-298450" lvl="7" marL="3657600">
+            <a:lvl8pPr marL="3657600" lvl="7" indent="-298450">
               <a:spcBef>
                 <a:spcPts val="0"/>
               </a:spcBef>
@@ -459,7 +473,7 @@
               <a:buChar char="○"/>
               <a:defRPr sz="1100"/>
             </a:lvl8pPr>
-            <a:lvl9pPr indent="-298450" lvl="8" marL="4114800">
+            <a:lvl9pPr marL="4114800" lvl="8" indent="-298450">
               <a:spcBef>
                 <a:spcPts val="0"/>
               </a:spcBef>
@@ -471,14 +485,16 @@
               <a:defRPr sz="1100"/>
             </a:lvl9pPr>
           </a:lstStyle>
-          <a:p/>
+          <a:p>
+            <a:endParaRPr/>
+          </a:p>
         </p:txBody>
       </p:sp>
     </p:spTree>
   </p:cSld>
-  <p:clrMap accent1="accent1" accent2="accent2" accent3="accent3" accent4="accent4" accent5="accent5" accent6="accent6" bg1="lt1" bg2="dk2" tx1="dk1" tx2="lt2" folHlink="folHlink" hlink="hlink"/>
+  <p:clrMap bg1="lt1" tx1="dk1" bg2="dk2" tx2="lt2" accent1="accent1" accent2="accent2" accent3="accent3" accent4="accent4" accent5="accent5" accent6="accent6" hlink="hlink" folHlink="folHlink"/>
   <p:notesStyle>
-    <a:defPPr lvl="0" marR="0" rtl="0" algn="l">
+    <a:defPPr marR="0" lvl="0" algn="l" rtl="0">
       <a:lnSpc>
         <a:spcPct val="100000"/>
       </a:lnSpc>
@@ -489,7 +505,7 @@
         <a:spcPts val="0"/>
       </a:spcAft>
     </a:defPPr>
-    <a:lvl1pPr lvl="0" marR="0" rtl="0" algn="l">
+    <a:lvl1pPr marR="0" lvl="0" algn="l" rtl="0">
       <a:lnSpc>
         <a:spcPct val="100000"/>
       </a:lnSpc>
@@ -503,7 +519,7 @@
         <a:srgbClr val="000000"/>
       </a:buClr>
       <a:buFont typeface="Arial"/>
-      <a:defRPr b="0" i="0" sz="1400" u="none" cap="none" strike="noStrike">
+      <a:defRPr sz="1400" b="0" i="0" u="none" strike="noStrike" cap="none">
         <a:solidFill>
           <a:srgbClr val="000000"/>
         </a:solidFill>
@@ -513,7 +529,7 @@
         <a:sym typeface="Arial"/>
       </a:defRPr>
     </a:lvl1pPr>
-    <a:lvl2pPr lvl="1" marR="0" rtl="0" algn="l">
+    <a:lvl2pPr marR="0" lvl="1" algn="l" rtl="0">
       <a:lnSpc>
         <a:spcPct val="100000"/>
       </a:lnSpc>
@@ -527,7 +543,7 @@
         <a:srgbClr val="000000"/>
       </a:buClr>
       <a:buFont typeface="Arial"/>
-      <a:defRPr b="0" i="0" sz="1400" u="none" cap="none" strike="noStrike">
+      <a:defRPr sz="1400" b="0" i="0" u="none" strike="noStrike" cap="none">
         <a:solidFill>
           <a:srgbClr val="000000"/>
         </a:solidFill>
@@ -537,7 +553,7 @@
         <a:sym typeface="Arial"/>
       </a:defRPr>
     </a:lvl2pPr>
-    <a:lvl3pPr lvl="2" marR="0" rtl="0" algn="l">
+    <a:lvl3pPr marR="0" lvl="2" algn="l" rtl="0">
       <a:lnSpc>
         <a:spcPct val="100000"/>
       </a:lnSpc>
@@ -551,7 +567,7 @@
         <a:srgbClr val="000000"/>
       </a:buClr>
       <a:buFont typeface="Arial"/>
-      <a:defRPr b="0" i="0" sz="1400" u="none" cap="none" strike="noStrike">
+      <a:defRPr sz="1400" b="0" i="0" u="none" strike="noStrike" cap="none">
         <a:solidFill>
           <a:srgbClr val="000000"/>
         </a:solidFill>
@@ -561,7 +577,7 @@
         <a:sym typeface="Arial"/>
       </a:defRPr>
     </a:lvl3pPr>
-    <a:lvl4pPr lvl="3" marR="0" rtl="0" algn="l">
+    <a:lvl4pPr marR="0" lvl="3" algn="l" rtl="0">
       <a:lnSpc>
         <a:spcPct val="100000"/>
       </a:lnSpc>
@@ -575,7 +591,7 @@
         <a:srgbClr val="000000"/>
       </a:buClr>
       <a:buFont typeface="Arial"/>
-      <a:defRPr b="0" i="0" sz="1400" u="none" cap="none" strike="noStrike">
+      <a:defRPr sz="1400" b="0" i="0" u="none" strike="noStrike" cap="none">
         <a:solidFill>
           <a:srgbClr val="000000"/>
         </a:solidFill>
@@ -585,7 +601,7 @@
         <a:sym typeface="Arial"/>
       </a:defRPr>
     </a:lvl4pPr>
-    <a:lvl5pPr lvl="4" marR="0" rtl="0" algn="l">
+    <a:lvl5pPr marR="0" lvl="4" algn="l" rtl="0">
       <a:lnSpc>
         <a:spcPct val="100000"/>
       </a:lnSpc>
@@ -599,7 +615,7 @@
         <a:srgbClr val="000000"/>
       </a:buClr>
       <a:buFont typeface="Arial"/>
-      <a:defRPr b="0" i="0" sz="1400" u="none" cap="none" strike="noStrike">
+      <a:defRPr sz="1400" b="0" i="0" u="none" strike="noStrike" cap="none">
         <a:solidFill>
           <a:srgbClr val="000000"/>
         </a:solidFill>
@@ -609,7 +625,7 @@
         <a:sym typeface="Arial"/>
       </a:defRPr>
     </a:lvl5pPr>
-    <a:lvl6pPr lvl="5" marR="0" rtl="0" algn="l">
+    <a:lvl6pPr marR="0" lvl="5" algn="l" rtl="0">
       <a:lnSpc>
         <a:spcPct val="100000"/>
       </a:lnSpc>
@@ -623,7 +639,7 @@
         <a:srgbClr val="000000"/>
       </a:buClr>
       <a:buFont typeface="Arial"/>
-      <a:defRPr b="0" i="0" sz="1400" u="none" cap="none" strike="noStrike">
+      <a:defRPr sz="1400" b="0" i="0" u="none" strike="noStrike" cap="none">
         <a:solidFill>
           <a:srgbClr val="000000"/>
         </a:solidFill>
@@ -633,7 +649,7 @@
         <a:sym typeface="Arial"/>
       </a:defRPr>
     </a:lvl6pPr>
-    <a:lvl7pPr lvl="6" marR="0" rtl="0" algn="l">
+    <a:lvl7pPr marR="0" lvl="6" algn="l" rtl="0">
       <a:lnSpc>
         <a:spcPct val="100000"/>
       </a:lnSpc>
@@ -647,7 +663,7 @@
         <a:srgbClr val="000000"/>
       </a:buClr>
       <a:buFont typeface="Arial"/>
-      <a:defRPr b="0" i="0" sz="1400" u="none" cap="none" strike="noStrike">
+      <a:defRPr sz="1400" b="0" i="0" u="none" strike="noStrike" cap="none">
         <a:solidFill>
           <a:srgbClr val="000000"/>
         </a:solidFill>
@@ -657,7 +673,7 @@
         <a:sym typeface="Arial"/>
       </a:defRPr>
     </a:lvl7pPr>
-    <a:lvl8pPr lvl="7" marR="0" rtl="0" algn="l">
+    <a:lvl8pPr marR="0" lvl="7" algn="l" rtl="0">
       <a:lnSpc>
         <a:spcPct val="100000"/>
       </a:lnSpc>
@@ -671,7 +687,7 @@
         <a:srgbClr val="000000"/>
       </a:buClr>
       <a:buFont typeface="Arial"/>
-      <a:defRPr b="0" i="0" sz="1400" u="none" cap="none" strike="noStrike">
+      <a:defRPr sz="1400" b="0" i="0" u="none" strike="noStrike" cap="none">
         <a:solidFill>
           <a:srgbClr val="000000"/>
         </a:solidFill>
@@ -681,7 +697,7 @@
         <a:sym typeface="Arial"/>
       </a:defRPr>
     </a:lvl8pPr>
-    <a:lvl9pPr lvl="8" marR="0" rtl="0" algn="l">
+    <a:lvl9pPr marR="0" lvl="8" algn="l" rtl="0">
       <a:lnSpc>
         <a:spcPct val="100000"/>
       </a:lnSpc>
@@ -695,7 +711,7 @@
         <a:srgbClr val="000000"/>
       </a:buClr>
       <a:buFont typeface="Arial"/>
-      <a:defRPr b="0" i="0" sz="1400" u="none" cap="none" strike="noStrike">
+      <a:defRPr sz="1400" b="0" i="0" u="none" strike="noStrike" cap="none">
         <a:solidFill>
           <a:srgbClr val="000000"/>
         </a:solidFill>
@@ -710,11 +726,11 @@
 </file>
 
 <file path=ppt/notesSlides/notesSlide1.xml><?xml version="1.0" encoding="utf-8"?>
-<p:notes xmlns:a="http://schemas.openxmlformats.org/drawingml/2006/main" xmlns:r="http://schemas.openxmlformats.org/officeDocument/2006/relationships" xmlns:mc="http://schemas.openxmlformats.org/markup-compatibility/2006" xmlns:mv="urn:schemas-microsoft-com:mac:vml" xmlns:p="http://schemas.openxmlformats.org/presentationml/2006/main" xmlns:c="http://schemas.openxmlformats.org/drawingml/2006/chart" xmlns:dgm="http://schemas.openxmlformats.org/drawingml/2006/diagram" xmlns:o="urn:schemas-microsoft-com:office:office" xmlns:v="urn:schemas-microsoft-com:vml" xmlns:pvml="urn:schemas-microsoft-com:office:powerpoint" xmlns:com="http://schemas.openxmlformats.org/drawingml/2006/compatibility" xmlns:p14="http://schemas.microsoft.com/office/powerpoint/2010/main" xmlns:p15="http://schemas.microsoft.com/office/powerpoint/2012/main" showMasterPhAnim="0" showMasterSp="0">
+<p:notes xmlns:a="http://schemas.openxmlformats.org/drawingml/2006/main" xmlns:r="http://schemas.openxmlformats.org/officeDocument/2006/relationships" xmlns:p="http://schemas.openxmlformats.org/presentationml/2006/main" showMasterSp="0" showMasterPhAnim="0">
   <p:cSld>
     <p:spTree>
       <p:nvGrpSpPr>
-        <p:cNvPr id="58" name="Shape 58"/>
+        <p:cNvPr id="1" name="Shape 58"/>
         <p:cNvGrpSpPr/>
         <p:nvPr/>
       </p:nvGrpSpPr>
@@ -729,9 +745,11 @@
       <p:sp>
         <p:nvSpPr>
           <p:cNvPr id="59" name="Google Shape;59;p:notes"/>
-          <p:cNvSpPr/>
+          <p:cNvSpPr>
+            <a:spLocks noGrp="1" noRot="1" noChangeAspect="1"/>
+          </p:cNvSpPr>
           <p:nvPr>
-            <p:ph idx="2" type="sldImg"/>
+            <p:ph type="sldImg" idx="2"/>
           </p:nvPr>
         </p:nvSpPr>
         <p:spPr>
@@ -740,9 +758,13 @@
             <a:ext cx="6096075" cy="3429000"/>
           </a:xfrm>
           <a:custGeom>
-            <a:rect b="b" l="l" r="r" t="t"/>
+            <a:avLst/>
+            <a:gdLst/>
+            <a:ahLst/>
+            <a:cxnLst/>
+            <a:rect l="l" t="t" r="r" b="b"/>
             <a:pathLst>
-              <a:path extrusionOk="0" h="120000" w="120000">
+              <a:path w="120000" h="120000" extrusionOk="0">
                 <a:moveTo>
                   <a:pt x="0" y="0"/>
                 </a:moveTo>
@@ -764,9 +786,11 @@
       <p:sp>
         <p:nvSpPr>
           <p:cNvPr id="60" name="Google Shape;60;p:notes"/>
-          <p:cNvSpPr txBox="1"/>
+          <p:cNvSpPr txBox="1">
+            <a:spLocks noGrp="1"/>
+          </p:cNvSpPr>
           <p:nvPr>
-            <p:ph idx="1" type="body"/>
+            <p:ph type="body" idx="1"/>
           </p:nvPr>
         </p:nvSpPr>
         <p:spPr>
@@ -779,12 +803,12 @@
           </a:prstGeom>
         </p:spPr>
         <p:txBody>
-          <a:bodyPr anchorCtr="0" anchor="t" bIns="91425" lIns="91425" spcFirstLastPara="1" rIns="91425" wrap="square" tIns="91425">
+          <a:bodyPr spcFirstLastPara="1" wrap="square" lIns="91425" tIns="91425" rIns="91425" bIns="91425" anchor="t" anchorCtr="0">
             <a:noAutofit/>
           </a:bodyPr>
           <a:lstStyle/>
           <a:p>
-            <a:pPr indent="0" lvl="0" marL="0" rtl="0" algn="l">
+            <a:pPr marL="0" lvl="0" indent="0" algn="l" rtl="0">
               <a:spcBef>
                 <a:spcPts val="0"/>
               </a:spcBef>
@@ -810,11 +834,11 @@
 </file>
 
 <file path=ppt/notesSlides/notesSlide2.xml><?xml version="1.0" encoding="utf-8"?>
-<p:notes xmlns:a="http://schemas.openxmlformats.org/drawingml/2006/main" xmlns:r="http://schemas.openxmlformats.org/officeDocument/2006/relationships" xmlns:mc="http://schemas.openxmlformats.org/markup-compatibility/2006" xmlns:mv="urn:schemas-microsoft-com:mac:vml" xmlns:p="http://schemas.openxmlformats.org/presentationml/2006/main" xmlns:c="http://schemas.openxmlformats.org/drawingml/2006/chart" xmlns:dgm="http://schemas.openxmlformats.org/drawingml/2006/diagram" xmlns:o="urn:schemas-microsoft-com:office:office" xmlns:v="urn:schemas-microsoft-com:vml" xmlns:pvml="urn:schemas-microsoft-com:office:powerpoint" xmlns:com="http://schemas.openxmlformats.org/drawingml/2006/compatibility" xmlns:p14="http://schemas.microsoft.com/office/powerpoint/2010/main" xmlns:p15="http://schemas.microsoft.com/office/powerpoint/2012/main" showMasterPhAnim="0" showMasterSp="0">
+<p:notes xmlns:a="http://schemas.openxmlformats.org/drawingml/2006/main" xmlns:r="http://schemas.openxmlformats.org/officeDocument/2006/relationships" xmlns:p="http://schemas.openxmlformats.org/presentationml/2006/main" showMasterSp="0" showMasterPhAnim="0">
   <p:cSld>
     <p:spTree>
       <p:nvGrpSpPr>
-        <p:cNvPr id="64" name="Shape 64"/>
+        <p:cNvPr id="1" name="Shape 64"/>
         <p:cNvGrpSpPr/>
         <p:nvPr/>
       </p:nvGrpSpPr>
@@ -829,9 +853,11 @@
       <p:sp>
         <p:nvSpPr>
           <p:cNvPr id="65" name="Google Shape;65;g7f7943d280_0_0:notes"/>
-          <p:cNvSpPr/>
+          <p:cNvSpPr>
+            <a:spLocks noGrp="1" noRot="1" noChangeAspect="1"/>
+          </p:cNvSpPr>
           <p:nvPr>
-            <p:ph idx="2" type="sldImg"/>
+            <p:ph type="sldImg" idx="2"/>
           </p:nvPr>
         </p:nvSpPr>
         <p:spPr>
@@ -840,9 +866,13 @@
             <a:ext cx="6096000" cy="3429000"/>
           </a:xfrm>
           <a:custGeom>
-            <a:rect b="b" l="l" r="r" t="t"/>
+            <a:avLst/>
+            <a:gdLst/>
+            <a:ahLst/>
+            <a:cxnLst/>
+            <a:rect l="l" t="t" r="r" b="b"/>
             <a:pathLst>
-              <a:path extrusionOk="0" h="120000" w="120000">
+              <a:path w="120000" h="120000" extrusionOk="0">
                 <a:moveTo>
                   <a:pt x="0" y="0"/>
                 </a:moveTo>
@@ -864,9 +894,11 @@
       <p:sp>
         <p:nvSpPr>
           <p:cNvPr id="66" name="Google Shape;66;g7f7943d280_0_0:notes"/>
-          <p:cNvSpPr txBox="1"/>
+          <p:cNvSpPr txBox="1">
+            <a:spLocks noGrp="1"/>
+          </p:cNvSpPr>
           <p:nvPr>
-            <p:ph idx="1" type="body"/>
+            <p:ph type="body" idx="1"/>
           </p:nvPr>
         </p:nvSpPr>
         <p:spPr>
@@ -879,12 +911,12 @@
           </a:prstGeom>
         </p:spPr>
         <p:txBody>
-          <a:bodyPr anchorCtr="0" anchor="t" bIns="91425" lIns="91425" spcFirstLastPara="1" rIns="91425" wrap="square" tIns="91425">
+          <a:bodyPr spcFirstLastPara="1" wrap="square" lIns="91425" tIns="91425" rIns="91425" bIns="91425" anchor="t" anchorCtr="0">
             <a:noAutofit/>
           </a:bodyPr>
           <a:lstStyle/>
           <a:p>
-            <a:pPr indent="0" lvl="0" marL="0" rtl="0" algn="l">
+            <a:pPr marL="0" lvl="0" indent="0" algn="l" rtl="0">
               <a:spcBef>
                 <a:spcPts val="0"/>
               </a:spcBef>
@@ -910,11 +942,11 @@
 </file>
 
 <file path=ppt/notesSlides/notesSlide3.xml><?xml version="1.0" encoding="utf-8"?>
-<p:notes xmlns:a="http://schemas.openxmlformats.org/drawingml/2006/main" xmlns:r="http://schemas.openxmlformats.org/officeDocument/2006/relationships" xmlns:mc="http://schemas.openxmlformats.org/markup-compatibility/2006" xmlns:mv="urn:schemas-microsoft-com:mac:vml" xmlns:p="http://schemas.openxmlformats.org/presentationml/2006/main" xmlns:c="http://schemas.openxmlformats.org/drawingml/2006/chart" xmlns:dgm="http://schemas.openxmlformats.org/drawingml/2006/diagram" xmlns:o="urn:schemas-microsoft-com:office:office" xmlns:v="urn:schemas-microsoft-com:vml" xmlns:pvml="urn:schemas-microsoft-com:office:powerpoint" xmlns:com="http://schemas.openxmlformats.org/drawingml/2006/compatibility" xmlns:p14="http://schemas.microsoft.com/office/powerpoint/2010/main" xmlns:p15="http://schemas.microsoft.com/office/powerpoint/2012/main" showMasterPhAnim="0" showMasterSp="0">
+<p:notes xmlns:a="http://schemas.openxmlformats.org/drawingml/2006/main" xmlns:r="http://schemas.openxmlformats.org/officeDocument/2006/relationships" xmlns:p="http://schemas.openxmlformats.org/presentationml/2006/main" showMasterSp="0" showMasterPhAnim="0">
   <p:cSld>
     <p:spTree>
       <p:nvGrpSpPr>
-        <p:cNvPr id="71" name="Shape 71"/>
+        <p:cNvPr id="1" name="Shape 71"/>
         <p:cNvGrpSpPr/>
         <p:nvPr/>
       </p:nvGrpSpPr>
@@ -929,9 +961,11 @@
       <p:sp>
         <p:nvSpPr>
           <p:cNvPr id="72" name="Google Shape;72;g74babe4e3e_1_0:notes"/>
-          <p:cNvSpPr/>
+          <p:cNvSpPr>
+            <a:spLocks noGrp="1" noRot="1" noChangeAspect="1"/>
+          </p:cNvSpPr>
           <p:nvPr>
-            <p:ph idx="2" type="sldImg"/>
+            <p:ph type="sldImg" idx="2"/>
           </p:nvPr>
         </p:nvSpPr>
         <p:spPr>
@@ -940,9 +974,13 @@
             <a:ext cx="6096000" cy="3429000"/>
           </a:xfrm>
           <a:custGeom>
-            <a:rect b="b" l="l" r="r" t="t"/>
+            <a:avLst/>
+            <a:gdLst/>
+            <a:ahLst/>
+            <a:cxnLst/>
+            <a:rect l="l" t="t" r="r" b="b"/>
             <a:pathLst>
-              <a:path extrusionOk="0" h="120000" w="120000">
+              <a:path w="120000" h="120000" extrusionOk="0">
                 <a:moveTo>
                   <a:pt x="0" y="0"/>
                 </a:moveTo>
@@ -964,9 +1002,11 @@
       <p:sp>
         <p:nvSpPr>
           <p:cNvPr id="73" name="Google Shape;73;g74babe4e3e_1_0:notes"/>
-          <p:cNvSpPr txBox="1"/>
+          <p:cNvSpPr txBox="1">
+            <a:spLocks noGrp="1"/>
+          </p:cNvSpPr>
           <p:nvPr>
-            <p:ph idx="1" type="body"/>
+            <p:ph type="body" idx="1"/>
           </p:nvPr>
         </p:nvSpPr>
         <p:spPr>
@@ -979,12 +1019,12 @@
           </a:prstGeom>
         </p:spPr>
         <p:txBody>
-          <a:bodyPr anchorCtr="0" anchor="t" bIns="91425" lIns="91425" spcFirstLastPara="1" rIns="91425" wrap="square" tIns="91425">
+          <a:bodyPr spcFirstLastPara="1" wrap="square" lIns="91425" tIns="91425" rIns="91425" bIns="91425" anchor="t" anchorCtr="0">
             <a:noAutofit/>
           </a:bodyPr>
           <a:lstStyle/>
           <a:p>
-            <a:pPr indent="0" lvl="0" marL="0" rtl="0" algn="l">
+            <a:pPr marL="0" lvl="0" indent="0" algn="l" rtl="0">
               <a:spcBef>
                 <a:spcPts val="0"/>
               </a:spcBef>
@@ -1010,11 +1050,11 @@
 </file>
 
 <file path=ppt/notesSlides/notesSlide4.xml><?xml version="1.0" encoding="utf-8"?>
-<p:notes xmlns:a="http://schemas.openxmlformats.org/drawingml/2006/main" xmlns:r="http://schemas.openxmlformats.org/officeDocument/2006/relationships" xmlns:mc="http://schemas.openxmlformats.org/markup-compatibility/2006" xmlns:mv="urn:schemas-microsoft-com:mac:vml" xmlns:p="http://schemas.openxmlformats.org/presentationml/2006/main" xmlns:c="http://schemas.openxmlformats.org/drawingml/2006/chart" xmlns:dgm="http://schemas.openxmlformats.org/drawingml/2006/diagram" xmlns:o="urn:schemas-microsoft-com:office:office" xmlns:v="urn:schemas-microsoft-com:vml" xmlns:pvml="urn:schemas-microsoft-com:office:powerpoint" xmlns:com="http://schemas.openxmlformats.org/drawingml/2006/compatibility" xmlns:p14="http://schemas.microsoft.com/office/powerpoint/2010/main" xmlns:p15="http://schemas.microsoft.com/office/powerpoint/2012/main" showMasterPhAnim="0" showMasterSp="0">
+<p:notes xmlns:a="http://schemas.openxmlformats.org/drawingml/2006/main" xmlns:r="http://schemas.openxmlformats.org/officeDocument/2006/relationships" xmlns:p="http://schemas.openxmlformats.org/presentationml/2006/main" showMasterSp="0" showMasterPhAnim="0">
   <p:cSld>
     <p:spTree>
       <p:nvGrpSpPr>
-        <p:cNvPr id="78" name="Shape 78"/>
+        <p:cNvPr id="1" name="Shape 78"/>
         <p:cNvGrpSpPr/>
         <p:nvPr/>
       </p:nvGrpSpPr>
@@ -1029,9 +1069,11 @@
       <p:sp>
         <p:nvSpPr>
           <p:cNvPr id="79" name="Google Shape;79;g83e018eeaf_0_0:notes"/>
-          <p:cNvSpPr/>
+          <p:cNvSpPr>
+            <a:spLocks noGrp="1" noRot="1" noChangeAspect="1"/>
+          </p:cNvSpPr>
           <p:nvPr>
-            <p:ph idx="2" type="sldImg"/>
+            <p:ph type="sldImg" idx="2"/>
           </p:nvPr>
         </p:nvSpPr>
         <p:spPr>
@@ -1040,9 +1082,13 @@
             <a:ext cx="6096000" cy="3429000"/>
           </a:xfrm>
           <a:custGeom>
-            <a:rect b="b" l="l" r="r" t="t"/>
+            <a:avLst/>
+            <a:gdLst/>
+            <a:ahLst/>
+            <a:cxnLst/>
+            <a:rect l="l" t="t" r="r" b="b"/>
             <a:pathLst>
-              <a:path extrusionOk="0" h="120000" w="120000">
+              <a:path w="120000" h="120000" extrusionOk="0">
                 <a:moveTo>
                   <a:pt x="0" y="0"/>
                 </a:moveTo>
@@ -1064,9 +1110,11 @@
       <p:sp>
         <p:nvSpPr>
           <p:cNvPr id="80" name="Google Shape;80;g83e018eeaf_0_0:notes"/>
-          <p:cNvSpPr txBox="1"/>
+          <p:cNvSpPr txBox="1">
+            <a:spLocks noGrp="1"/>
+          </p:cNvSpPr>
           <p:nvPr>
-            <p:ph idx="1" type="body"/>
+            <p:ph type="body" idx="1"/>
           </p:nvPr>
         </p:nvSpPr>
         <p:spPr>
@@ -1079,12 +1127,12 @@
           </a:prstGeom>
         </p:spPr>
         <p:txBody>
-          <a:bodyPr anchorCtr="0" anchor="t" bIns="91425" lIns="91425" spcFirstLastPara="1" rIns="91425" wrap="square" tIns="91425">
+          <a:bodyPr spcFirstLastPara="1" wrap="square" lIns="91425" tIns="91425" rIns="91425" bIns="91425" anchor="t" anchorCtr="0">
             <a:noAutofit/>
           </a:bodyPr>
           <a:lstStyle/>
           <a:p>
-            <a:pPr indent="0" lvl="0" marL="0" rtl="0" algn="l">
+            <a:pPr marL="0" lvl="0" indent="0" algn="l" rtl="0">
               <a:spcBef>
                 <a:spcPts val="0"/>
               </a:spcBef>
@@ -1110,11 +1158,11 @@
 </file>
 
 <file path=ppt/notesSlides/notesSlide5.xml><?xml version="1.0" encoding="utf-8"?>
-<p:notes xmlns:a="http://schemas.openxmlformats.org/drawingml/2006/main" xmlns:r="http://schemas.openxmlformats.org/officeDocument/2006/relationships" xmlns:mc="http://schemas.openxmlformats.org/markup-compatibility/2006" xmlns:mv="urn:schemas-microsoft-com:mac:vml" xmlns:p="http://schemas.openxmlformats.org/presentationml/2006/main" xmlns:c="http://schemas.openxmlformats.org/drawingml/2006/chart" xmlns:dgm="http://schemas.openxmlformats.org/drawingml/2006/diagram" xmlns:o="urn:schemas-microsoft-com:office:office" xmlns:v="urn:schemas-microsoft-com:vml" xmlns:pvml="urn:schemas-microsoft-com:office:powerpoint" xmlns:com="http://schemas.openxmlformats.org/drawingml/2006/compatibility" xmlns:p14="http://schemas.microsoft.com/office/powerpoint/2010/main" xmlns:p15="http://schemas.microsoft.com/office/powerpoint/2012/main" showMasterPhAnim="0" showMasterSp="0">
+<p:notes xmlns:a="http://schemas.openxmlformats.org/drawingml/2006/main" xmlns:r="http://schemas.openxmlformats.org/officeDocument/2006/relationships" xmlns:p="http://schemas.openxmlformats.org/presentationml/2006/main" showMasterSp="0" showMasterPhAnim="0">
   <p:cSld>
     <p:spTree>
       <p:nvGrpSpPr>
-        <p:cNvPr id="85" name="Shape 85"/>
+        <p:cNvPr id="1" name="Shape 85"/>
         <p:cNvGrpSpPr/>
         <p:nvPr/>
       </p:nvGrpSpPr>
@@ -1129,9 +1177,11 @@
       <p:sp>
         <p:nvSpPr>
           <p:cNvPr id="86" name="Google Shape;86;g83e018eeaf_0_11:notes"/>
-          <p:cNvSpPr/>
+          <p:cNvSpPr>
+            <a:spLocks noGrp="1" noRot="1" noChangeAspect="1"/>
+          </p:cNvSpPr>
           <p:nvPr>
-            <p:ph idx="2" type="sldImg"/>
+            <p:ph type="sldImg" idx="2"/>
           </p:nvPr>
         </p:nvSpPr>
         <p:spPr>
@@ -1140,9 +1190,13 @@
             <a:ext cx="6096000" cy="3429000"/>
           </a:xfrm>
           <a:custGeom>
-            <a:rect b="b" l="l" r="r" t="t"/>
+            <a:avLst/>
+            <a:gdLst/>
+            <a:ahLst/>
+            <a:cxnLst/>
+            <a:rect l="l" t="t" r="r" b="b"/>
             <a:pathLst>
-              <a:path extrusionOk="0" h="120000" w="120000">
+              <a:path w="120000" h="120000" extrusionOk="0">
                 <a:moveTo>
                   <a:pt x="0" y="0"/>
                 </a:moveTo>
@@ -1164,9 +1218,11 @@
       <p:sp>
         <p:nvSpPr>
           <p:cNvPr id="87" name="Google Shape;87;g83e018eeaf_0_11:notes"/>
-          <p:cNvSpPr txBox="1"/>
+          <p:cNvSpPr txBox="1">
+            <a:spLocks noGrp="1"/>
+          </p:cNvSpPr>
           <p:nvPr>
-            <p:ph idx="1" type="body"/>
+            <p:ph type="body" idx="1"/>
           </p:nvPr>
         </p:nvSpPr>
         <p:spPr>
@@ -1179,12 +1235,12 @@
           </a:prstGeom>
         </p:spPr>
         <p:txBody>
-          <a:bodyPr anchorCtr="0" anchor="t" bIns="91425" lIns="91425" spcFirstLastPara="1" rIns="91425" wrap="square" tIns="91425">
+          <a:bodyPr spcFirstLastPara="1" wrap="square" lIns="91425" tIns="91425" rIns="91425" bIns="91425" anchor="t" anchorCtr="0">
             <a:noAutofit/>
           </a:bodyPr>
           <a:lstStyle/>
           <a:p>
-            <a:pPr indent="0" lvl="0" marL="0" rtl="0" algn="l">
+            <a:pPr marL="0" lvl="0" indent="0" algn="l" rtl="0">
               <a:spcBef>
                 <a:spcPts val="0"/>
               </a:spcBef>
@@ -1210,11 +1266,11 @@
 </file>
 
 <file path=ppt/notesSlides/notesSlide6.xml><?xml version="1.0" encoding="utf-8"?>
-<p:notes xmlns:a="http://schemas.openxmlformats.org/drawingml/2006/main" xmlns:r="http://schemas.openxmlformats.org/officeDocument/2006/relationships" xmlns:mc="http://schemas.openxmlformats.org/markup-compatibility/2006" xmlns:mv="urn:schemas-microsoft-com:mac:vml" xmlns:p="http://schemas.openxmlformats.org/presentationml/2006/main" xmlns:c="http://schemas.openxmlformats.org/drawingml/2006/chart" xmlns:dgm="http://schemas.openxmlformats.org/drawingml/2006/diagram" xmlns:o="urn:schemas-microsoft-com:office:office" xmlns:v="urn:schemas-microsoft-com:vml" xmlns:pvml="urn:schemas-microsoft-com:office:powerpoint" xmlns:com="http://schemas.openxmlformats.org/drawingml/2006/compatibility" xmlns:p14="http://schemas.microsoft.com/office/powerpoint/2010/main" xmlns:p15="http://schemas.microsoft.com/office/powerpoint/2012/main" showMasterPhAnim="0" showMasterSp="0">
+<p:notes xmlns:a="http://schemas.openxmlformats.org/drawingml/2006/main" xmlns:r="http://schemas.openxmlformats.org/officeDocument/2006/relationships" xmlns:p="http://schemas.openxmlformats.org/presentationml/2006/main" showMasterSp="0" showMasterPhAnim="0">
   <p:cSld>
     <p:spTree>
       <p:nvGrpSpPr>
-        <p:cNvPr id="92" name="Shape 92"/>
+        <p:cNvPr id="1" name="Shape 92"/>
         <p:cNvGrpSpPr/>
         <p:nvPr/>
       </p:nvGrpSpPr>
@@ -1229,9 +1285,11 @@
       <p:sp>
         <p:nvSpPr>
           <p:cNvPr id="93" name="Google Shape;93;g7f7943d280_0_5:notes"/>
-          <p:cNvSpPr/>
+          <p:cNvSpPr>
+            <a:spLocks noGrp="1" noRot="1" noChangeAspect="1"/>
+          </p:cNvSpPr>
           <p:nvPr>
-            <p:ph idx="2" type="sldImg"/>
+            <p:ph type="sldImg" idx="2"/>
           </p:nvPr>
         </p:nvSpPr>
         <p:spPr>
@@ -1240,9 +1298,13 @@
             <a:ext cx="6096000" cy="3429000"/>
           </a:xfrm>
           <a:custGeom>
-            <a:rect b="b" l="l" r="r" t="t"/>
+            <a:avLst/>
+            <a:gdLst/>
+            <a:ahLst/>
+            <a:cxnLst/>
+            <a:rect l="l" t="t" r="r" b="b"/>
             <a:pathLst>
-              <a:path extrusionOk="0" h="120000" w="120000">
+              <a:path w="120000" h="120000" extrusionOk="0">
                 <a:moveTo>
                   <a:pt x="0" y="0"/>
                 </a:moveTo>
@@ -1264,9 +1326,11 @@
       <p:sp>
         <p:nvSpPr>
           <p:cNvPr id="94" name="Google Shape;94;g7f7943d280_0_5:notes"/>
-          <p:cNvSpPr txBox="1"/>
+          <p:cNvSpPr txBox="1">
+            <a:spLocks noGrp="1"/>
+          </p:cNvSpPr>
           <p:nvPr>
-            <p:ph idx="1" type="body"/>
+            <p:ph type="body" idx="1"/>
           </p:nvPr>
         </p:nvSpPr>
         <p:spPr>
@@ -1279,12 +1343,12 @@
           </a:prstGeom>
         </p:spPr>
         <p:txBody>
-          <a:bodyPr anchorCtr="0" anchor="t" bIns="91425" lIns="91425" spcFirstLastPara="1" rIns="91425" wrap="square" tIns="91425">
+          <a:bodyPr spcFirstLastPara="1" wrap="square" lIns="91425" tIns="91425" rIns="91425" bIns="91425" anchor="t" anchorCtr="0">
             <a:noAutofit/>
           </a:bodyPr>
           <a:lstStyle/>
           <a:p>
-            <a:pPr indent="0" lvl="0" marL="0" rtl="0" algn="l">
+            <a:pPr marL="0" lvl="0" indent="0" algn="l" rtl="0">
               <a:spcBef>
                 <a:spcPts val="0"/>
               </a:spcBef>
@@ -1310,11 +1374,11 @@
 </file>
 
 <file path=ppt/notesSlides/notesSlide7.xml><?xml version="1.0" encoding="utf-8"?>
-<p:notes xmlns:a="http://schemas.openxmlformats.org/drawingml/2006/main" xmlns:r="http://schemas.openxmlformats.org/officeDocument/2006/relationships" xmlns:mc="http://schemas.openxmlformats.org/markup-compatibility/2006" xmlns:mv="urn:schemas-microsoft-com:mac:vml" xmlns:p="http://schemas.openxmlformats.org/presentationml/2006/main" xmlns:c="http://schemas.openxmlformats.org/drawingml/2006/chart" xmlns:dgm="http://schemas.openxmlformats.org/drawingml/2006/diagram" xmlns:o="urn:schemas-microsoft-com:office:office" xmlns:v="urn:schemas-microsoft-com:vml" xmlns:pvml="urn:schemas-microsoft-com:office:powerpoint" xmlns:com="http://schemas.openxmlformats.org/drawingml/2006/compatibility" xmlns:p14="http://schemas.microsoft.com/office/powerpoint/2010/main" xmlns:p15="http://schemas.microsoft.com/office/powerpoint/2012/main" showMasterPhAnim="0" showMasterSp="0">
+<p:notes xmlns:a="http://schemas.openxmlformats.org/drawingml/2006/main" xmlns:r="http://schemas.openxmlformats.org/officeDocument/2006/relationships" xmlns:p="http://schemas.openxmlformats.org/presentationml/2006/main" showMasterSp="0" showMasterPhAnim="0">
   <p:cSld>
     <p:spTree>
       <p:nvGrpSpPr>
-        <p:cNvPr id="98" name="Shape 98"/>
+        <p:cNvPr id="1" name="Shape 98"/>
         <p:cNvGrpSpPr/>
         <p:nvPr/>
       </p:nvGrpSpPr>
@@ -1329,9 +1393,11 @@
       <p:sp>
         <p:nvSpPr>
           <p:cNvPr id="99" name="Google Shape;99;g7f7943d280_0_10:notes"/>
-          <p:cNvSpPr/>
+          <p:cNvSpPr>
+            <a:spLocks noGrp="1" noRot="1" noChangeAspect="1"/>
+          </p:cNvSpPr>
           <p:nvPr>
-            <p:ph idx="2" type="sldImg"/>
+            <p:ph type="sldImg" idx="2"/>
           </p:nvPr>
         </p:nvSpPr>
         <p:spPr>
@@ -1340,9 +1406,13 @@
             <a:ext cx="6096000" cy="3429000"/>
           </a:xfrm>
           <a:custGeom>
-            <a:rect b="b" l="l" r="r" t="t"/>
+            <a:avLst/>
+            <a:gdLst/>
+            <a:ahLst/>
+            <a:cxnLst/>
+            <a:rect l="l" t="t" r="r" b="b"/>
             <a:pathLst>
-              <a:path extrusionOk="0" h="120000" w="120000">
+              <a:path w="120000" h="120000" extrusionOk="0">
                 <a:moveTo>
                   <a:pt x="0" y="0"/>
                 </a:moveTo>
@@ -1364,9 +1434,11 @@
       <p:sp>
         <p:nvSpPr>
           <p:cNvPr id="100" name="Google Shape;100;g7f7943d280_0_10:notes"/>
-          <p:cNvSpPr txBox="1"/>
+          <p:cNvSpPr txBox="1">
+            <a:spLocks noGrp="1"/>
+          </p:cNvSpPr>
           <p:nvPr>
-            <p:ph idx="1" type="body"/>
+            <p:ph type="body" idx="1"/>
           </p:nvPr>
         </p:nvSpPr>
         <p:spPr>
@@ -1379,12 +1451,12 @@
           </a:prstGeom>
         </p:spPr>
         <p:txBody>
-          <a:bodyPr anchorCtr="0" anchor="t" bIns="91425" lIns="91425" spcFirstLastPara="1" rIns="91425" wrap="square" tIns="91425">
+          <a:bodyPr spcFirstLastPara="1" wrap="square" lIns="91425" tIns="91425" rIns="91425" bIns="91425" anchor="t" anchorCtr="0">
             <a:noAutofit/>
           </a:bodyPr>
           <a:lstStyle/>
           <a:p>
-            <a:pPr indent="0" lvl="0" marL="0" rtl="0" algn="l">
+            <a:pPr marL="0" lvl="0" indent="0" algn="l" rtl="0">
               <a:spcBef>
                 <a:spcPts val="0"/>
               </a:spcBef>
@@ -1410,11 +1482,11 @@
 </file>
 
 <file path=ppt/notesSlides/notesSlide8.xml><?xml version="1.0" encoding="utf-8"?>
-<p:notes xmlns:a="http://schemas.openxmlformats.org/drawingml/2006/main" xmlns:r="http://schemas.openxmlformats.org/officeDocument/2006/relationships" xmlns:mc="http://schemas.openxmlformats.org/markup-compatibility/2006" xmlns:mv="urn:schemas-microsoft-com:mac:vml" xmlns:p="http://schemas.openxmlformats.org/presentationml/2006/main" xmlns:c="http://schemas.openxmlformats.org/drawingml/2006/chart" xmlns:dgm="http://schemas.openxmlformats.org/drawingml/2006/diagram" xmlns:o="urn:schemas-microsoft-com:office:office" xmlns:v="urn:schemas-microsoft-com:vml" xmlns:pvml="urn:schemas-microsoft-com:office:powerpoint" xmlns:com="http://schemas.openxmlformats.org/drawingml/2006/compatibility" xmlns:p14="http://schemas.microsoft.com/office/powerpoint/2010/main" xmlns:p15="http://schemas.microsoft.com/office/powerpoint/2012/main" showMasterPhAnim="0" showMasterSp="0">
+<p:notes xmlns:a="http://schemas.openxmlformats.org/drawingml/2006/main" xmlns:r="http://schemas.openxmlformats.org/officeDocument/2006/relationships" xmlns:p="http://schemas.openxmlformats.org/presentationml/2006/main" showMasterSp="0" showMasterPhAnim="0">
   <p:cSld>
     <p:spTree>
       <p:nvGrpSpPr>
-        <p:cNvPr id="105" name="Shape 105"/>
+        <p:cNvPr id="1" name="Shape 105"/>
         <p:cNvGrpSpPr/>
         <p:nvPr/>
       </p:nvGrpSpPr>
@@ -1429,9 +1501,11 @@
       <p:sp>
         <p:nvSpPr>
           <p:cNvPr id="106" name="Google Shape;106;g83e018eeaf_0_6:notes"/>
-          <p:cNvSpPr/>
+          <p:cNvSpPr>
+            <a:spLocks noGrp="1" noRot="1" noChangeAspect="1"/>
+          </p:cNvSpPr>
           <p:nvPr>
-            <p:ph idx="2" type="sldImg"/>
+            <p:ph type="sldImg" idx="2"/>
           </p:nvPr>
         </p:nvSpPr>
         <p:spPr>
@@ -1440,9 +1514,13 @@
             <a:ext cx="6096000" cy="3429000"/>
           </a:xfrm>
           <a:custGeom>
-            <a:rect b="b" l="l" r="r" t="t"/>
+            <a:avLst/>
+            <a:gdLst/>
+            <a:ahLst/>
+            <a:cxnLst/>
+            <a:rect l="l" t="t" r="r" b="b"/>
             <a:pathLst>
-              <a:path extrusionOk="0" h="120000" w="120000">
+              <a:path w="120000" h="120000" extrusionOk="0">
                 <a:moveTo>
                   <a:pt x="0" y="0"/>
                 </a:moveTo>
@@ -1464,9 +1542,11 @@
       <p:sp>
         <p:nvSpPr>
           <p:cNvPr id="107" name="Google Shape;107;g83e018eeaf_0_6:notes"/>
-          <p:cNvSpPr txBox="1"/>
+          <p:cNvSpPr txBox="1">
+            <a:spLocks noGrp="1"/>
+          </p:cNvSpPr>
           <p:nvPr>
-            <p:ph idx="1" type="body"/>
+            <p:ph type="body" idx="1"/>
           </p:nvPr>
         </p:nvSpPr>
         <p:spPr>
@@ -1479,12 +1559,12 @@
           </a:prstGeom>
         </p:spPr>
         <p:txBody>
-          <a:bodyPr anchorCtr="0" anchor="t" bIns="91425" lIns="91425" spcFirstLastPara="1" rIns="91425" wrap="square" tIns="91425">
+          <a:bodyPr spcFirstLastPara="1" wrap="square" lIns="91425" tIns="91425" rIns="91425" bIns="91425" anchor="t" anchorCtr="0">
             <a:noAutofit/>
           </a:bodyPr>
           <a:lstStyle/>
           <a:p>
-            <a:pPr indent="0" lvl="0" marL="0" rtl="0" algn="l">
+            <a:pPr marL="0" lvl="0" indent="0" algn="l" rtl="0">
               <a:spcBef>
                 <a:spcPts val="0"/>
               </a:spcBef>
@@ -1493,9 +1573,6 @@
               </a:spcAft>
               <a:buNone/>
             </a:pPr>
-            <a:r>
-              <a:t/>
-            </a:r>
             <a:endParaRPr/>
           </a:p>
         </p:txBody>
@@ -1509,11 +1586,11 @@
 </file>
 
 <file path=ppt/slideLayouts/slideLayout1.xml><?xml version="1.0" encoding="utf-8"?>
-<p:sldLayout xmlns:a="http://schemas.openxmlformats.org/drawingml/2006/main" xmlns:r="http://schemas.openxmlformats.org/officeDocument/2006/relationships" xmlns:mc="http://schemas.openxmlformats.org/markup-compatibility/2006" xmlns:mv="urn:schemas-microsoft-com:mac:vml" xmlns:p="http://schemas.openxmlformats.org/presentationml/2006/main" xmlns:c="http://schemas.openxmlformats.org/drawingml/2006/chart" xmlns:dgm="http://schemas.openxmlformats.org/drawingml/2006/diagram" xmlns:o="urn:schemas-microsoft-com:office:office" xmlns:v="urn:schemas-microsoft-com:vml" xmlns:pvml="urn:schemas-microsoft-com:office:powerpoint" xmlns:com="http://schemas.openxmlformats.org/drawingml/2006/compatibility" xmlns:p14="http://schemas.microsoft.com/office/powerpoint/2010/main" xmlns:p15="http://schemas.microsoft.com/office/powerpoint/2012/main" matchingName="Title slide" type="title">
+<p:sldLayout xmlns:a="http://schemas.openxmlformats.org/drawingml/2006/main" xmlns:r="http://schemas.openxmlformats.org/officeDocument/2006/relationships" xmlns:p="http://schemas.openxmlformats.org/presentationml/2006/main" matchingName="Title slide" type="title">
   <p:cSld name="TITLE">
     <p:spTree>
       <p:nvGrpSpPr>
-        <p:cNvPr id="9" name="Shape 9"/>
+        <p:cNvPr id="1" name="Shape 9"/>
         <p:cNvGrpSpPr/>
         <p:nvPr/>
       </p:nvGrpSpPr>
@@ -1537,9 +1614,13 @@
             <a:ext cx="1081625" cy="1124950"/>
           </a:xfrm>
           <a:custGeom>
-            <a:rect b="b" l="l" r="r" t="t"/>
+            <a:avLst/>
+            <a:gdLst/>
+            <a:ahLst/>
+            <a:cxnLst/>
+            <a:rect l="l" t="t" r="r" b="b"/>
             <a:pathLst>
-              <a:path extrusionOk="0" h="44998" w="43265">
+              <a:path w="43265" h="44998" extrusionOk="0">
                 <a:moveTo>
                   <a:pt x="0" y="44998"/>
                 </a:moveTo>
@@ -1553,14 +1634,14 @@
             </a:pathLst>
           </a:custGeom>
           <a:noFill/>
-          <a:ln cap="flat" cmpd="sng" w="28575">
+          <a:ln w="28575" cap="flat" cmpd="sng">
             <a:solidFill>
               <a:schemeClr val="lt2"/>
             </a:solidFill>
             <a:prstDash val="solid"/>
             <a:miter lim="8000"/>
-            <a:headEnd len="sm" w="sm" type="none"/>
-            <a:tailEnd len="sm" w="sm" type="none"/>
+            <a:headEnd type="none" w="sm" len="sm"/>
+            <a:tailEnd type="none" w="sm" len="sm"/>
           </a:ln>
         </p:spPr>
       </p:sp>
@@ -1576,9 +1657,13 @@
             <a:ext cx="1081625" cy="1124950"/>
           </a:xfrm>
           <a:custGeom>
-            <a:rect b="b" l="l" r="r" t="t"/>
+            <a:avLst/>
+            <a:gdLst/>
+            <a:ahLst/>
+            <a:cxnLst/>
+            <a:rect l="l" t="t" r="r" b="b"/>
             <a:pathLst>
-              <a:path extrusionOk="0" h="44998" w="43265">
+              <a:path w="43265" h="44998" extrusionOk="0">
                 <a:moveTo>
                   <a:pt x="0" y="44998"/>
                 </a:moveTo>
@@ -1592,21 +1677,23 @@
             </a:pathLst>
           </a:custGeom>
           <a:noFill/>
-          <a:ln cap="flat" cmpd="sng" w="28575">
+          <a:ln w="28575" cap="flat" cmpd="sng">
             <a:solidFill>
               <a:schemeClr val="lt2"/>
             </a:solidFill>
             <a:prstDash val="solid"/>
             <a:miter lim="8000"/>
-            <a:headEnd len="sm" w="sm" type="none"/>
-            <a:tailEnd len="sm" w="sm" type="none"/>
+            <a:headEnd type="none" w="sm" len="sm"/>
+            <a:tailEnd type="none" w="sm" len="sm"/>
           </a:ln>
         </p:spPr>
       </p:sp>
       <p:sp>
         <p:nvSpPr>
           <p:cNvPr id="12" name="Google Shape;12;p2"/>
-          <p:cNvSpPr txBox="1"/>
+          <p:cNvSpPr txBox="1">
+            <a:spLocks noGrp="1"/>
+          </p:cNvSpPr>
           <p:nvPr>
             <p:ph type="ctrTitle"/>
           </p:nvPr>
@@ -1621,7 +1708,7 @@
           </a:prstGeom>
         </p:spPr>
         <p:txBody>
-          <a:bodyPr anchorCtr="0" anchor="b" bIns="91425" lIns="91425" spcFirstLastPara="1" rIns="91425" wrap="square" tIns="91425">
+          <a:bodyPr spcFirstLastPara="1" wrap="square" lIns="91425" tIns="91425" rIns="91425" bIns="91425" anchor="b" anchorCtr="0">
             <a:noAutofit/>
           </a:bodyPr>
           <a:lstStyle>
@@ -1725,15 +1812,19 @@
               <a:defRPr/>
             </a:lvl9pPr>
           </a:lstStyle>
-          <a:p/>
+          <a:p>
+            <a:endParaRPr/>
+          </a:p>
         </p:txBody>
       </p:sp>
       <p:sp>
         <p:nvSpPr>
           <p:cNvPr id="13" name="Google Shape;13;p2"/>
-          <p:cNvSpPr txBox="1"/>
+          <p:cNvSpPr txBox="1">
+            <a:spLocks noGrp="1"/>
+          </p:cNvSpPr>
           <p:nvPr>
-            <p:ph idx="1" type="subTitle"/>
+            <p:ph type="subTitle" idx="1"/>
           </p:nvPr>
         </p:nvSpPr>
         <p:spPr>
@@ -1746,7 +1837,7 @@
           </a:prstGeom>
         </p:spPr>
         <p:txBody>
-          <a:bodyPr anchorCtr="0" anchor="t" bIns="91425" lIns="91425" spcFirstLastPara="1" rIns="91425" wrap="square" tIns="91425">
+          <a:bodyPr spcFirstLastPara="1" wrap="square" lIns="91425" tIns="91425" rIns="91425" bIns="91425" anchor="t" anchorCtr="0">
             <a:noAutofit/>
           </a:bodyPr>
           <a:lstStyle>
@@ -1931,15 +2022,19 @@
               </a:defRPr>
             </a:lvl9pPr>
           </a:lstStyle>
-          <a:p/>
+          <a:p>
+            <a:endParaRPr/>
+          </a:p>
         </p:txBody>
       </p:sp>
       <p:sp>
         <p:nvSpPr>
           <p:cNvPr id="14" name="Google Shape;14;p2"/>
-          <p:cNvSpPr txBox="1"/>
+          <p:cNvSpPr txBox="1">
+            <a:spLocks noGrp="1"/>
+          </p:cNvSpPr>
           <p:nvPr>
-            <p:ph idx="12" type="sldNum"/>
+            <p:ph type="sldNum" idx="12"/>
           </p:nvPr>
         </p:nvSpPr>
         <p:spPr>
@@ -1952,7 +2047,7 @@
           </a:prstGeom>
         </p:spPr>
         <p:txBody>
-          <a:bodyPr anchorCtr="0" anchor="ctr" bIns="91425" lIns="91425" spcFirstLastPara="1" rIns="91425" wrap="square" tIns="91425">
+          <a:bodyPr spcFirstLastPara="1" wrap="square" lIns="91425" tIns="91425" rIns="91425" bIns="91425" anchor="ctr" anchorCtr="0">
             <a:noAutofit/>
           </a:bodyPr>
           <a:lstStyle>
@@ -1994,7 +2089,7 @@
             </a:lvl9pPr>
           </a:lstStyle>
           <a:p>
-            <a:pPr indent="0" lvl="0" marL="0" rtl="0" algn="r">
+            <a:pPr marL="0" lvl="0" indent="0" algn="r" rtl="0">
               <a:spcBef>
                 <a:spcPts val="0"/>
               </a:spcBef>
@@ -2020,11 +2115,11 @@
 </file>
 
 <file path=ppt/slideLayouts/slideLayout10.xml><?xml version="1.0" encoding="utf-8"?>
-<p:sldLayout xmlns:a="http://schemas.openxmlformats.org/drawingml/2006/main" xmlns:r="http://schemas.openxmlformats.org/officeDocument/2006/relationships" xmlns:mc="http://schemas.openxmlformats.org/markup-compatibility/2006" xmlns:mv="urn:schemas-microsoft-com:mac:vml" xmlns:p="http://schemas.openxmlformats.org/presentationml/2006/main" xmlns:c="http://schemas.openxmlformats.org/drawingml/2006/chart" xmlns:dgm="http://schemas.openxmlformats.org/drawingml/2006/diagram" xmlns:o="urn:schemas-microsoft-com:office:office" xmlns:v="urn:schemas-microsoft-com:vml" xmlns:pvml="urn:schemas-microsoft-com:office:powerpoint" xmlns:com="http://schemas.openxmlformats.org/drawingml/2006/compatibility" xmlns:p14="http://schemas.microsoft.com/office/powerpoint/2010/main" xmlns:p15="http://schemas.microsoft.com/office/powerpoint/2012/main" matchingName="Big number">
+<p:sldLayout xmlns:a="http://schemas.openxmlformats.org/drawingml/2006/main" xmlns:r="http://schemas.openxmlformats.org/officeDocument/2006/relationships" xmlns:p="http://schemas.openxmlformats.org/presentationml/2006/main" matchingName="Big number">
   <p:cSld name="BIG_NUMBER">
     <p:spTree>
       <p:nvGrpSpPr>
-        <p:cNvPr id="51" name="Shape 51"/>
+        <p:cNvPr id="1" name="Shape 51"/>
         <p:cNvGrpSpPr/>
         <p:nvPr/>
       </p:nvGrpSpPr>
@@ -2058,12 +2153,12 @@
           </a:ln>
         </p:spPr>
         <p:txBody>
-          <a:bodyPr anchorCtr="0" anchor="ctr" bIns="91425" lIns="91425" spcFirstLastPara="1" rIns="91425" wrap="square" tIns="91425">
+          <a:bodyPr spcFirstLastPara="1" wrap="square" lIns="91425" tIns="91425" rIns="91425" bIns="91425" anchor="ctr" anchorCtr="0">
             <a:noAutofit/>
           </a:bodyPr>
           <a:lstStyle/>
           <a:p>
-            <a:pPr indent="0" lvl="0" marL="0" rtl="0" algn="l">
+            <a:pPr marL="0" lvl="0" indent="0" algn="l" rtl="0">
               <a:spcBef>
                 <a:spcPts val="0"/>
               </a:spcBef>
@@ -2072,9 +2167,6 @@
               </a:spcAft>
               <a:buNone/>
             </a:pPr>
-            <a:r>
-              <a:t/>
-            </a:r>
             <a:endParaRPr/>
           </a:p>
         </p:txBody>
@@ -2082,9 +2174,11 @@
       <p:sp>
         <p:nvSpPr>
           <p:cNvPr id="53" name="Google Shape;53;p11"/>
-          <p:cNvSpPr txBox="1"/>
+          <p:cNvSpPr txBox="1">
+            <a:spLocks noGrp="1"/>
+          </p:cNvSpPr>
           <p:nvPr>
-            <p:ph hasCustomPrompt="1" type="title"/>
+            <p:ph type="title" hasCustomPrompt="1"/>
           </p:nvPr>
         </p:nvSpPr>
         <p:spPr>
@@ -2097,7 +2191,7 @@
           </a:prstGeom>
         </p:spPr>
         <p:txBody>
-          <a:bodyPr anchorCtr="0" anchor="ctr" bIns="91425" lIns="91425" spcFirstLastPara="1" rIns="91425" wrap="square" tIns="91425">
+          <a:bodyPr spcFirstLastPara="1" wrap="square" lIns="91425" tIns="91425" rIns="91425" bIns="91425" anchor="ctr" anchorCtr="0">
             <a:noAutofit/>
           </a:bodyPr>
           <a:lstStyle>
@@ -2274,9 +2368,11 @@
       <p:sp>
         <p:nvSpPr>
           <p:cNvPr id="54" name="Google Shape;54;p11"/>
-          <p:cNvSpPr txBox="1"/>
+          <p:cNvSpPr txBox="1">
+            <a:spLocks noGrp="1"/>
+          </p:cNvSpPr>
           <p:nvPr>
-            <p:ph idx="1" type="body"/>
+            <p:ph type="body" idx="1"/>
           </p:nvPr>
         </p:nvSpPr>
         <p:spPr>
@@ -2289,11 +2385,11 @@
           </a:prstGeom>
         </p:spPr>
         <p:txBody>
-          <a:bodyPr anchorCtr="0" anchor="t" bIns="91425" lIns="91425" spcFirstLastPara="1" rIns="91425" wrap="square" tIns="91425">
+          <a:bodyPr spcFirstLastPara="1" wrap="square" lIns="91425" tIns="91425" rIns="91425" bIns="91425" anchor="t" anchorCtr="0">
             <a:noAutofit/>
           </a:bodyPr>
           <a:lstStyle>
-            <a:lvl1pPr indent="-342900" lvl="0" marL="457200" algn="ctr">
+            <a:lvl1pPr marL="457200" lvl="0" indent="-342900" algn="ctr">
               <a:spcBef>
                 <a:spcPts val="0"/>
               </a:spcBef>
@@ -2304,7 +2400,7 @@
               <a:buChar char="●"/>
               <a:defRPr/>
             </a:lvl1pPr>
-            <a:lvl2pPr indent="-317500" lvl="1" marL="914400" algn="ctr">
+            <a:lvl2pPr marL="914400" lvl="1" indent="-317500" algn="ctr">
               <a:spcBef>
                 <a:spcPts val="1600"/>
               </a:spcBef>
@@ -2315,7 +2411,7 @@
               <a:buChar char="○"/>
               <a:defRPr/>
             </a:lvl2pPr>
-            <a:lvl3pPr indent="-317500" lvl="2" marL="1371600" algn="ctr">
+            <a:lvl3pPr marL="1371600" lvl="2" indent="-317500" algn="ctr">
               <a:spcBef>
                 <a:spcPts val="1600"/>
               </a:spcBef>
@@ -2326,7 +2422,7 @@
               <a:buChar char="■"/>
               <a:defRPr/>
             </a:lvl3pPr>
-            <a:lvl4pPr indent="-317500" lvl="3" marL="1828800" algn="ctr">
+            <a:lvl4pPr marL="1828800" lvl="3" indent="-317500" algn="ctr">
               <a:spcBef>
                 <a:spcPts val="1600"/>
               </a:spcBef>
@@ -2337,7 +2433,7 @@
               <a:buChar char="●"/>
               <a:defRPr/>
             </a:lvl4pPr>
-            <a:lvl5pPr indent="-317500" lvl="4" marL="2286000" algn="ctr">
+            <a:lvl5pPr marL="2286000" lvl="4" indent="-317500" algn="ctr">
               <a:spcBef>
                 <a:spcPts val="1600"/>
               </a:spcBef>
@@ -2348,7 +2444,7 @@
               <a:buChar char="○"/>
               <a:defRPr/>
             </a:lvl5pPr>
-            <a:lvl6pPr indent="-317500" lvl="5" marL="2743200" algn="ctr">
+            <a:lvl6pPr marL="2743200" lvl="5" indent="-317500" algn="ctr">
               <a:spcBef>
                 <a:spcPts val="1600"/>
               </a:spcBef>
@@ -2359,7 +2455,7 @@
               <a:buChar char="■"/>
               <a:defRPr/>
             </a:lvl6pPr>
-            <a:lvl7pPr indent="-317500" lvl="6" marL="3200400" algn="ctr">
+            <a:lvl7pPr marL="3200400" lvl="6" indent="-317500" algn="ctr">
               <a:spcBef>
                 <a:spcPts val="1600"/>
               </a:spcBef>
@@ -2370,7 +2466,7 @@
               <a:buChar char="●"/>
               <a:defRPr/>
             </a:lvl7pPr>
-            <a:lvl8pPr indent="-317500" lvl="7" marL="3657600" algn="ctr">
+            <a:lvl8pPr marL="3657600" lvl="7" indent="-317500" algn="ctr">
               <a:spcBef>
                 <a:spcPts val="1600"/>
               </a:spcBef>
@@ -2381,7 +2477,7 @@
               <a:buChar char="○"/>
               <a:defRPr/>
             </a:lvl8pPr>
-            <a:lvl9pPr indent="-317500" lvl="8" marL="4114800" algn="ctr">
+            <a:lvl9pPr marL="4114800" lvl="8" indent="-317500" algn="ctr">
               <a:spcBef>
                 <a:spcPts val="1600"/>
               </a:spcBef>
@@ -2393,15 +2489,19 @@
               <a:defRPr/>
             </a:lvl9pPr>
           </a:lstStyle>
-          <a:p/>
+          <a:p>
+            <a:endParaRPr/>
+          </a:p>
         </p:txBody>
       </p:sp>
       <p:sp>
         <p:nvSpPr>
           <p:cNvPr id="55" name="Google Shape;55;p11"/>
-          <p:cNvSpPr txBox="1"/>
+          <p:cNvSpPr txBox="1">
+            <a:spLocks noGrp="1"/>
+          </p:cNvSpPr>
           <p:nvPr>
-            <p:ph idx="12" type="sldNum"/>
+            <p:ph type="sldNum" idx="12"/>
           </p:nvPr>
         </p:nvSpPr>
         <p:spPr>
@@ -2414,7 +2514,7 @@
           </a:prstGeom>
         </p:spPr>
         <p:txBody>
-          <a:bodyPr anchorCtr="0" anchor="ctr" bIns="91425" lIns="91425" spcFirstLastPara="1" rIns="91425" wrap="square" tIns="91425">
+          <a:bodyPr spcFirstLastPara="1" wrap="square" lIns="91425" tIns="91425" rIns="91425" bIns="91425" anchor="ctr" anchorCtr="0">
             <a:noAutofit/>
           </a:bodyPr>
           <a:lstStyle>
@@ -2456,7 +2556,7 @@
             </a:lvl9pPr>
           </a:lstStyle>
           <a:p>
-            <a:pPr indent="0" lvl="0" marL="0" rtl="0" algn="r">
+            <a:pPr marL="0" lvl="0" indent="0" algn="r" rtl="0">
               <a:spcBef>
                 <a:spcPts val="0"/>
               </a:spcBef>
@@ -2482,11 +2582,11 @@
 </file>
 
 <file path=ppt/slideLayouts/slideLayout11.xml><?xml version="1.0" encoding="utf-8"?>
-<p:sldLayout xmlns:a="http://schemas.openxmlformats.org/drawingml/2006/main" xmlns:r="http://schemas.openxmlformats.org/officeDocument/2006/relationships" xmlns:mc="http://schemas.openxmlformats.org/markup-compatibility/2006" xmlns:mv="urn:schemas-microsoft-com:mac:vml" xmlns:p="http://schemas.openxmlformats.org/presentationml/2006/main" xmlns:c="http://schemas.openxmlformats.org/drawingml/2006/chart" xmlns:dgm="http://schemas.openxmlformats.org/drawingml/2006/diagram" xmlns:o="urn:schemas-microsoft-com:office:office" xmlns:v="urn:schemas-microsoft-com:vml" xmlns:pvml="urn:schemas-microsoft-com:office:powerpoint" xmlns:com="http://schemas.openxmlformats.org/drawingml/2006/compatibility" xmlns:p14="http://schemas.microsoft.com/office/powerpoint/2010/main" xmlns:p15="http://schemas.microsoft.com/office/powerpoint/2012/main" matchingName="Blank" type="blank">
+<p:sldLayout xmlns:a="http://schemas.openxmlformats.org/drawingml/2006/main" xmlns:r="http://schemas.openxmlformats.org/officeDocument/2006/relationships" xmlns:p="http://schemas.openxmlformats.org/presentationml/2006/main" matchingName="Blank" type="blank">
   <p:cSld name="BLANK">
     <p:spTree>
       <p:nvGrpSpPr>
-        <p:cNvPr id="56" name="Shape 56"/>
+        <p:cNvPr id="1" name="Shape 56"/>
         <p:cNvGrpSpPr/>
         <p:nvPr/>
       </p:nvGrpSpPr>
@@ -2501,9 +2601,11 @@
       <p:sp>
         <p:nvSpPr>
           <p:cNvPr id="57" name="Google Shape;57;p12"/>
-          <p:cNvSpPr txBox="1"/>
+          <p:cNvSpPr txBox="1">
+            <a:spLocks noGrp="1"/>
+          </p:cNvSpPr>
           <p:nvPr>
-            <p:ph idx="12" type="sldNum"/>
+            <p:ph type="sldNum" idx="12"/>
           </p:nvPr>
         </p:nvSpPr>
         <p:spPr>
@@ -2516,7 +2618,7 @@
           </a:prstGeom>
         </p:spPr>
         <p:txBody>
-          <a:bodyPr anchorCtr="0" anchor="ctr" bIns="91425" lIns="91425" spcFirstLastPara="1" rIns="91425" wrap="square" tIns="91425">
+          <a:bodyPr spcFirstLastPara="1" wrap="square" lIns="91425" tIns="91425" rIns="91425" bIns="91425" anchor="ctr" anchorCtr="0">
             <a:noAutofit/>
           </a:bodyPr>
           <a:lstStyle>
@@ -2558,7 +2660,7 @@
             </a:lvl9pPr>
           </a:lstStyle>
           <a:p>
-            <a:pPr indent="0" lvl="0" marL="0" rtl="0" algn="r">
+            <a:pPr marL="0" lvl="0" indent="0" algn="r" rtl="0">
               <a:spcBef>
                 <a:spcPts val="0"/>
               </a:spcBef>
@@ -2584,11 +2686,11 @@
 </file>
 
 <file path=ppt/slideLayouts/slideLayout2.xml><?xml version="1.0" encoding="utf-8"?>
-<p:sldLayout xmlns:a="http://schemas.openxmlformats.org/drawingml/2006/main" xmlns:r="http://schemas.openxmlformats.org/officeDocument/2006/relationships" xmlns:mc="http://schemas.openxmlformats.org/markup-compatibility/2006" xmlns:mv="urn:schemas-microsoft-com:mac:vml" xmlns:p="http://schemas.openxmlformats.org/presentationml/2006/main" xmlns:c="http://schemas.openxmlformats.org/drawingml/2006/chart" xmlns:dgm="http://schemas.openxmlformats.org/drawingml/2006/diagram" xmlns:o="urn:schemas-microsoft-com:office:office" xmlns:v="urn:schemas-microsoft-com:vml" xmlns:pvml="urn:schemas-microsoft-com:office:powerpoint" xmlns:com="http://schemas.openxmlformats.org/drawingml/2006/compatibility" xmlns:p14="http://schemas.microsoft.com/office/powerpoint/2010/main" xmlns:p15="http://schemas.microsoft.com/office/powerpoint/2012/main" matchingName="Section header" type="secHead">
+<p:sldLayout xmlns:a="http://schemas.openxmlformats.org/drawingml/2006/main" xmlns:r="http://schemas.openxmlformats.org/officeDocument/2006/relationships" xmlns:p="http://schemas.openxmlformats.org/presentationml/2006/main" matchingName="Section header" type="secHead">
   <p:cSld name="SECTION_HEADER">
     <p:spTree>
       <p:nvGrpSpPr>
-        <p:cNvPr id="15" name="Shape 15"/>
+        <p:cNvPr id="1" name="Shape 15"/>
         <p:cNvGrpSpPr/>
         <p:nvPr/>
       </p:nvGrpSpPr>
@@ -2612,9 +2714,13 @@
             <a:ext cx="1081625" cy="1124950"/>
           </a:xfrm>
           <a:custGeom>
-            <a:rect b="b" l="l" r="r" t="t"/>
+            <a:avLst/>
+            <a:gdLst/>
+            <a:ahLst/>
+            <a:cxnLst/>
+            <a:rect l="l" t="t" r="r" b="b"/>
             <a:pathLst>
-              <a:path extrusionOk="0" h="44998" w="43265">
+              <a:path w="43265" h="44998" extrusionOk="0">
                 <a:moveTo>
                   <a:pt x="0" y="44998"/>
                 </a:moveTo>
@@ -2628,14 +2734,14 @@
             </a:pathLst>
           </a:custGeom>
           <a:noFill/>
-          <a:ln cap="flat" cmpd="sng" w="28575">
+          <a:ln w="28575" cap="flat" cmpd="sng">
             <a:solidFill>
               <a:schemeClr val="lt2"/>
             </a:solidFill>
             <a:prstDash val="solid"/>
             <a:miter lim="8000"/>
-            <a:headEnd len="sm" w="sm" type="none"/>
-            <a:tailEnd len="sm" w="sm" type="none"/>
+            <a:headEnd type="none" w="sm" len="sm"/>
+            <a:tailEnd type="none" w="sm" len="sm"/>
           </a:ln>
         </p:spPr>
       </p:sp>
@@ -2646,14 +2752,18 @@
           <p:nvPr/>
         </p:nvSpPr>
         <p:spPr>
-          <a:xfrm flipH="1" rot="10800000">
+          <a:xfrm rot="10800000" flipH="1">
             <a:off x="466425" y="3558325"/>
             <a:ext cx="1081625" cy="1124950"/>
           </a:xfrm>
           <a:custGeom>
-            <a:rect b="b" l="l" r="r" t="t"/>
+            <a:avLst/>
+            <a:gdLst/>
+            <a:ahLst/>
+            <a:cxnLst/>
+            <a:rect l="l" t="t" r="r" b="b"/>
             <a:pathLst>
-              <a:path extrusionOk="0" h="44998" w="43265">
+              <a:path w="43265" h="44998" extrusionOk="0">
                 <a:moveTo>
                   <a:pt x="0" y="44998"/>
                 </a:moveTo>
@@ -2667,21 +2777,23 @@
             </a:pathLst>
           </a:custGeom>
           <a:noFill/>
-          <a:ln cap="flat" cmpd="sng" w="28575">
+          <a:ln w="28575" cap="flat" cmpd="sng">
             <a:solidFill>
               <a:schemeClr val="lt2"/>
             </a:solidFill>
             <a:prstDash val="solid"/>
             <a:miter lim="8000"/>
-            <a:headEnd len="sm" w="sm" type="none"/>
-            <a:tailEnd len="sm" w="sm" type="none"/>
+            <a:headEnd type="none" w="sm" len="sm"/>
+            <a:tailEnd type="none" w="sm" len="sm"/>
           </a:ln>
         </p:spPr>
       </p:sp>
       <p:sp>
         <p:nvSpPr>
           <p:cNvPr id="18" name="Google Shape;18;p3"/>
-          <p:cNvSpPr txBox="1"/>
+          <p:cNvSpPr txBox="1">
+            <a:spLocks noGrp="1"/>
+          </p:cNvSpPr>
           <p:nvPr>
             <p:ph type="title"/>
           </p:nvPr>
@@ -2696,7 +2808,7 @@
           </a:prstGeom>
         </p:spPr>
         <p:txBody>
-          <a:bodyPr anchorCtr="0" anchor="ctr" bIns="91425" lIns="91425" spcFirstLastPara="1" rIns="91425" wrap="square" tIns="91425">
+          <a:bodyPr spcFirstLastPara="1" wrap="square" lIns="91425" tIns="91425" rIns="91425" bIns="91425" anchor="ctr" anchorCtr="0">
             <a:noAutofit/>
           </a:bodyPr>
           <a:lstStyle>
@@ -2800,15 +2912,19 @@
               <a:defRPr/>
             </a:lvl9pPr>
           </a:lstStyle>
-          <a:p/>
+          <a:p>
+            <a:endParaRPr/>
+          </a:p>
         </p:txBody>
       </p:sp>
       <p:sp>
         <p:nvSpPr>
           <p:cNvPr id="19" name="Google Shape;19;p3"/>
-          <p:cNvSpPr txBox="1"/>
+          <p:cNvSpPr txBox="1">
+            <a:spLocks noGrp="1"/>
+          </p:cNvSpPr>
           <p:nvPr>
-            <p:ph idx="12" type="sldNum"/>
+            <p:ph type="sldNum" idx="12"/>
           </p:nvPr>
         </p:nvSpPr>
         <p:spPr>
@@ -2821,7 +2937,7 @@
           </a:prstGeom>
         </p:spPr>
         <p:txBody>
-          <a:bodyPr anchorCtr="0" anchor="ctr" bIns="91425" lIns="91425" spcFirstLastPara="1" rIns="91425" wrap="square" tIns="91425">
+          <a:bodyPr spcFirstLastPara="1" wrap="square" lIns="91425" tIns="91425" rIns="91425" bIns="91425" anchor="ctr" anchorCtr="0">
             <a:noAutofit/>
           </a:bodyPr>
           <a:lstStyle>
@@ -2863,7 +2979,7 @@
             </a:lvl9pPr>
           </a:lstStyle>
           <a:p>
-            <a:pPr indent="0" lvl="0" marL="0" rtl="0" algn="r">
+            <a:pPr marL="0" lvl="0" indent="0" algn="r" rtl="0">
               <a:spcBef>
                 <a:spcPts val="0"/>
               </a:spcBef>
@@ -2889,11 +3005,11 @@
 </file>
 
 <file path=ppt/slideLayouts/slideLayout3.xml><?xml version="1.0" encoding="utf-8"?>
-<p:sldLayout xmlns:a="http://schemas.openxmlformats.org/drawingml/2006/main" xmlns:r="http://schemas.openxmlformats.org/officeDocument/2006/relationships" xmlns:mc="http://schemas.openxmlformats.org/markup-compatibility/2006" xmlns:mv="urn:schemas-microsoft-com:mac:vml" xmlns:p="http://schemas.openxmlformats.org/presentationml/2006/main" xmlns:c="http://schemas.openxmlformats.org/drawingml/2006/chart" xmlns:dgm="http://schemas.openxmlformats.org/drawingml/2006/diagram" xmlns:o="urn:schemas-microsoft-com:office:office" xmlns:v="urn:schemas-microsoft-com:vml" xmlns:pvml="urn:schemas-microsoft-com:office:powerpoint" xmlns:com="http://schemas.openxmlformats.org/drawingml/2006/compatibility" xmlns:p14="http://schemas.microsoft.com/office/powerpoint/2010/main" xmlns:p15="http://schemas.microsoft.com/office/powerpoint/2012/main" matchingName="Title and body" type="tx">
+<p:sldLayout xmlns:a="http://schemas.openxmlformats.org/drawingml/2006/main" xmlns:r="http://schemas.openxmlformats.org/officeDocument/2006/relationships" xmlns:p="http://schemas.openxmlformats.org/presentationml/2006/main" matchingName="Title and body" type="tx">
   <p:cSld name="TITLE_AND_BODY">
     <p:spTree>
       <p:nvGrpSpPr>
-        <p:cNvPr id="20" name="Shape 20"/>
+        <p:cNvPr id="1" name="Shape 20"/>
         <p:cNvGrpSpPr/>
         <p:nvPr/>
       </p:nvGrpSpPr>
@@ -2927,12 +3043,12 @@
           </a:ln>
         </p:spPr>
         <p:txBody>
-          <a:bodyPr anchorCtr="0" anchor="ctr" bIns="91425" lIns="91425" spcFirstLastPara="1" rIns="91425" wrap="square" tIns="91425">
+          <a:bodyPr spcFirstLastPara="1" wrap="square" lIns="91425" tIns="91425" rIns="91425" bIns="91425" anchor="ctr" anchorCtr="0">
             <a:noAutofit/>
           </a:bodyPr>
           <a:lstStyle/>
           <a:p>
-            <a:pPr indent="0" lvl="0" marL="0" rtl="0" algn="l">
+            <a:pPr marL="0" lvl="0" indent="0" algn="l" rtl="0">
               <a:spcBef>
                 <a:spcPts val="0"/>
               </a:spcBef>
@@ -2941,9 +3057,6 @@
               </a:spcAft>
               <a:buNone/>
             </a:pPr>
-            <a:r>
-              <a:t/>
-            </a:r>
             <a:endParaRPr/>
           </a:p>
         </p:txBody>
@@ -2951,7 +3064,9 @@
       <p:sp>
         <p:nvSpPr>
           <p:cNvPr id="22" name="Google Shape;22;p4"/>
-          <p:cNvSpPr txBox="1"/>
+          <p:cNvSpPr txBox="1">
+            <a:spLocks noGrp="1"/>
+          </p:cNvSpPr>
           <p:nvPr>
             <p:ph type="title"/>
           </p:nvPr>
@@ -2966,7 +3081,7 @@
           </a:prstGeom>
         </p:spPr>
         <p:txBody>
-          <a:bodyPr anchorCtr="0" anchor="b" bIns="91425" lIns="91425" spcFirstLastPara="1" rIns="91425" wrap="square" tIns="91425">
+          <a:bodyPr spcFirstLastPara="1" wrap="square" lIns="91425" tIns="91425" rIns="91425" bIns="91425" anchor="b" anchorCtr="0">
             <a:noAutofit/>
           </a:bodyPr>
           <a:lstStyle>
@@ -3070,15 +3185,19 @@
               <a:defRPr/>
             </a:lvl9pPr>
           </a:lstStyle>
-          <a:p/>
+          <a:p>
+            <a:endParaRPr/>
+          </a:p>
         </p:txBody>
       </p:sp>
       <p:sp>
         <p:nvSpPr>
           <p:cNvPr id="23" name="Google Shape;23;p4"/>
-          <p:cNvSpPr txBox="1"/>
+          <p:cNvSpPr txBox="1">
+            <a:spLocks noGrp="1"/>
+          </p:cNvSpPr>
           <p:nvPr>
-            <p:ph idx="1" type="body"/>
+            <p:ph type="body" idx="1"/>
           </p:nvPr>
         </p:nvSpPr>
         <p:spPr>
@@ -3091,11 +3210,11 @@
           </a:prstGeom>
         </p:spPr>
         <p:txBody>
-          <a:bodyPr anchorCtr="0" anchor="t" bIns="91425" lIns="91425" spcFirstLastPara="1" rIns="91425" wrap="square" tIns="91425">
+          <a:bodyPr spcFirstLastPara="1" wrap="square" lIns="91425" tIns="91425" rIns="91425" bIns="91425" anchor="t" anchorCtr="0">
             <a:noAutofit/>
           </a:bodyPr>
           <a:lstStyle>
-            <a:lvl1pPr indent="-342900" lvl="0" marL="457200">
+            <a:lvl1pPr marL="457200" lvl="0" indent="-342900">
               <a:spcBef>
                 <a:spcPts val="0"/>
               </a:spcBef>
@@ -3106,7 +3225,7 @@
               <a:buChar char="●"/>
               <a:defRPr/>
             </a:lvl1pPr>
-            <a:lvl2pPr indent="-317500" lvl="1" marL="914400">
+            <a:lvl2pPr marL="914400" lvl="1" indent="-317500">
               <a:spcBef>
                 <a:spcPts val="1600"/>
               </a:spcBef>
@@ -3117,7 +3236,7 @@
               <a:buChar char="○"/>
               <a:defRPr/>
             </a:lvl2pPr>
-            <a:lvl3pPr indent="-317500" lvl="2" marL="1371600">
+            <a:lvl3pPr marL="1371600" lvl="2" indent="-317500">
               <a:spcBef>
                 <a:spcPts val="1600"/>
               </a:spcBef>
@@ -3128,7 +3247,7 @@
               <a:buChar char="■"/>
               <a:defRPr/>
             </a:lvl3pPr>
-            <a:lvl4pPr indent="-317500" lvl="3" marL="1828800">
+            <a:lvl4pPr marL="1828800" lvl="3" indent="-317500">
               <a:spcBef>
                 <a:spcPts val="1600"/>
               </a:spcBef>
@@ -3139,7 +3258,7 @@
               <a:buChar char="●"/>
               <a:defRPr/>
             </a:lvl4pPr>
-            <a:lvl5pPr indent="-317500" lvl="4" marL="2286000">
+            <a:lvl5pPr marL="2286000" lvl="4" indent="-317500">
               <a:spcBef>
                 <a:spcPts val="1600"/>
               </a:spcBef>
@@ -3150,7 +3269,7 @@
               <a:buChar char="○"/>
               <a:defRPr/>
             </a:lvl5pPr>
-            <a:lvl6pPr indent="-317500" lvl="5" marL="2743200">
+            <a:lvl6pPr marL="2743200" lvl="5" indent="-317500">
               <a:spcBef>
                 <a:spcPts val="1600"/>
               </a:spcBef>
@@ -3161,7 +3280,7 @@
               <a:buChar char="■"/>
               <a:defRPr/>
             </a:lvl6pPr>
-            <a:lvl7pPr indent="-317500" lvl="6" marL="3200400">
+            <a:lvl7pPr marL="3200400" lvl="6" indent="-317500">
               <a:spcBef>
                 <a:spcPts val="1600"/>
               </a:spcBef>
@@ -3172,7 +3291,7 @@
               <a:buChar char="●"/>
               <a:defRPr/>
             </a:lvl7pPr>
-            <a:lvl8pPr indent="-317500" lvl="7" marL="3657600">
+            <a:lvl8pPr marL="3657600" lvl="7" indent="-317500">
               <a:spcBef>
                 <a:spcPts val="1600"/>
               </a:spcBef>
@@ -3183,7 +3302,7 @@
               <a:buChar char="○"/>
               <a:defRPr/>
             </a:lvl8pPr>
-            <a:lvl9pPr indent="-317500" lvl="8" marL="4114800">
+            <a:lvl9pPr marL="4114800" lvl="8" indent="-317500">
               <a:spcBef>
                 <a:spcPts val="1600"/>
               </a:spcBef>
@@ -3195,15 +3314,19 @@
               <a:defRPr/>
             </a:lvl9pPr>
           </a:lstStyle>
-          <a:p/>
+          <a:p>
+            <a:endParaRPr/>
+          </a:p>
         </p:txBody>
       </p:sp>
       <p:sp>
         <p:nvSpPr>
           <p:cNvPr id="24" name="Google Shape;24;p4"/>
-          <p:cNvSpPr txBox="1"/>
+          <p:cNvSpPr txBox="1">
+            <a:spLocks noGrp="1"/>
+          </p:cNvSpPr>
           <p:nvPr>
-            <p:ph idx="12" type="sldNum"/>
+            <p:ph type="sldNum" idx="12"/>
           </p:nvPr>
         </p:nvSpPr>
         <p:spPr>
@@ -3216,7 +3339,7 @@
           </a:prstGeom>
         </p:spPr>
         <p:txBody>
-          <a:bodyPr anchorCtr="0" anchor="ctr" bIns="91425" lIns="91425" spcFirstLastPara="1" rIns="91425" wrap="square" tIns="91425">
+          <a:bodyPr spcFirstLastPara="1" wrap="square" lIns="91425" tIns="91425" rIns="91425" bIns="91425" anchor="ctr" anchorCtr="0">
             <a:noAutofit/>
           </a:bodyPr>
           <a:lstStyle>
@@ -3258,7 +3381,7 @@
             </a:lvl9pPr>
           </a:lstStyle>
           <a:p>
-            <a:pPr indent="0" lvl="0" marL="0" rtl="0" algn="r">
+            <a:pPr marL="0" lvl="0" indent="0" algn="r" rtl="0">
               <a:spcBef>
                 <a:spcPts val="0"/>
               </a:spcBef>
@@ -3284,11 +3407,11 @@
 </file>
 
 <file path=ppt/slideLayouts/slideLayout4.xml><?xml version="1.0" encoding="utf-8"?>
-<p:sldLayout xmlns:a="http://schemas.openxmlformats.org/drawingml/2006/main" xmlns:r="http://schemas.openxmlformats.org/officeDocument/2006/relationships" xmlns:mc="http://schemas.openxmlformats.org/markup-compatibility/2006" xmlns:mv="urn:schemas-microsoft-com:mac:vml" xmlns:p="http://schemas.openxmlformats.org/presentationml/2006/main" xmlns:c="http://schemas.openxmlformats.org/drawingml/2006/chart" xmlns:dgm="http://schemas.openxmlformats.org/drawingml/2006/diagram" xmlns:o="urn:schemas-microsoft-com:office:office" xmlns:v="urn:schemas-microsoft-com:vml" xmlns:pvml="urn:schemas-microsoft-com:office:powerpoint" xmlns:com="http://schemas.openxmlformats.org/drawingml/2006/compatibility" xmlns:p14="http://schemas.microsoft.com/office/powerpoint/2010/main" xmlns:p15="http://schemas.microsoft.com/office/powerpoint/2012/main" matchingName="Title and two columns" type="twoColTx">
+<p:sldLayout xmlns:a="http://schemas.openxmlformats.org/drawingml/2006/main" xmlns:r="http://schemas.openxmlformats.org/officeDocument/2006/relationships" xmlns:p="http://schemas.openxmlformats.org/presentationml/2006/main" matchingName="Title and two columns" type="twoColTx">
   <p:cSld name="TITLE_AND_TWO_COLUMNS">
     <p:spTree>
       <p:nvGrpSpPr>
-        <p:cNvPr id="25" name="Shape 25"/>
+        <p:cNvPr id="1" name="Shape 25"/>
         <p:cNvGrpSpPr/>
         <p:nvPr/>
       </p:nvGrpSpPr>
@@ -3303,7 +3426,9 @@
       <p:sp>
         <p:nvSpPr>
           <p:cNvPr id="26" name="Google Shape;26;p5"/>
-          <p:cNvSpPr txBox="1"/>
+          <p:cNvSpPr txBox="1">
+            <a:spLocks noGrp="1"/>
+          </p:cNvSpPr>
           <p:nvPr>
             <p:ph type="title"/>
           </p:nvPr>
@@ -3318,7 +3443,7 @@
           </a:prstGeom>
         </p:spPr>
         <p:txBody>
-          <a:bodyPr anchorCtr="0" anchor="b" bIns="91425" lIns="91425" spcFirstLastPara="1" rIns="91425" wrap="square" tIns="91425">
+          <a:bodyPr spcFirstLastPara="1" wrap="square" lIns="91425" tIns="91425" rIns="91425" bIns="91425" anchor="b" anchorCtr="0">
             <a:noAutofit/>
           </a:bodyPr>
           <a:lstStyle>
@@ -3422,15 +3547,19 @@
               <a:defRPr/>
             </a:lvl9pPr>
           </a:lstStyle>
-          <a:p/>
+          <a:p>
+            <a:endParaRPr/>
+          </a:p>
         </p:txBody>
       </p:sp>
       <p:sp>
         <p:nvSpPr>
           <p:cNvPr id="27" name="Google Shape;27;p5"/>
-          <p:cNvSpPr txBox="1"/>
+          <p:cNvSpPr txBox="1">
+            <a:spLocks noGrp="1"/>
+          </p:cNvSpPr>
           <p:nvPr>
-            <p:ph idx="1" type="body"/>
+            <p:ph type="body" idx="1"/>
           </p:nvPr>
         </p:nvSpPr>
         <p:spPr>
@@ -3443,11 +3572,11 @@
           </a:prstGeom>
         </p:spPr>
         <p:txBody>
-          <a:bodyPr anchorCtr="0" anchor="t" bIns="91425" lIns="91425" spcFirstLastPara="1" rIns="91425" wrap="square" tIns="91425">
+          <a:bodyPr spcFirstLastPara="1" wrap="square" lIns="91425" tIns="91425" rIns="91425" bIns="91425" anchor="t" anchorCtr="0">
             <a:noAutofit/>
           </a:bodyPr>
           <a:lstStyle>
-            <a:lvl1pPr indent="-317500" lvl="0" marL="457200">
+            <a:lvl1pPr marL="457200" lvl="0" indent="-317500">
               <a:spcBef>
                 <a:spcPts val="0"/>
               </a:spcBef>
@@ -3458,7 +3587,7 @@
               <a:buChar char="●"/>
               <a:defRPr sz="1400"/>
             </a:lvl1pPr>
-            <a:lvl2pPr indent="-304800" lvl="1" marL="914400">
+            <a:lvl2pPr marL="914400" lvl="1" indent="-304800">
               <a:spcBef>
                 <a:spcPts val="1600"/>
               </a:spcBef>
@@ -3469,7 +3598,7 @@
               <a:buChar char="○"/>
               <a:defRPr sz="1200"/>
             </a:lvl2pPr>
-            <a:lvl3pPr indent="-304800" lvl="2" marL="1371600">
+            <a:lvl3pPr marL="1371600" lvl="2" indent="-304800">
               <a:spcBef>
                 <a:spcPts val="1600"/>
               </a:spcBef>
@@ -3480,7 +3609,7 @@
               <a:buChar char="■"/>
               <a:defRPr sz="1200"/>
             </a:lvl3pPr>
-            <a:lvl4pPr indent="-304800" lvl="3" marL="1828800">
+            <a:lvl4pPr marL="1828800" lvl="3" indent="-304800">
               <a:spcBef>
                 <a:spcPts val="1600"/>
               </a:spcBef>
@@ -3491,7 +3620,7 @@
               <a:buChar char="●"/>
               <a:defRPr sz="1200"/>
             </a:lvl4pPr>
-            <a:lvl5pPr indent="-304800" lvl="4" marL="2286000">
+            <a:lvl5pPr marL="2286000" lvl="4" indent="-304800">
               <a:spcBef>
                 <a:spcPts val="1600"/>
               </a:spcBef>
@@ -3502,7 +3631,7 @@
               <a:buChar char="○"/>
               <a:defRPr sz="1200"/>
             </a:lvl5pPr>
-            <a:lvl6pPr indent="-304800" lvl="5" marL="2743200">
+            <a:lvl6pPr marL="2743200" lvl="5" indent="-304800">
               <a:spcBef>
                 <a:spcPts val="1600"/>
               </a:spcBef>
@@ -3513,7 +3642,7 @@
               <a:buChar char="■"/>
               <a:defRPr sz="1200"/>
             </a:lvl6pPr>
-            <a:lvl7pPr indent="-304800" lvl="6" marL="3200400">
+            <a:lvl7pPr marL="3200400" lvl="6" indent="-304800">
               <a:spcBef>
                 <a:spcPts val="1600"/>
               </a:spcBef>
@@ -3524,7 +3653,7 @@
               <a:buChar char="●"/>
               <a:defRPr sz="1200"/>
             </a:lvl7pPr>
-            <a:lvl8pPr indent="-304800" lvl="7" marL="3657600">
+            <a:lvl8pPr marL="3657600" lvl="7" indent="-304800">
               <a:spcBef>
                 <a:spcPts val="1600"/>
               </a:spcBef>
@@ -3535,7 +3664,7 @@
               <a:buChar char="○"/>
               <a:defRPr sz="1200"/>
             </a:lvl8pPr>
-            <a:lvl9pPr indent="-304800" lvl="8" marL="4114800">
+            <a:lvl9pPr marL="4114800" lvl="8" indent="-304800">
               <a:spcBef>
                 <a:spcPts val="1600"/>
               </a:spcBef>
@@ -3547,15 +3676,19 @@
               <a:defRPr sz="1200"/>
             </a:lvl9pPr>
           </a:lstStyle>
-          <a:p/>
+          <a:p>
+            <a:endParaRPr/>
+          </a:p>
         </p:txBody>
       </p:sp>
       <p:sp>
         <p:nvSpPr>
           <p:cNvPr id="28" name="Google Shape;28;p5"/>
-          <p:cNvSpPr txBox="1"/>
+          <p:cNvSpPr txBox="1">
+            <a:spLocks noGrp="1"/>
+          </p:cNvSpPr>
           <p:nvPr>
-            <p:ph idx="2" type="body"/>
+            <p:ph type="body" idx="2"/>
           </p:nvPr>
         </p:nvSpPr>
         <p:spPr>
@@ -3568,11 +3701,11 @@
           </a:prstGeom>
         </p:spPr>
         <p:txBody>
-          <a:bodyPr anchorCtr="0" anchor="t" bIns="91425" lIns="91425" spcFirstLastPara="1" rIns="91425" wrap="square" tIns="91425">
+          <a:bodyPr spcFirstLastPara="1" wrap="square" lIns="91425" tIns="91425" rIns="91425" bIns="91425" anchor="t" anchorCtr="0">
             <a:noAutofit/>
           </a:bodyPr>
           <a:lstStyle>
-            <a:lvl1pPr indent="-317500" lvl="0" marL="457200">
+            <a:lvl1pPr marL="457200" lvl="0" indent="-317500">
               <a:spcBef>
                 <a:spcPts val="0"/>
               </a:spcBef>
@@ -3583,7 +3716,7 @@
               <a:buChar char="●"/>
               <a:defRPr sz="1400"/>
             </a:lvl1pPr>
-            <a:lvl2pPr indent="-304800" lvl="1" marL="914400">
+            <a:lvl2pPr marL="914400" lvl="1" indent="-304800">
               <a:spcBef>
                 <a:spcPts val="1600"/>
               </a:spcBef>
@@ -3594,7 +3727,7 @@
               <a:buChar char="○"/>
               <a:defRPr sz="1200"/>
             </a:lvl2pPr>
-            <a:lvl3pPr indent="-304800" lvl="2" marL="1371600">
+            <a:lvl3pPr marL="1371600" lvl="2" indent="-304800">
               <a:spcBef>
                 <a:spcPts val="1600"/>
               </a:spcBef>
@@ -3605,7 +3738,7 @@
               <a:buChar char="■"/>
               <a:defRPr sz="1200"/>
             </a:lvl3pPr>
-            <a:lvl4pPr indent="-304800" lvl="3" marL="1828800">
+            <a:lvl4pPr marL="1828800" lvl="3" indent="-304800">
               <a:spcBef>
                 <a:spcPts val="1600"/>
               </a:spcBef>
@@ -3616,7 +3749,7 @@
               <a:buChar char="●"/>
               <a:defRPr sz="1200"/>
             </a:lvl4pPr>
-            <a:lvl5pPr indent="-304800" lvl="4" marL="2286000">
+            <a:lvl5pPr marL="2286000" lvl="4" indent="-304800">
               <a:spcBef>
                 <a:spcPts val="1600"/>
               </a:spcBef>
@@ -3627,7 +3760,7 @@
               <a:buChar char="○"/>
               <a:defRPr sz="1200"/>
             </a:lvl5pPr>
-            <a:lvl6pPr indent="-304800" lvl="5" marL="2743200">
+            <a:lvl6pPr marL="2743200" lvl="5" indent="-304800">
               <a:spcBef>
                 <a:spcPts val="1600"/>
               </a:spcBef>
@@ -3638,7 +3771,7 @@
               <a:buChar char="■"/>
               <a:defRPr sz="1200"/>
             </a:lvl6pPr>
-            <a:lvl7pPr indent="-304800" lvl="6" marL="3200400">
+            <a:lvl7pPr marL="3200400" lvl="6" indent="-304800">
               <a:spcBef>
                 <a:spcPts val="1600"/>
               </a:spcBef>
@@ -3649,7 +3782,7 @@
               <a:buChar char="●"/>
               <a:defRPr sz="1200"/>
             </a:lvl7pPr>
-            <a:lvl8pPr indent="-304800" lvl="7" marL="3657600">
+            <a:lvl8pPr marL="3657600" lvl="7" indent="-304800">
               <a:spcBef>
                 <a:spcPts val="1600"/>
               </a:spcBef>
@@ -3660,7 +3793,7 @@
               <a:buChar char="○"/>
               <a:defRPr sz="1200"/>
             </a:lvl8pPr>
-            <a:lvl9pPr indent="-304800" lvl="8" marL="4114800">
+            <a:lvl9pPr marL="4114800" lvl="8" indent="-304800">
               <a:spcBef>
                 <a:spcPts val="1600"/>
               </a:spcBef>
@@ -3672,15 +3805,19 @@
               <a:defRPr sz="1200"/>
             </a:lvl9pPr>
           </a:lstStyle>
-          <a:p/>
+          <a:p>
+            <a:endParaRPr/>
+          </a:p>
         </p:txBody>
       </p:sp>
       <p:sp>
         <p:nvSpPr>
           <p:cNvPr id="29" name="Google Shape;29;p5"/>
-          <p:cNvSpPr txBox="1"/>
+          <p:cNvSpPr txBox="1">
+            <a:spLocks noGrp="1"/>
+          </p:cNvSpPr>
           <p:nvPr>
-            <p:ph idx="12" type="sldNum"/>
+            <p:ph type="sldNum" idx="12"/>
           </p:nvPr>
         </p:nvSpPr>
         <p:spPr>
@@ -3693,7 +3830,7 @@
           </a:prstGeom>
         </p:spPr>
         <p:txBody>
-          <a:bodyPr anchorCtr="0" anchor="ctr" bIns="91425" lIns="91425" spcFirstLastPara="1" rIns="91425" wrap="square" tIns="91425">
+          <a:bodyPr spcFirstLastPara="1" wrap="square" lIns="91425" tIns="91425" rIns="91425" bIns="91425" anchor="ctr" anchorCtr="0">
             <a:noAutofit/>
           </a:bodyPr>
           <a:lstStyle>
@@ -3735,7 +3872,7 @@
             </a:lvl9pPr>
           </a:lstStyle>
           <a:p>
-            <a:pPr indent="0" lvl="0" marL="0" rtl="0" algn="r">
+            <a:pPr marL="0" lvl="0" indent="0" algn="r" rtl="0">
               <a:spcBef>
                 <a:spcPts val="0"/>
               </a:spcBef>
@@ -3761,11 +3898,11 @@
 </file>
 
 <file path=ppt/slideLayouts/slideLayout5.xml><?xml version="1.0" encoding="utf-8"?>
-<p:sldLayout xmlns:a="http://schemas.openxmlformats.org/drawingml/2006/main" xmlns:r="http://schemas.openxmlformats.org/officeDocument/2006/relationships" xmlns:mc="http://schemas.openxmlformats.org/markup-compatibility/2006" xmlns:mv="urn:schemas-microsoft-com:mac:vml" xmlns:p="http://schemas.openxmlformats.org/presentationml/2006/main" xmlns:c="http://schemas.openxmlformats.org/drawingml/2006/chart" xmlns:dgm="http://schemas.openxmlformats.org/drawingml/2006/diagram" xmlns:o="urn:schemas-microsoft-com:office:office" xmlns:v="urn:schemas-microsoft-com:vml" xmlns:pvml="urn:schemas-microsoft-com:office:powerpoint" xmlns:com="http://schemas.openxmlformats.org/drawingml/2006/compatibility" xmlns:p14="http://schemas.microsoft.com/office/powerpoint/2010/main" xmlns:p15="http://schemas.microsoft.com/office/powerpoint/2012/main" matchingName="Title only" type="titleOnly">
+<p:sldLayout xmlns:a="http://schemas.openxmlformats.org/drawingml/2006/main" xmlns:r="http://schemas.openxmlformats.org/officeDocument/2006/relationships" xmlns:p="http://schemas.openxmlformats.org/presentationml/2006/main" matchingName="Title only" type="titleOnly">
   <p:cSld name="TITLE_ONLY">
     <p:spTree>
       <p:nvGrpSpPr>
-        <p:cNvPr id="30" name="Shape 30"/>
+        <p:cNvPr id="1" name="Shape 30"/>
         <p:cNvGrpSpPr/>
         <p:nvPr/>
       </p:nvGrpSpPr>
@@ -3780,7 +3917,9 @@
       <p:sp>
         <p:nvSpPr>
           <p:cNvPr id="31" name="Google Shape;31;p6"/>
-          <p:cNvSpPr txBox="1"/>
+          <p:cNvSpPr txBox="1">
+            <a:spLocks noGrp="1"/>
+          </p:cNvSpPr>
           <p:nvPr>
             <p:ph type="title"/>
           </p:nvPr>
@@ -3795,7 +3934,7 @@
           </a:prstGeom>
         </p:spPr>
         <p:txBody>
-          <a:bodyPr anchorCtr="0" anchor="b" bIns="91425" lIns="91425" spcFirstLastPara="1" rIns="91425" wrap="square" tIns="91425">
+          <a:bodyPr spcFirstLastPara="1" wrap="square" lIns="91425" tIns="91425" rIns="91425" bIns="91425" anchor="b" anchorCtr="0">
             <a:noAutofit/>
           </a:bodyPr>
           <a:lstStyle>
@@ -3899,15 +4038,19 @@
               <a:defRPr/>
             </a:lvl9pPr>
           </a:lstStyle>
-          <a:p/>
+          <a:p>
+            <a:endParaRPr/>
+          </a:p>
         </p:txBody>
       </p:sp>
       <p:sp>
         <p:nvSpPr>
           <p:cNvPr id="32" name="Google Shape;32;p6"/>
-          <p:cNvSpPr txBox="1"/>
+          <p:cNvSpPr txBox="1">
+            <a:spLocks noGrp="1"/>
+          </p:cNvSpPr>
           <p:nvPr>
-            <p:ph idx="12" type="sldNum"/>
+            <p:ph type="sldNum" idx="12"/>
           </p:nvPr>
         </p:nvSpPr>
         <p:spPr>
@@ -3920,7 +4063,7 @@
           </a:prstGeom>
         </p:spPr>
         <p:txBody>
-          <a:bodyPr anchorCtr="0" anchor="ctr" bIns="91425" lIns="91425" spcFirstLastPara="1" rIns="91425" wrap="square" tIns="91425">
+          <a:bodyPr spcFirstLastPara="1" wrap="square" lIns="91425" tIns="91425" rIns="91425" bIns="91425" anchor="ctr" anchorCtr="0">
             <a:noAutofit/>
           </a:bodyPr>
           <a:lstStyle>
@@ -3962,7 +4105,7 @@
             </a:lvl9pPr>
           </a:lstStyle>
           <a:p>
-            <a:pPr indent="0" lvl="0" marL="0" rtl="0" algn="r">
+            <a:pPr marL="0" lvl="0" indent="0" algn="r" rtl="0">
               <a:spcBef>
                 <a:spcPts val="0"/>
               </a:spcBef>
@@ -3988,11 +4131,11 @@
 </file>
 
 <file path=ppt/slideLayouts/slideLayout6.xml><?xml version="1.0" encoding="utf-8"?>
-<p:sldLayout xmlns:a="http://schemas.openxmlformats.org/drawingml/2006/main" xmlns:r="http://schemas.openxmlformats.org/officeDocument/2006/relationships" xmlns:mc="http://schemas.openxmlformats.org/markup-compatibility/2006" xmlns:mv="urn:schemas-microsoft-com:mac:vml" xmlns:p="http://schemas.openxmlformats.org/presentationml/2006/main" xmlns:c="http://schemas.openxmlformats.org/drawingml/2006/chart" xmlns:dgm="http://schemas.openxmlformats.org/drawingml/2006/diagram" xmlns:o="urn:schemas-microsoft-com:office:office" xmlns:v="urn:schemas-microsoft-com:vml" xmlns:pvml="urn:schemas-microsoft-com:office:powerpoint" xmlns:com="http://schemas.openxmlformats.org/drawingml/2006/compatibility" xmlns:p14="http://schemas.microsoft.com/office/powerpoint/2010/main" xmlns:p15="http://schemas.microsoft.com/office/powerpoint/2012/main" matchingName="One column text">
+<p:sldLayout xmlns:a="http://schemas.openxmlformats.org/drawingml/2006/main" xmlns:r="http://schemas.openxmlformats.org/officeDocument/2006/relationships" xmlns:p="http://schemas.openxmlformats.org/presentationml/2006/main" matchingName="One column text">
   <p:cSld name="ONE_COLUMN_TEXT">
     <p:spTree>
       <p:nvGrpSpPr>
-        <p:cNvPr id="33" name="Shape 33"/>
+        <p:cNvPr id="1" name="Shape 33"/>
         <p:cNvGrpSpPr/>
         <p:nvPr/>
       </p:nvGrpSpPr>
@@ -4007,7 +4150,9 @@
       <p:sp>
         <p:nvSpPr>
           <p:cNvPr id="34" name="Google Shape;34;p7"/>
-          <p:cNvSpPr txBox="1"/>
+          <p:cNvSpPr txBox="1">
+            <a:spLocks noGrp="1"/>
+          </p:cNvSpPr>
           <p:nvPr>
             <p:ph type="title"/>
           </p:nvPr>
@@ -4022,7 +4167,7 @@
           </a:prstGeom>
         </p:spPr>
         <p:txBody>
-          <a:bodyPr anchorCtr="0" anchor="b" bIns="91425" lIns="91425" spcFirstLastPara="1" rIns="91425" wrap="square" tIns="91425">
+          <a:bodyPr spcFirstLastPara="1" wrap="square" lIns="91425" tIns="91425" rIns="91425" bIns="91425" anchor="b" anchorCtr="0">
             <a:noAutofit/>
           </a:bodyPr>
           <a:lstStyle>
@@ -4126,15 +4271,19 @@
               <a:defRPr sz="3000"/>
             </a:lvl9pPr>
           </a:lstStyle>
-          <a:p/>
+          <a:p>
+            <a:endParaRPr/>
+          </a:p>
         </p:txBody>
       </p:sp>
       <p:sp>
         <p:nvSpPr>
           <p:cNvPr id="35" name="Google Shape;35;p7"/>
-          <p:cNvSpPr txBox="1"/>
+          <p:cNvSpPr txBox="1">
+            <a:spLocks noGrp="1"/>
+          </p:cNvSpPr>
           <p:nvPr>
-            <p:ph idx="1" type="body"/>
+            <p:ph type="body" idx="1"/>
           </p:nvPr>
         </p:nvSpPr>
         <p:spPr>
@@ -4147,11 +4296,11 @@
           </a:prstGeom>
         </p:spPr>
         <p:txBody>
-          <a:bodyPr anchorCtr="0" anchor="t" bIns="91425" lIns="91425" spcFirstLastPara="1" rIns="91425" wrap="square" tIns="91425">
+          <a:bodyPr spcFirstLastPara="1" wrap="square" lIns="91425" tIns="91425" rIns="91425" bIns="91425" anchor="t" anchorCtr="0">
             <a:noAutofit/>
           </a:bodyPr>
           <a:lstStyle>
-            <a:lvl1pPr indent="-304800" lvl="0" marL="457200">
+            <a:lvl1pPr marL="457200" lvl="0" indent="-304800">
               <a:spcBef>
                 <a:spcPts val="0"/>
               </a:spcBef>
@@ -4162,7 +4311,7 @@
               <a:buChar char="●"/>
               <a:defRPr sz="1200"/>
             </a:lvl1pPr>
-            <a:lvl2pPr indent="-304800" lvl="1" marL="914400">
+            <a:lvl2pPr marL="914400" lvl="1" indent="-304800">
               <a:spcBef>
                 <a:spcPts val="1600"/>
               </a:spcBef>
@@ -4173,7 +4322,7 @@
               <a:buChar char="○"/>
               <a:defRPr sz="1200"/>
             </a:lvl2pPr>
-            <a:lvl3pPr indent="-304800" lvl="2" marL="1371600">
+            <a:lvl3pPr marL="1371600" lvl="2" indent="-304800">
               <a:spcBef>
                 <a:spcPts val="1600"/>
               </a:spcBef>
@@ -4184,7 +4333,7 @@
               <a:buChar char="■"/>
               <a:defRPr sz="1200"/>
             </a:lvl3pPr>
-            <a:lvl4pPr indent="-304800" lvl="3" marL="1828800">
+            <a:lvl4pPr marL="1828800" lvl="3" indent="-304800">
               <a:spcBef>
                 <a:spcPts val="1600"/>
               </a:spcBef>
@@ -4195,7 +4344,7 @@
               <a:buChar char="●"/>
               <a:defRPr sz="1200"/>
             </a:lvl4pPr>
-            <a:lvl5pPr indent="-304800" lvl="4" marL="2286000">
+            <a:lvl5pPr marL="2286000" lvl="4" indent="-304800">
               <a:spcBef>
                 <a:spcPts val="1600"/>
               </a:spcBef>
@@ -4206,7 +4355,7 @@
               <a:buChar char="○"/>
               <a:defRPr sz="1200"/>
             </a:lvl5pPr>
-            <a:lvl6pPr indent="-304800" lvl="5" marL="2743200">
+            <a:lvl6pPr marL="2743200" lvl="5" indent="-304800">
               <a:spcBef>
                 <a:spcPts val="1600"/>
               </a:spcBef>
@@ -4217,7 +4366,7 @@
               <a:buChar char="■"/>
               <a:defRPr sz="1200"/>
             </a:lvl6pPr>
-            <a:lvl7pPr indent="-304800" lvl="6" marL="3200400">
+            <a:lvl7pPr marL="3200400" lvl="6" indent="-304800">
               <a:spcBef>
                 <a:spcPts val="1600"/>
               </a:spcBef>
@@ -4228,7 +4377,7 @@
               <a:buChar char="●"/>
               <a:defRPr sz="1200"/>
             </a:lvl7pPr>
-            <a:lvl8pPr indent="-304800" lvl="7" marL="3657600">
+            <a:lvl8pPr marL="3657600" lvl="7" indent="-304800">
               <a:spcBef>
                 <a:spcPts val="1600"/>
               </a:spcBef>
@@ -4239,7 +4388,7 @@
               <a:buChar char="○"/>
               <a:defRPr sz="1200"/>
             </a:lvl8pPr>
-            <a:lvl9pPr indent="-304800" lvl="8" marL="4114800">
+            <a:lvl9pPr marL="4114800" lvl="8" indent="-304800">
               <a:spcBef>
                 <a:spcPts val="1600"/>
               </a:spcBef>
@@ -4251,15 +4400,19 @@
               <a:defRPr sz="1200"/>
             </a:lvl9pPr>
           </a:lstStyle>
-          <a:p/>
+          <a:p>
+            <a:endParaRPr/>
+          </a:p>
         </p:txBody>
       </p:sp>
       <p:sp>
         <p:nvSpPr>
           <p:cNvPr id="36" name="Google Shape;36;p7"/>
-          <p:cNvSpPr txBox="1"/>
+          <p:cNvSpPr txBox="1">
+            <a:spLocks noGrp="1"/>
+          </p:cNvSpPr>
           <p:nvPr>
-            <p:ph idx="12" type="sldNum"/>
+            <p:ph type="sldNum" idx="12"/>
           </p:nvPr>
         </p:nvSpPr>
         <p:spPr>
@@ -4272,7 +4425,7 @@
           </a:prstGeom>
         </p:spPr>
         <p:txBody>
-          <a:bodyPr anchorCtr="0" anchor="ctr" bIns="91425" lIns="91425" spcFirstLastPara="1" rIns="91425" wrap="square" tIns="91425">
+          <a:bodyPr spcFirstLastPara="1" wrap="square" lIns="91425" tIns="91425" rIns="91425" bIns="91425" anchor="ctr" anchorCtr="0">
             <a:noAutofit/>
           </a:bodyPr>
           <a:lstStyle>
@@ -4314,7 +4467,7 @@
             </a:lvl9pPr>
           </a:lstStyle>
           <a:p>
-            <a:pPr indent="0" lvl="0" marL="0" rtl="0" algn="r">
+            <a:pPr marL="0" lvl="0" indent="0" algn="r" rtl="0">
               <a:spcBef>
                 <a:spcPts val="0"/>
               </a:spcBef>
@@ -4340,11 +4493,11 @@
 </file>
 
 <file path=ppt/slideLayouts/slideLayout7.xml><?xml version="1.0" encoding="utf-8"?>
-<p:sldLayout xmlns:a="http://schemas.openxmlformats.org/drawingml/2006/main" xmlns:r="http://schemas.openxmlformats.org/officeDocument/2006/relationships" xmlns:mc="http://schemas.openxmlformats.org/markup-compatibility/2006" xmlns:mv="urn:schemas-microsoft-com:mac:vml" xmlns:p="http://schemas.openxmlformats.org/presentationml/2006/main" xmlns:c="http://schemas.openxmlformats.org/drawingml/2006/chart" xmlns:dgm="http://schemas.openxmlformats.org/drawingml/2006/diagram" xmlns:o="urn:schemas-microsoft-com:office:office" xmlns:v="urn:schemas-microsoft-com:vml" xmlns:pvml="urn:schemas-microsoft-com:office:powerpoint" xmlns:com="http://schemas.openxmlformats.org/drawingml/2006/compatibility" xmlns:p14="http://schemas.microsoft.com/office/powerpoint/2010/main" xmlns:p15="http://schemas.microsoft.com/office/powerpoint/2012/main" matchingName="Main point">
+<p:sldLayout xmlns:a="http://schemas.openxmlformats.org/drawingml/2006/main" xmlns:r="http://schemas.openxmlformats.org/officeDocument/2006/relationships" xmlns:p="http://schemas.openxmlformats.org/presentationml/2006/main" matchingName="Main point">
   <p:cSld name="MAIN_POINT">
     <p:spTree>
       <p:nvGrpSpPr>
-        <p:cNvPr id="37" name="Shape 37"/>
+        <p:cNvPr id="1" name="Shape 37"/>
         <p:cNvGrpSpPr/>
         <p:nvPr/>
       </p:nvGrpSpPr>
@@ -4378,12 +4531,12 @@
           </a:ln>
         </p:spPr>
         <p:txBody>
-          <a:bodyPr anchorCtr="0" anchor="ctr" bIns="91425" lIns="91425" spcFirstLastPara="1" rIns="91425" wrap="square" tIns="91425">
+          <a:bodyPr spcFirstLastPara="1" wrap="square" lIns="91425" tIns="91425" rIns="91425" bIns="91425" anchor="ctr" anchorCtr="0">
             <a:noAutofit/>
           </a:bodyPr>
           <a:lstStyle/>
           <a:p>
-            <a:pPr indent="0" lvl="0" marL="0" rtl="0" algn="l">
+            <a:pPr marL="0" lvl="0" indent="0" algn="l" rtl="0">
               <a:spcBef>
                 <a:spcPts val="0"/>
               </a:spcBef>
@@ -4392,9 +4545,6 @@
               </a:spcAft>
               <a:buNone/>
             </a:pPr>
-            <a:r>
-              <a:t/>
-            </a:r>
             <a:endParaRPr/>
           </a:p>
         </p:txBody>
@@ -4402,7 +4552,9 @@
       <p:sp>
         <p:nvSpPr>
           <p:cNvPr id="39" name="Google Shape;39;p8"/>
-          <p:cNvSpPr txBox="1"/>
+          <p:cNvSpPr txBox="1">
+            <a:spLocks noGrp="1"/>
+          </p:cNvSpPr>
           <p:nvPr>
             <p:ph type="title"/>
           </p:nvPr>
@@ -4417,7 +4569,7 @@
           </a:prstGeom>
         </p:spPr>
         <p:txBody>
-          <a:bodyPr anchorCtr="0" anchor="ctr" bIns="91425" lIns="91425" spcFirstLastPara="1" rIns="91425" wrap="square" tIns="91425">
+          <a:bodyPr spcFirstLastPara="1" wrap="square" lIns="91425" tIns="91425" rIns="91425" bIns="91425" anchor="ctr" anchorCtr="0">
             <a:noAutofit/>
           </a:bodyPr>
           <a:lstStyle>
@@ -4521,15 +4673,19 @@
               <a:defRPr sz="4800"/>
             </a:lvl9pPr>
           </a:lstStyle>
-          <a:p/>
+          <a:p>
+            <a:endParaRPr/>
+          </a:p>
         </p:txBody>
       </p:sp>
       <p:sp>
         <p:nvSpPr>
           <p:cNvPr id="40" name="Google Shape;40;p8"/>
-          <p:cNvSpPr txBox="1"/>
+          <p:cNvSpPr txBox="1">
+            <a:spLocks noGrp="1"/>
+          </p:cNvSpPr>
           <p:nvPr>
-            <p:ph idx="12" type="sldNum"/>
+            <p:ph type="sldNum" idx="12"/>
           </p:nvPr>
         </p:nvSpPr>
         <p:spPr>
@@ -4542,7 +4698,7 @@
           </a:prstGeom>
         </p:spPr>
         <p:txBody>
-          <a:bodyPr anchorCtr="0" anchor="ctr" bIns="91425" lIns="91425" spcFirstLastPara="1" rIns="91425" wrap="square" tIns="91425">
+          <a:bodyPr spcFirstLastPara="1" wrap="square" lIns="91425" tIns="91425" rIns="91425" bIns="91425" anchor="ctr" anchorCtr="0">
             <a:noAutofit/>
           </a:bodyPr>
           <a:lstStyle>
@@ -4584,7 +4740,7 @@
             </a:lvl9pPr>
           </a:lstStyle>
           <a:p>
-            <a:pPr indent="0" lvl="0" marL="0" rtl="0" algn="r">
+            <a:pPr marL="0" lvl="0" indent="0" algn="r" rtl="0">
               <a:spcBef>
                 <a:spcPts val="0"/>
               </a:spcBef>
@@ -4610,11 +4766,11 @@
 </file>
 
 <file path=ppt/slideLayouts/slideLayout8.xml><?xml version="1.0" encoding="utf-8"?>
-<p:sldLayout xmlns:a="http://schemas.openxmlformats.org/drawingml/2006/main" xmlns:r="http://schemas.openxmlformats.org/officeDocument/2006/relationships" xmlns:mc="http://schemas.openxmlformats.org/markup-compatibility/2006" xmlns:mv="urn:schemas-microsoft-com:mac:vml" xmlns:p="http://schemas.openxmlformats.org/presentationml/2006/main" xmlns:c="http://schemas.openxmlformats.org/drawingml/2006/chart" xmlns:dgm="http://schemas.openxmlformats.org/drawingml/2006/diagram" xmlns:o="urn:schemas-microsoft-com:office:office" xmlns:v="urn:schemas-microsoft-com:vml" xmlns:pvml="urn:schemas-microsoft-com:office:powerpoint" xmlns:com="http://schemas.openxmlformats.org/drawingml/2006/compatibility" xmlns:p14="http://schemas.microsoft.com/office/powerpoint/2010/main" xmlns:p15="http://schemas.microsoft.com/office/powerpoint/2012/main" matchingName="Section title and description">
+<p:sldLayout xmlns:a="http://schemas.openxmlformats.org/drawingml/2006/main" xmlns:r="http://schemas.openxmlformats.org/officeDocument/2006/relationships" xmlns:p="http://schemas.openxmlformats.org/presentationml/2006/main" matchingName="Section title and description">
   <p:cSld name="SECTION_TITLE_AND_DESCRIPTION">
     <p:spTree>
       <p:nvGrpSpPr>
-        <p:cNvPr id="41" name="Shape 41"/>
+        <p:cNvPr id="1" name="Shape 41"/>
         <p:cNvGrpSpPr/>
         <p:nvPr/>
       </p:nvGrpSpPr>
@@ -4648,12 +4804,12 @@
           </a:ln>
         </p:spPr>
         <p:txBody>
-          <a:bodyPr anchorCtr="0" anchor="ctr" bIns="91425" lIns="91425" spcFirstLastPara="1" rIns="91425" wrap="square" tIns="91425">
+          <a:bodyPr spcFirstLastPara="1" wrap="square" lIns="91425" tIns="91425" rIns="91425" bIns="91425" anchor="ctr" anchorCtr="0">
             <a:noAutofit/>
           </a:bodyPr>
           <a:lstStyle/>
           <a:p>
-            <a:pPr indent="0" lvl="0" marL="0" rtl="0" algn="l">
+            <a:pPr marL="0" lvl="0" indent="0" algn="l" rtl="0">
               <a:spcBef>
                 <a:spcPts val="0"/>
               </a:spcBef>
@@ -4662,9 +4818,6 @@
               </a:spcAft>
               <a:buNone/>
             </a:pPr>
-            <a:r>
-              <a:t/>
-            </a:r>
             <a:endParaRPr/>
           </a:p>
         </p:txBody>
@@ -4684,21 +4837,23 @@
             <a:avLst/>
           </a:prstGeom>
           <a:noFill/>
-          <a:ln cap="flat" cmpd="sng" w="19050">
+          <a:ln w="19050" cap="flat" cmpd="sng">
             <a:solidFill>
               <a:schemeClr val="lt1"/>
             </a:solidFill>
             <a:prstDash val="solid"/>
             <a:round/>
-            <a:headEnd len="sm" w="sm" type="none"/>
-            <a:tailEnd len="sm" w="sm" type="none"/>
+            <a:headEnd type="none" w="sm" len="sm"/>
+            <a:tailEnd type="none" w="sm" len="sm"/>
           </a:ln>
         </p:spPr>
       </p:cxnSp>
       <p:sp>
         <p:nvSpPr>
           <p:cNvPr id="44" name="Google Shape;44;p9"/>
-          <p:cNvSpPr txBox="1"/>
+          <p:cNvSpPr txBox="1">
+            <a:spLocks noGrp="1"/>
+          </p:cNvSpPr>
           <p:nvPr>
             <p:ph type="title"/>
           </p:nvPr>
@@ -4713,7 +4868,7 @@
           </a:prstGeom>
         </p:spPr>
         <p:txBody>
-          <a:bodyPr anchorCtr="0" anchor="b" bIns="91425" lIns="91425" spcFirstLastPara="1" rIns="91425" wrap="square" tIns="91425">
+          <a:bodyPr spcFirstLastPara="1" wrap="square" lIns="91425" tIns="91425" rIns="91425" bIns="91425" anchor="b" anchorCtr="0">
             <a:noAutofit/>
           </a:bodyPr>
           <a:lstStyle>
@@ -4880,15 +5035,19 @@
               </a:defRPr>
             </a:lvl9pPr>
           </a:lstStyle>
-          <a:p/>
+          <a:p>
+            <a:endParaRPr/>
+          </a:p>
         </p:txBody>
       </p:sp>
       <p:sp>
         <p:nvSpPr>
           <p:cNvPr id="45" name="Google Shape;45;p9"/>
-          <p:cNvSpPr txBox="1"/>
+          <p:cNvSpPr txBox="1">
+            <a:spLocks noGrp="1"/>
+          </p:cNvSpPr>
           <p:nvPr>
-            <p:ph idx="1" type="subTitle"/>
+            <p:ph type="subTitle" idx="1"/>
           </p:nvPr>
         </p:nvSpPr>
         <p:spPr>
@@ -4901,7 +5060,7 @@
           </a:prstGeom>
         </p:spPr>
         <p:txBody>
-          <a:bodyPr anchorCtr="0" anchor="t" bIns="91425" lIns="91425" spcFirstLastPara="1" rIns="91425" wrap="square" tIns="91425">
+          <a:bodyPr spcFirstLastPara="1" wrap="square" lIns="91425" tIns="91425" rIns="91425" bIns="91425" anchor="t" anchorCtr="0">
             <a:noAutofit/>
           </a:bodyPr>
           <a:lstStyle>
@@ -5086,15 +5245,19 @@
               </a:defRPr>
             </a:lvl9pPr>
           </a:lstStyle>
-          <a:p/>
+          <a:p>
+            <a:endParaRPr/>
+          </a:p>
         </p:txBody>
       </p:sp>
       <p:sp>
         <p:nvSpPr>
           <p:cNvPr id="46" name="Google Shape;46;p9"/>
-          <p:cNvSpPr txBox="1"/>
+          <p:cNvSpPr txBox="1">
+            <a:spLocks noGrp="1"/>
+          </p:cNvSpPr>
           <p:nvPr>
-            <p:ph idx="2" type="body"/>
+            <p:ph type="body" idx="2"/>
           </p:nvPr>
         </p:nvSpPr>
         <p:spPr>
@@ -5107,11 +5270,11 @@
           </a:prstGeom>
         </p:spPr>
         <p:txBody>
-          <a:bodyPr anchorCtr="0" anchor="ctr" bIns="91425" lIns="91425" spcFirstLastPara="1" rIns="91425" wrap="square" tIns="91425">
+          <a:bodyPr spcFirstLastPara="1" wrap="square" lIns="91425" tIns="91425" rIns="91425" bIns="91425" anchor="ctr" anchorCtr="0">
             <a:noAutofit/>
           </a:bodyPr>
           <a:lstStyle>
-            <a:lvl1pPr indent="-342900" lvl="0" marL="457200">
+            <a:lvl1pPr marL="457200" lvl="0" indent="-342900">
               <a:spcBef>
                 <a:spcPts val="0"/>
               </a:spcBef>
@@ -5129,7 +5292,7 @@
                 </a:solidFill>
               </a:defRPr>
             </a:lvl1pPr>
-            <a:lvl2pPr indent="-317500" lvl="1" marL="914400">
+            <a:lvl2pPr marL="914400" lvl="1" indent="-317500">
               <a:spcBef>
                 <a:spcPts val="1600"/>
               </a:spcBef>
@@ -5147,7 +5310,7 @@
                 </a:solidFill>
               </a:defRPr>
             </a:lvl2pPr>
-            <a:lvl3pPr indent="-317500" lvl="2" marL="1371600">
+            <a:lvl3pPr marL="1371600" lvl="2" indent="-317500">
               <a:spcBef>
                 <a:spcPts val="1600"/>
               </a:spcBef>
@@ -5165,7 +5328,7 @@
                 </a:solidFill>
               </a:defRPr>
             </a:lvl3pPr>
-            <a:lvl4pPr indent="-317500" lvl="3" marL="1828800">
+            <a:lvl4pPr marL="1828800" lvl="3" indent="-317500">
               <a:spcBef>
                 <a:spcPts val="1600"/>
               </a:spcBef>
@@ -5183,7 +5346,7 @@
                 </a:solidFill>
               </a:defRPr>
             </a:lvl4pPr>
-            <a:lvl5pPr indent="-317500" lvl="4" marL="2286000">
+            <a:lvl5pPr marL="2286000" lvl="4" indent="-317500">
               <a:spcBef>
                 <a:spcPts val="1600"/>
               </a:spcBef>
@@ -5201,7 +5364,7 @@
                 </a:solidFill>
               </a:defRPr>
             </a:lvl5pPr>
-            <a:lvl6pPr indent="-317500" lvl="5" marL="2743200">
+            <a:lvl6pPr marL="2743200" lvl="5" indent="-317500">
               <a:spcBef>
                 <a:spcPts val="1600"/>
               </a:spcBef>
@@ -5219,7 +5382,7 @@
                 </a:solidFill>
               </a:defRPr>
             </a:lvl6pPr>
-            <a:lvl7pPr indent="-317500" lvl="6" marL="3200400">
+            <a:lvl7pPr marL="3200400" lvl="6" indent="-317500">
               <a:spcBef>
                 <a:spcPts val="1600"/>
               </a:spcBef>
@@ -5237,7 +5400,7 @@
                 </a:solidFill>
               </a:defRPr>
             </a:lvl7pPr>
-            <a:lvl8pPr indent="-317500" lvl="7" marL="3657600">
+            <a:lvl8pPr marL="3657600" lvl="7" indent="-317500">
               <a:spcBef>
                 <a:spcPts val="1600"/>
               </a:spcBef>
@@ -5255,7 +5418,7 @@
                 </a:solidFill>
               </a:defRPr>
             </a:lvl8pPr>
-            <a:lvl9pPr indent="-317500" lvl="8" marL="4114800">
+            <a:lvl9pPr marL="4114800" lvl="8" indent="-317500">
               <a:spcBef>
                 <a:spcPts val="1600"/>
               </a:spcBef>
@@ -5274,15 +5437,19 @@
               </a:defRPr>
             </a:lvl9pPr>
           </a:lstStyle>
-          <a:p/>
+          <a:p>
+            <a:endParaRPr/>
+          </a:p>
         </p:txBody>
       </p:sp>
       <p:sp>
         <p:nvSpPr>
           <p:cNvPr id="47" name="Google Shape;47;p9"/>
-          <p:cNvSpPr txBox="1"/>
+          <p:cNvSpPr txBox="1">
+            <a:spLocks noGrp="1"/>
+          </p:cNvSpPr>
           <p:nvPr>
-            <p:ph idx="12" type="sldNum"/>
+            <p:ph type="sldNum" idx="12"/>
           </p:nvPr>
         </p:nvSpPr>
         <p:spPr>
@@ -5295,7 +5462,7 @@
           </a:prstGeom>
         </p:spPr>
         <p:txBody>
-          <a:bodyPr anchorCtr="0" anchor="ctr" bIns="91425" lIns="91425" spcFirstLastPara="1" rIns="91425" wrap="square" tIns="91425">
+          <a:bodyPr spcFirstLastPara="1" wrap="square" lIns="91425" tIns="91425" rIns="91425" bIns="91425" anchor="ctr" anchorCtr="0">
             <a:noAutofit/>
           </a:bodyPr>
           <a:lstStyle>
@@ -5373,7 +5540,7 @@
             </a:lvl9pPr>
           </a:lstStyle>
           <a:p>
-            <a:pPr indent="0" lvl="0" marL="0" rtl="0" algn="r">
+            <a:pPr marL="0" lvl="0" indent="0" algn="r" rtl="0">
               <a:spcBef>
                 <a:spcPts val="0"/>
               </a:spcBef>
@@ -5399,11 +5566,11 @@
 </file>
 
 <file path=ppt/slideLayouts/slideLayout9.xml><?xml version="1.0" encoding="utf-8"?>
-<p:sldLayout xmlns:a="http://schemas.openxmlformats.org/drawingml/2006/main" xmlns:r="http://schemas.openxmlformats.org/officeDocument/2006/relationships" xmlns:mc="http://schemas.openxmlformats.org/markup-compatibility/2006" xmlns:mv="urn:schemas-microsoft-com:mac:vml" xmlns:p="http://schemas.openxmlformats.org/presentationml/2006/main" xmlns:c="http://schemas.openxmlformats.org/drawingml/2006/chart" xmlns:dgm="http://schemas.openxmlformats.org/drawingml/2006/diagram" xmlns:o="urn:schemas-microsoft-com:office:office" xmlns:v="urn:schemas-microsoft-com:vml" xmlns:pvml="urn:schemas-microsoft-com:office:powerpoint" xmlns:com="http://schemas.openxmlformats.org/drawingml/2006/compatibility" xmlns:p14="http://schemas.microsoft.com/office/powerpoint/2010/main" xmlns:p15="http://schemas.microsoft.com/office/powerpoint/2012/main" matchingName="Caption">
+<p:sldLayout xmlns:a="http://schemas.openxmlformats.org/drawingml/2006/main" xmlns:r="http://schemas.openxmlformats.org/officeDocument/2006/relationships" xmlns:p="http://schemas.openxmlformats.org/presentationml/2006/main" matchingName="Caption">
   <p:cSld name="CAPTION_ONLY">
     <p:spTree>
       <p:nvGrpSpPr>
-        <p:cNvPr id="48" name="Shape 48"/>
+        <p:cNvPr id="1" name="Shape 48"/>
         <p:cNvGrpSpPr/>
         <p:nvPr/>
       </p:nvGrpSpPr>
@@ -5418,9 +5585,11 @@
       <p:sp>
         <p:nvSpPr>
           <p:cNvPr id="49" name="Google Shape;49;p10"/>
-          <p:cNvSpPr txBox="1"/>
+          <p:cNvSpPr txBox="1">
+            <a:spLocks noGrp="1"/>
+          </p:cNvSpPr>
           <p:nvPr>
-            <p:ph idx="1" type="body"/>
+            <p:ph type="body" idx="1"/>
           </p:nvPr>
         </p:nvSpPr>
         <p:spPr>
@@ -5433,11 +5602,11 @@
           </a:prstGeom>
         </p:spPr>
         <p:txBody>
-          <a:bodyPr anchorCtr="0" anchor="ctr" bIns="91425" lIns="91425" spcFirstLastPara="1" rIns="91425" wrap="square" tIns="91425">
+          <a:bodyPr spcFirstLastPara="1" wrap="square" lIns="91425" tIns="91425" rIns="91425" bIns="91425" anchor="ctr" anchorCtr="0">
             <a:noAutofit/>
           </a:bodyPr>
           <a:lstStyle>
-            <a:lvl1pPr indent="-228600" lvl="0" marL="457200">
+            <a:lvl1pPr marL="457200" lvl="0" indent="-228600">
               <a:lnSpc>
                 <a:spcPct val="100000"/>
               </a:lnSpc>
@@ -5458,15 +5627,19 @@
               </a:defRPr>
             </a:lvl1pPr>
           </a:lstStyle>
-          <a:p/>
+          <a:p>
+            <a:endParaRPr/>
+          </a:p>
         </p:txBody>
       </p:sp>
       <p:sp>
         <p:nvSpPr>
           <p:cNvPr id="50" name="Google Shape;50;p10"/>
-          <p:cNvSpPr txBox="1"/>
+          <p:cNvSpPr txBox="1">
+            <a:spLocks noGrp="1"/>
+          </p:cNvSpPr>
           <p:nvPr>
-            <p:ph idx="12" type="sldNum"/>
+            <p:ph type="sldNum" idx="12"/>
           </p:nvPr>
         </p:nvSpPr>
         <p:spPr>
@@ -5479,7 +5652,7 @@
           </a:prstGeom>
         </p:spPr>
         <p:txBody>
-          <a:bodyPr anchorCtr="0" anchor="ctr" bIns="91425" lIns="91425" spcFirstLastPara="1" rIns="91425" wrap="square" tIns="91425">
+          <a:bodyPr spcFirstLastPara="1" wrap="square" lIns="91425" tIns="91425" rIns="91425" bIns="91425" anchor="ctr" anchorCtr="0">
             <a:noAutofit/>
           </a:bodyPr>
           <a:lstStyle>
@@ -5521,7 +5694,7 @@
             </a:lvl9pPr>
           </a:lstStyle>
           <a:p>
-            <a:pPr indent="0" lvl="0" marL="0" rtl="0" algn="r">
+            <a:pPr marL="0" lvl="0" indent="0" algn="r" rtl="0">
               <a:spcBef>
                 <a:spcPts val="0"/>
               </a:spcBef>
@@ -5547,18 +5720,19 @@
 </file>
 
 <file path=ppt/slideMasters/slideMaster1.xml><?xml version="1.0" encoding="utf-8"?>
-<p:sldMaster xmlns:a="http://schemas.openxmlformats.org/drawingml/2006/main" xmlns:r="http://schemas.openxmlformats.org/officeDocument/2006/relationships" xmlns:mc="http://schemas.openxmlformats.org/markup-compatibility/2006" xmlns:mv="urn:schemas-microsoft-com:mac:vml" xmlns:p="http://schemas.openxmlformats.org/presentationml/2006/main" xmlns:c="http://schemas.openxmlformats.org/drawingml/2006/chart" xmlns:dgm="http://schemas.openxmlformats.org/drawingml/2006/diagram" xmlns:o="urn:schemas-microsoft-com:office:office" xmlns:v="urn:schemas-microsoft-com:vml" xmlns:pvml="urn:schemas-microsoft-com:office:powerpoint" xmlns:com="http://schemas.openxmlformats.org/drawingml/2006/compatibility" xmlns:p14="http://schemas.microsoft.com/office/powerpoint/2010/main" xmlns:p15="http://schemas.microsoft.com/office/powerpoint/2012/main">
+<p:sldMaster xmlns:a="http://schemas.openxmlformats.org/drawingml/2006/main" xmlns:r="http://schemas.openxmlformats.org/officeDocument/2006/relationships" xmlns:p="http://schemas.openxmlformats.org/presentationml/2006/main">
   <p:cSld name="luxe">
     <p:bg>
       <p:bgPr>
         <a:solidFill>
           <a:schemeClr val="lt1"/>
         </a:solidFill>
+        <a:effectLst/>
       </p:bgPr>
     </p:bg>
     <p:spTree>
       <p:nvGrpSpPr>
-        <p:cNvPr id="5" name="Shape 5"/>
+        <p:cNvPr id="1" name="Shape 5"/>
         <p:cNvGrpSpPr/>
         <p:nvPr/>
       </p:nvGrpSpPr>
@@ -5573,7 +5747,9 @@
       <p:sp>
         <p:nvSpPr>
           <p:cNvPr id="6" name="Google Shape;6;p1"/>
-          <p:cNvSpPr txBox="1"/>
+          <p:cNvSpPr txBox="1">
+            <a:spLocks noGrp="1"/>
+          </p:cNvSpPr>
           <p:nvPr>
             <p:ph type="title"/>
           </p:nvPr>
@@ -5592,7 +5768,7 @@
           </a:ln>
         </p:spPr>
         <p:txBody>
-          <a:bodyPr anchorCtr="0" anchor="b" bIns="91425" lIns="91425" spcFirstLastPara="1" rIns="91425" wrap="square" tIns="91425">
+          <a:bodyPr spcFirstLastPara="1" wrap="square" lIns="91425" tIns="91425" rIns="91425" bIns="91425" anchor="b" anchorCtr="0">
             <a:noAutofit/>
           </a:bodyPr>
           <a:lstStyle>
@@ -5804,15 +5980,19 @@
               </a:defRPr>
             </a:lvl9pPr>
           </a:lstStyle>
-          <a:p/>
+          <a:p>
+            <a:endParaRPr/>
+          </a:p>
         </p:txBody>
       </p:sp>
       <p:sp>
         <p:nvSpPr>
           <p:cNvPr id="7" name="Google Shape;7;p1"/>
-          <p:cNvSpPr txBox="1"/>
+          <p:cNvSpPr txBox="1">
+            <a:spLocks noGrp="1"/>
+          </p:cNvSpPr>
           <p:nvPr>
-            <p:ph idx="1" type="body"/>
+            <p:ph type="body" idx="1"/>
           </p:nvPr>
         </p:nvSpPr>
         <p:spPr>
@@ -5829,11 +6009,11 @@
           </a:ln>
         </p:spPr>
         <p:txBody>
-          <a:bodyPr anchorCtr="0" anchor="t" bIns="91425" lIns="91425" spcFirstLastPara="1" rIns="91425" wrap="square" tIns="91425">
+          <a:bodyPr spcFirstLastPara="1" wrap="square" lIns="91425" tIns="91425" rIns="91425" bIns="91425" anchor="t" anchorCtr="0">
             <a:noAutofit/>
           </a:bodyPr>
           <a:lstStyle>
-            <a:lvl1pPr indent="-342900" lvl="0" marL="457200">
+            <a:lvl1pPr marL="457200" lvl="0" indent="-342900">
               <a:lnSpc>
                 <a:spcPct val="115000"/>
               </a:lnSpc>
@@ -5859,7 +6039,7 @@
                 <a:sym typeface="Open Sans"/>
               </a:defRPr>
             </a:lvl1pPr>
-            <a:lvl2pPr indent="-317500" lvl="1" marL="914400">
+            <a:lvl2pPr marL="914400" lvl="1" indent="-317500">
               <a:lnSpc>
                 <a:spcPct val="115000"/>
               </a:lnSpc>
@@ -5885,7 +6065,7 @@
                 <a:sym typeface="Open Sans"/>
               </a:defRPr>
             </a:lvl2pPr>
-            <a:lvl3pPr indent="-317500" lvl="2" marL="1371600">
+            <a:lvl3pPr marL="1371600" lvl="2" indent="-317500">
               <a:lnSpc>
                 <a:spcPct val="115000"/>
               </a:lnSpc>
@@ -5911,7 +6091,7 @@
                 <a:sym typeface="Open Sans"/>
               </a:defRPr>
             </a:lvl3pPr>
-            <a:lvl4pPr indent="-317500" lvl="3" marL="1828800">
+            <a:lvl4pPr marL="1828800" lvl="3" indent="-317500">
               <a:lnSpc>
                 <a:spcPct val="115000"/>
               </a:lnSpc>
@@ -5937,7 +6117,7 @@
                 <a:sym typeface="Open Sans"/>
               </a:defRPr>
             </a:lvl4pPr>
-            <a:lvl5pPr indent="-317500" lvl="4" marL="2286000">
+            <a:lvl5pPr marL="2286000" lvl="4" indent="-317500">
               <a:lnSpc>
                 <a:spcPct val="115000"/>
               </a:lnSpc>
@@ -5963,7 +6143,7 @@
                 <a:sym typeface="Open Sans"/>
               </a:defRPr>
             </a:lvl5pPr>
-            <a:lvl6pPr indent="-317500" lvl="5" marL="2743200">
+            <a:lvl6pPr marL="2743200" lvl="5" indent="-317500">
               <a:lnSpc>
                 <a:spcPct val="115000"/>
               </a:lnSpc>
@@ -5989,7 +6169,7 @@
                 <a:sym typeface="Open Sans"/>
               </a:defRPr>
             </a:lvl6pPr>
-            <a:lvl7pPr indent="-317500" lvl="6" marL="3200400">
+            <a:lvl7pPr marL="3200400" lvl="6" indent="-317500">
               <a:lnSpc>
                 <a:spcPct val="115000"/>
               </a:lnSpc>
@@ -6015,7 +6195,7 @@
                 <a:sym typeface="Open Sans"/>
               </a:defRPr>
             </a:lvl7pPr>
-            <a:lvl8pPr indent="-317500" lvl="7" marL="3657600">
+            <a:lvl8pPr marL="3657600" lvl="7" indent="-317500">
               <a:lnSpc>
                 <a:spcPct val="115000"/>
               </a:lnSpc>
@@ -6041,7 +6221,7 @@
                 <a:sym typeface="Open Sans"/>
               </a:defRPr>
             </a:lvl8pPr>
-            <a:lvl9pPr indent="-317500" lvl="8" marL="4114800">
+            <a:lvl9pPr marL="4114800" lvl="8" indent="-317500">
               <a:lnSpc>
                 <a:spcPct val="115000"/>
               </a:lnSpc>
@@ -6068,15 +6248,19 @@
               </a:defRPr>
             </a:lvl9pPr>
           </a:lstStyle>
-          <a:p/>
+          <a:p>
+            <a:endParaRPr/>
+          </a:p>
         </p:txBody>
       </p:sp>
       <p:sp>
         <p:nvSpPr>
           <p:cNvPr id="8" name="Google Shape;8;p1"/>
-          <p:cNvSpPr txBox="1"/>
+          <p:cNvSpPr txBox="1">
+            <a:spLocks noGrp="1"/>
+          </p:cNvSpPr>
           <p:nvPr>
-            <p:ph idx="12" type="sldNum"/>
+            <p:ph type="sldNum" idx="12"/>
           </p:nvPr>
         </p:nvSpPr>
         <p:spPr>
@@ -6093,7 +6277,7 @@
           </a:ln>
         </p:spPr>
         <p:txBody>
-          <a:bodyPr anchorCtr="0" anchor="ctr" bIns="91425" lIns="91425" spcFirstLastPara="1" rIns="91425" wrap="square" tIns="91425">
+          <a:bodyPr spcFirstLastPara="1" wrap="square" lIns="91425" tIns="91425" rIns="91425" bIns="91425" anchor="ctr" anchorCtr="0">
             <a:noAutofit/>
           </a:bodyPr>
           <a:lstStyle>
@@ -6207,7 +6391,7 @@
             </a:lvl9pPr>
           </a:lstStyle>
           <a:p>
-            <a:pPr indent="0" lvl="0" marL="0" rtl="0" algn="r">
+            <a:pPr marL="0" lvl="0" indent="0" algn="r" rtl="0">
               <a:spcBef>
                 <a:spcPts val="0"/>
               </a:spcBef>
@@ -6226,7 +6410,7 @@
       </p:sp>
     </p:spTree>
   </p:cSld>
-  <p:clrMap accent1="accent1" accent2="accent2" accent3="accent3" accent4="accent4" accent5="accent5" accent6="accent6" bg1="lt1" bg2="dk2" tx1="dk1" tx2="lt2" folHlink="folHlink" hlink="hlink"/>
+  <p:clrMap bg1="lt1" tx1="dk1" bg2="dk2" tx2="lt2" accent1="accent1" accent2="accent2" accent3="accent3" accent4="accent4" accent5="accent5" accent6="accent6" hlink="hlink" folHlink="folHlink"/>
   <p:sldLayoutIdLst>
     <p:sldLayoutId id="2147483648" r:id="rId1"/>
     <p:sldLayoutId id="2147483649" r:id="rId2"/>
@@ -6240,10 +6424,10 @@
     <p:sldLayoutId id="2147483657" r:id="rId10"/>
     <p:sldLayoutId id="2147483658" r:id="rId11"/>
   </p:sldLayoutIdLst>
-  <p:hf dt="0" ftr="0" hdr="0" sldNum="0"/>
+  <p:hf sldNum="0" hdr="0" ftr="0" dt="0"/>
   <p:txStyles>
     <p:titleStyle>
-      <a:defPPr lvl="0" marR="0" rtl="0" algn="l">
+      <a:defPPr marR="0" lvl="0" algn="l" rtl="0">
         <a:lnSpc>
           <a:spcPct val="100000"/>
         </a:lnSpc>
@@ -6254,7 +6438,7 @@
           <a:spcPts val="0"/>
         </a:spcAft>
       </a:defPPr>
-      <a:lvl1pPr lvl="0" marR="0" rtl="0" algn="l">
+      <a:lvl1pPr marR="0" lvl="0" algn="l" rtl="0">
         <a:lnSpc>
           <a:spcPct val="100000"/>
         </a:lnSpc>
@@ -6268,7 +6452,7 @@
           <a:srgbClr val="000000"/>
         </a:buClr>
         <a:buFont typeface="Arial"/>
-        <a:defRPr b="0" i="0" sz="1400" u="none" cap="none" strike="noStrike">
+        <a:defRPr sz="1400" b="0" i="0" u="none" strike="noStrike" cap="none">
           <a:solidFill>
             <a:srgbClr val="000000"/>
           </a:solidFill>
@@ -6278,7 +6462,7 @@
           <a:sym typeface="Arial"/>
         </a:defRPr>
       </a:lvl1pPr>
-      <a:lvl2pPr lvl="1" marR="0" rtl="0" algn="l">
+      <a:lvl2pPr marR="0" lvl="1" algn="l" rtl="0">
         <a:lnSpc>
           <a:spcPct val="100000"/>
         </a:lnSpc>
@@ -6292,7 +6476,7 @@
           <a:srgbClr val="000000"/>
         </a:buClr>
         <a:buFont typeface="Arial"/>
-        <a:defRPr b="0" i="0" sz="1400" u="none" cap="none" strike="noStrike">
+        <a:defRPr sz="1400" b="0" i="0" u="none" strike="noStrike" cap="none">
           <a:solidFill>
             <a:srgbClr val="000000"/>
           </a:solidFill>
@@ -6302,7 +6486,7 @@
           <a:sym typeface="Arial"/>
         </a:defRPr>
       </a:lvl2pPr>
-      <a:lvl3pPr lvl="2" marR="0" rtl="0" algn="l">
+      <a:lvl3pPr marR="0" lvl="2" algn="l" rtl="0">
         <a:lnSpc>
           <a:spcPct val="100000"/>
         </a:lnSpc>
@@ -6316,7 +6500,7 @@
           <a:srgbClr val="000000"/>
         </a:buClr>
         <a:buFont typeface="Arial"/>
-        <a:defRPr b="0" i="0" sz="1400" u="none" cap="none" strike="noStrike">
+        <a:defRPr sz="1400" b="0" i="0" u="none" strike="noStrike" cap="none">
           <a:solidFill>
             <a:srgbClr val="000000"/>
           </a:solidFill>
@@ -6326,7 +6510,7 @@
           <a:sym typeface="Arial"/>
         </a:defRPr>
       </a:lvl3pPr>
-      <a:lvl4pPr lvl="3" marR="0" rtl="0" algn="l">
+      <a:lvl4pPr marR="0" lvl="3" algn="l" rtl="0">
         <a:lnSpc>
           <a:spcPct val="100000"/>
         </a:lnSpc>
@@ -6340,7 +6524,7 @@
           <a:srgbClr val="000000"/>
         </a:buClr>
         <a:buFont typeface="Arial"/>
-        <a:defRPr b="0" i="0" sz="1400" u="none" cap="none" strike="noStrike">
+        <a:defRPr sz="1400" b="0" i="0" u="none" strike="noStrike" cap="none">
           <a:solidFill>
             <a:srgbClr val="000000"/>
           </a:solidFill>
@@ -6350,7 +6534,7 @@
           <a:sym typeface="Arial"/>
         </a:defRPr>
       </a:lvl4pPr>
-      <a:lvl5pPr lvl="4" marR="0" rtl="0" algn="l">
+      <a:lvl5pPr marR="0" lvl="4" algn="l" rtl="0">
         <a:lnSpc>
           <a:spcPct val="100000"/>
         </a:lnSpc>
@@ -6364,7 +6548,7 @@
           <a:srgbClr val="000000"/>
         </a:buClr>
         <a:buFont typeface="Arial"/>
-        <a:defRPr b="0" i="0" sz="1400" u="none" cap="none" strike="noStrike">
+        <a:defRPr sz="1400" b="0" i="0" u="none" strike="noStrike" cap="none">
           <a:solidFill>
             <a:srgbClr val="000000"/>
           </a:solidFill>
@@ -6374,7 +6558,7 @@
           <a:sym typeface="Arial"/>
         </a:defRPr>
       </a:lvl5pPr>
-      <a:lvl6pPr lvl="5" marR="0" rtl="0" algn="l">
+      <a:lvl6pPr marR="0" lvl="5" algn="l" rtl="0">
         <a:lnSpc>
           <a:spcPct val="100000"/>
         </a:lnSpc>
@@ -6388,7 +6572,7 @@
           <a:srgbClr val="000000"/>
         </a:buClr>
         <a:buFont typeface="Arial"/>
-        <a:defRPr b="0" i="0" sz="1400" u="none" cap="none" strike="noStrike">
+        <a:defRPr sz="1400" b="0" i="0" u="none" strike="noStrike" cap="none">
           <a:solidFill>
             <a:srgbClr val="000000"/>
           </a:solidFill>
@@ -6398,7 +6582,7 @@
           <a:sym typeface="Arial"/>
         </a:defRPr>
       </a:lvl6pPr>
-      <a:lvl7pPr lvl="6" marR="0" rtl="0" algn="l">
+      <a:lvl7pPr marR="0" lvl="6" algn="l" rtl="0">
         <a:lnSpc>
           <a:spcPct val="100000"/>
         </a:lnSpc>
@@ -6412,7 +6596,7 @@
           <a:srgbClr val="000000"/>
         </a:buClr>
         <a:buFont typeface="Arial"/>
-        <a:defRPr b="0" i="0" sz="1400" u="none" cap="none" strike="noStrike">
+        <a:defRPr sz="1400" b="0" i="0" u="none" strike="noStrike" cap="none">
           <a:solidFill>
             <a:srgbClr val="000000"/>
           </a:solidFill>
@@ -6422,7 +6606,7 @@
           <a:sym typeface="Arial"/>
         </a:defRPr>
       </a:lvl7pPr>
-      <a:lvl8pPr lvl="7" marR="0" rtl="0" algn="l">
+      <a:lvl8pPr marR="0" lvl="7" algn="l" rtl="0">
         <a:lnSpc>
           <a:spcPct val="100000"/>
         </a:lnSpc>
@@ -6436,7 +6620,7 @@
           <a:srgbClr val="000000"/>
         </a:buClr>
         <a:buFont typeface="Arial"/>
-        <a:defRPr b="0" i="0" sz="1400" u="none" cap="none" strike="noStrike">
+        <a:defRPr sz="1400" b="0" i="0" u="none" strike="noStrike" cap="none">
           <a:solidFill>
             <a:srgbClr val="000000"/>
           </a:solidFill>
@@ -6446,7 +6630,7 @@
           <a:sym typeface="Arial"/>
         </a:defRPr>
       </a:lvl8pPr>
-      <a:lvl9pPr lvl="8" marR="0" rtl="0" algn="l">
+      <a:lvl9pPr marR="0" lvl="8" algn="l" rtl="0">
         <a:lnSpc>
           <a:spcPct val="100000"/>
         </a:lnSpc>
@@ -6460,7 +6644,7 @@
           <a:srgbClr val="000000"/>
         </a:buClr>
         <a:buFont typeface="Arial"/>
-        <a:defRPr b="0" i="0" sz="1400" u="none" cap="none" strike="noStrike">
+        <a:defRPr sz="1400" b="0" i="0" u="none" strike="noStrike" cap="none">
           <a:solidFill>
             <a:srgbClr val="000000"/>
           </a:solidFill>
@@ -6472,7 +6656,7 @@
       </a:lvl9pPr>
     </p:titleStyle>
     <p:bodyStyle>
-      <a:defPPr lvl="0" marR="0" rtl="0" algn="l">
+      <a:defPPr marR="0" lvl="0" algn="l" rtl="0">
         <a:lnSpc>
           <a:spcPct val="100000"/>
         </a:lnSpc>
@@ -6483,7 +6667,7 @@
           <a:spcPts val="0"/>
         </a:spcAft>
       </a:defPPr>
-      <a:lvl1pPr lvl="0" marR="0" rtl="0" algn="l">
+      <a:lvl1pPr marR="0" lvl="0" algn="l" rtl="0">
         <a:lnSpc>
           <a:spcPct val="100000"/>
         </a:lnSpc>
@@ -6497,7 +6681,7 @@
           <a:srgbClr val="000000"/>
         </a:buClr>
         <a:buFont typeface="Arial"/>
-        <a:defRPr b="0" i="0" sz="1400" u="none" cap="none" strike="noStrike">
+        <a:defRPr sz="1400" b="0" i="0" u="none" strike="noStrike" cap="none">
           <a:solidFill>
             <a:srgbClr val="000000"/>
           </a:solidFill>
@@ -6507,7 +6691,7 @@
           <a:sym typeface="Arial"/>
         </a:defRPr>
       </a:lvl1pPr>
-      <a:lvl2pPr lvl="1" marR="0" rtl="0" algn="l">
+      <a:lvl2pPr marR="0" lvl="1" algn="l" rtl="0">
         <a:lnSpc>
           <a:spcPct val="100000"/>
         </a:lnSpc>
@@ -6521,7 +6705,7 @@
           <a:srgbClr val="000000"/>
         </a:buClr>
         <a:buFont typeface="Arial"/>
-        <a:defRPr b="0" i="0" sz="1400" u="none" cap="none" strike="noStrike">
+        <a:defRPr sz="1400" b="0" i="0" u="none" strike="noStrike" cap="none">
           <a:solidFill>
             <a:srgbClr val="000000"/>
           </a:solidFill>
@@ -6531,7 +6715,7 @@
           <a:sym typeface="Arial"/>
         </a:defRPr>
       </a:lvl2pPr>
-      <a:lvl3pPr lvl="2" marR="0" rtl="0" algn="l">
+      <a:lvl3pPr marR="0" lvl="2" algn="l" rtl="0">
         <a:lnSpc>
           <a:spcPct val="100000"/>
         </a:lnSpc>
@@ -6545,7 +6729,7 @@
           <a:srgbClr val="000000"/>
         </a:buClr>
         <a:buFont typeface="Arial"/>
-        <a:defRPr b="0" i="0" sz="1400" u="none" cap="none" strike="noStrike">
+        <a:defRPr sz="1400" b="0" i="0" u="none" strike="noStrike" cap="none">
           <a:solidFill>
             <a:srgbClr val="000000"/>
           </a:solidFill>
@@ -6555,7 +6739,7 @@
           <a:sym typeface="Arial"/>
         </a:defRPr>
       </a:lvl3pPr>
-      <a:lvl4pPr lvl="3" marR="0" rtl="0" algn="l">
+      <a:lvl4pPr marR="0" lvl="3" algn="l" rtl="0">
         <a:lnSpc>
           <a:spcPct val="100000"/>
         </a:lnSpc>
@@ -6569,7 +6753,7 @@
           <a:srgbClr val="000000"/>
         </a:buClr>
         <a:buFont typeface="Arial"/>
-        <a:defRPr b="0" i="0" sz="1400" u="none" cap="none" strike="noStrike">
+        <a:defRPr sz="1400" b="0" i="0" u="none" strike="noStrike" cap="none">
           <a:solidFill>
             <a:srgbClr val="000000"/>
           </a:solidFill>
@@ -6579,7 +6763,7 @@
           <a:sym typeface="Arial"/>
         </a:defRPr>
       </a:lvl4pPr>
-      <a:lvl5pPr lvl="4" marR="0" rtl="0" algn="l">
+      <a:lvl5pPr marR="0" lvl="4" algn="l" rtl="0">
         <a:lnSpc>
           <a:spcPct val="100000"/>
         </a:lnSpc>
@@ -6593,7 +6777,7 @@
           <a:srgbClr val="000000"/>
         </a:buClr>
         <a:buFont typeface="Arial"/>
-        <a:defRPr b="0" i="0" sz="1400" u="none" cap="none" strike="noStrike">
+        <a:defRPr sz="1400" b="0" i="0" u="none" strike="noStrike" cap="none">
           <a:solidFill>
             <a:srgbClr val="000000"/>
           </a:solidFill>
@@ -6603,7 +6787,7 @@
           <a:sym typeface="Arial"/>
         </a:defRPr>
       </a:lvl5pPr>
-      <a:lvl6pPr lvl="5" marR="0" rtl="0" algn="l">
+      <a:lvl6pPr marR="0" lvl="5" algn="l" rtl="0">
         <a:lnSpc>
           <a:spcPct val="100000"/>
         </a:lnSpc>
@@ -6617,7 +6801,7 @@
           <a:srgbClr val="000000"/>
         </a:buClr>
         <a:buFont typeface="Arial"/>
-        <a:defRPr b="0" i="0" sz="1400" u="none" cap="none" strike="noStrike">
+        <a:defRPr sz="1400" b="0" i="0" u="none" strike="noStrike" cap="none">
           <a:solidFill>
             <a:srgbClr val="000000"/>
           </a:solidFill>
@@ -6627,7 +6811,7 @@
           <a:sym typeface="Arial"/>
         </a:defRPr>
       </a:lvl6pPr>
-      <a:lvl7pPr lvl="6" marR="0" rtl="0" algn="l">
+      <a:lvl7pPr marR="0" lvl="6" algn="l" rtl="0">
         <a:lnSpc>
           <a:spcPct val="100000"/>
         </a:lnSpc>
@@ -6641,7 +6825,7 @@
           <a:srgbClr val="000000"/>
         </a:buClr>
         <a:buFont typeface="Arial"/>
-        <a:defRPr b="0" i="0" sz="1400" u="none" cap="none" strike="noStrike">
+        <a:defRPr sz="1400" b="0" i="0" u="none" strike="noStrike" cap="none">
           <a:solidFill>
             <a:srgbClr val="000000"/>
           </a:solidFill>
@@ -6651,7 +6835,7 @@
           <a:sym typeface="Arial"/>
         </a:defRPr>
       </a:lvl7pPr>
-      <a:lvl8pPr lvl="7" marR="0" rtl="0" algn="l">
+      <a:lvl8pPr marR="0" lvl="7" algn="l" rtl="0">
         <a:lnSpc>
           <a:spcPct val="100000"/>
         </a:lnSpc>
@@ -6665,7 +6849,7 @@
           <a:srgbClr val="000000"/>
         </a:buClr>
         <a:buFont typeface="Arial"/>
-        <a:defRPr b="0" i="0" sz="1400" u="none" cap="none" strike="noStrike">
+        <a:defRPr sz="1400" b="0" i="0" u="none" strike="noStrike" cap="none">
           <a:solidFill>
             <a:srgbClr val="000000"/>
           </a:solidFill>
@@ -6675,7 +6859,7 @@
           <a:sym typeface="Arial"/>
         </a:defRPr>
       </a:lvl8pPr>
-      <a:lvl9pPr lvl="8" marR="0" rtl="0" algn="l">
+      <a:lvl9pPr marR="0" lvl="8" algn="l" rtl="0">
         <a:lnSpc>
           <a:spcPct val="100000"/>
         </a:lnSpc>
@@ -6689,7 +6873,7 @@
           <a:srgbClr val="000000"/>
         </a:buClr>
         <a:buFont typeface="Arial"/>
-        <a:defRPr b="0" i="0" sz="1400" u="none" cap="none" strike="noStrike">
+        <a:defRPr sz="1400" b="0" i="0" u="none" strike="noStrike" cap="none">
           <a:solidFill>
             <a:srgbClr val="000000"/>
           </a:solidFill>
@@ -6701,7 +6885,7 @@
       </a:lvl9pPr>
     </p:bodyStyle>
     <p:otherStyle>
-      <a:defPPr lvl="0" marR="0" rtl="0" algn="l">
+      <a:defPPr marR="0" lvl="0" algn="l" rtl="0">
         <a:lnSpc>
           <a:spcPct val="100000"/>
         </a:lnSpc>
@@ -6712,7 +6896,7 @@
           <a:spcPts val="0"/>
         </a:spcAft>
       </a:defPPr>
-      <a:lvl1pPr lvl="0" marR="0" rtl="0" algn="l">
+      <a:lvl1pPr marR="0" lvl="0" algn="l" rtl="0">
         <a:lnSpc>
           <a:spcPct val="100000"/>
         </a:lnSpc>
@@ -6726,7 +6910,7 @@
           <a:srgbClr val="000000"/>
         </a:buClr>
         <a:buFont typeface="Arial"/>
-        <a:defRPr b="0" i="0" sz="1400" u="none" cap="none" strike="noStrike">
+        <a:defRPr sz="1400" b="0" i="0" u="none" strike="noStrike" cap="none">
           <a:solidFill>
             <a:srgbClr val="000000"/>
           </a:solidFill>
@@ -6736,7 +6920,7 @@
           <a:sym typeface="Arial"/>
         </a:defRPr>
       </a:lvl1pPr>
-      <a:lvl2pPr lvl="1" marR="0" rtl="0" algn="l">
+      <a:lvl2pPr marR="0" lvl="1" algn="l" rtl="0">
         <a:lnSpc>
           <a:spcPct val="100000"/>
         </a:lnSpc>
@@ -6750,7 +6934,7 @@
           <a:srgbClr val="000000"/>
         </a:buClr>
         <a:buFont typeface="Arial"/>
-        <a:defRPr b="0" i="0" sz="1400" u="none" cap="none" strike="noStrike">
+        <a:defRPr sz="1400" b="0" i="0" u="none" strike="noStrike" cap="none">
           <a:solidFill>
             <a:srgbClr val="000000"/>
           </a:solidFill>
@@ -6760,7 +6944,7 @@
           <a:sym typeface="Arial"/>
         </a:defRPr>
       </a:lvl2pPr>
-      <a:lvl3pPr lvl="2" marR="0" rtl="0" algn="l">
+      <a:lvl3pPr marR="0" lvl="2" algn="l" rtl="0">
         <a:lnSpc>
           <a:spcPct val="100000"/>
         </a:lnSpc>
@@ -6774,7 +6958,7 @@
           <a:srgbClr val="000000"/>
         </a:buClr>
         <a:buFont typeface="Arial"/>
-        <a:defRPr b="0" i="0" sz="1400" u="none" cap="none" strike="noStrike">
+        <a:defRPr sz="1400" b="0" i="0" u="none" strike="noStrike" cap="none">
           <a:solidFill>
             <a:srgbClr val="000000"/>
           </a:solidFill>
@@ -6784,7 +6968,7 @@
           <a:sym typeface="Arial"/>
         </a:defRPr>
       </a:lvl3pPr>
-      <a:lvl4pPr lvl="3" marR="0" rtl="0" algn="l">
+      <a:lvl4pPr marR="0" lvl="3" algn="l" rtl="0">
         <a:lnSpc>
           <a:spcPct val="100000"/>
         </a:lnSpc>
@@ -6798,7 +6982,7 @@
           <a:srgbClr val="000000"/>
         </a:buClr>
         <a:buFont typeface="Arial"/>
-        <a:defRPr b="0" i="0" sz="1400" u="none" cap="none" strike="noStrike">
+        <a:defRPr sz="1400" b="0" i="0" u="none" strike="noStrike" cap="none">
           <a:solidFill>
             <a:srgbClr val="000000"/>
           </a:solidFill>
@@ -6808,7 +6992,7 @@
           <a:sym typeface="Arial"/>
         </a:defRPr>
       </a:lvl4pPr>
-      <a:lvl5pPr lvl="4" marR="0" rtl="0" algn="l">
+      <a:lvl5pPr marR="0" lvl="4" algn="l" rtl="0">
         <a:lnSpc>
           <a:spcPct val="100000"/>
         </a:lnSpc>
@@ -6822,7 +7006,7 @@
           <a:srgbClr val="000000"/>
         </a:buClr>
         <a:buFont typeface="Arial"/>
-        <a:defRPr b="0" i="0" sz="1400" u="none" cap="none" strike="noStrike">
+        <a:defRPr sz="1400" b="0" i="0" u="none" strike="noStrike" cap="none">
           <a:solidFill>
             <a:srgbClr val="000000"/>
           </a:solidFill>
@@ -6832,7 +7016,7 @@
           <a:sym typeface="Arial"/>
         </a:defRPr>
       </a:lvl5pPr>
-      <a:lvl6pPr lvl="5" marR="0" rtl="0" algn="l">
+      <a:lvl6pPr marR="0" lvl="5" algn="l" rtl="0">
         <a:lnSpc>
           <a:spcPct val="100000"/>
         </a:lnSpc>
@@ -6846,7 +7030,7 @@
           <a:srgbClr val="000000"/>
         </a:buClr>
         <a:buFont typeface="Arial"/>
-        <a:defRPr b="0" i="0" sz="1400" u="none" cap="none" strike="noStrike">
+        <a:defRPr sz="1400" b="0" i="0" u="none" strike="noStrike" cap="none">
           <a:solidFill>
             <a:srgbClr val="000000"/>
           </a:solidFill>
@@ -6856,7 +7040,7 @@
           <a:sym typeface="Arial"/>
         </a:defRPr>
       </a:lvl6pPr>
-      <a:lvl7pPr lvl="6" marR="0" rtl="0" algn="l">
+      <a:lvl7pPr marR="0" lvl="6" algn="l" rtl="0">
         <a:lnSpc>
           <a:spcPct val="100000"/>
         </a:lnSpc>
@@ -6870,7 +7054,7 @@
           <a:srgbClr val="000000"/>
         </a:buClr>
         <a:buFont typeface="Arial"/>
-        <a:defRPr b="0" i="0" sz="1400" u="none" cap="none" strike="noStrike">
+        <a:defRPr sz="1400" b="0" i="0" u="none" strike="noStrike" cap="none">
           <a:solidFill>
             <a:srgbClr val="000000"/>
           </a:solidFill>
@@ -6880,7 +7064,7 @@
           <a:sym typeface="Arial"/>
         </a:defRPr>
       </a:lvl7pPr>
-      <a:lvl8pPr lvl="7" marR="0" rtl="0" algn="l">
+      <a:lvl8pPr marR="0" lvl="7" algn="l" rtl="0">
         <a:lnSpc>
           <a:spcPct val="100000"/>
         </a:lnSpc>
@@ -6894,7 +7078,7 @@
           <a:srgbClr val="000000"/>
         </a:buClr>
         <a:buFont typeface="Arial"/>
-        <a:defRPr b="0" i="0" sz="1400" u="none" cap="none" strike="noStrike">
+        <a:defRPr sz="1400" b="0" i="0" u="none" strike="noStrike" cap="none">
           <a:solidFill>
             <a:srgbClr val="000000"/>
           </a:solidFill>
@@ -6904,7 +7088,7 @@
           <a:sym typeface="Arial"/>
         </a:defRPr>
       </a:lvl8pPr>
-      <a:lvl9pPr lvl="8" marR="0" rtl="0" algn="l">
+      <a:lvl9pPr marR="0" lvl="8" algn="l" rtl="0">
         <a:lnSpc>
           <a:spcPct val="100000"/>
         </a:lnSpc>
@@ -6918,7 +7102,7 @@
           <a:srgbClr val="000000"/>
         </a:buClr>
         <a:buFont typeface="Arial"/>
-        <a:defRPr b="0" i="0" sz="1400" u="none" cap="none" strike="noStrike">
+        <a:defRPr sz="1400" b="0" i="0" u="none" strike="noStrike" cap="none">
           <a:solidFill>
             <a:srgbClr val="000000"/>
           </a:solidFill>
@@ -6934,11 +7118,11 @@
 </file>
 
 <file path=ppt/slides/slide1.xml><?xml version="1.0" encoding="utf-8"?>
-<p:sld xmlns:a="http://schemas.openxmlformats.org/drawingml/2006/main" xmlns:r="http://schemas.openxmlformats.org/officeDocument/2006/relationships" xmlns:mc="http://schemas.openxmlformats.org/markup-compatibility/2006" xmlns:mv="urn:schemas-microsoft-com:mac:vml" xmlns:p="http://schemas.openxmlformats.org/presentationml/2006/main" xmlns:c="http://schemas.openxmlformats.org/drawingml/2006/chart" xmlns:dgm="http://schemas.openxmlformats.org/drawingml/2006/diagram" xmlns:o="urn:schemas-microsoft-com:office:office" xmlns:v="urn:schemas-microsoft-com:vml" xmlns:pvml="urn:schemas-microsoft-com:office:powerpoint" xmlns:com="http://schemas.openxmlformats.org/drawingml/2006/compatibility" xmlns:p14="http://schemas.microsoft.com/office/powerpoint/2010/main" xmlns:p15="http://schemas.microsoft.com/office/powerpoint/2012/main">
+<p:sld xmlns:a="http://schemas.openxmlformats.org/drawingml/2006/main" xmlns:r="http://schemas.openxmlformats.org/officeDocument/2006/relationships" xmlns:p="http://schemas.openxmlformats.org/presentationml/2006/main">
   <p:cSld>
     <p:spTree>
       <p:nvGrpSpPr>
-        <p:cNvPr id="61" name="Shape 61"/>
+        <p:cNvPr id="1" name="Shape 61"/>
         <p:cNvGrpSpPr/>
         <p:nvPr/>
       </p:nvGrpSpPr>
@@ -6953,7 +7137,9 @@
       <p:sp>
         <p:nvSpPr>
           <p:cNvPr id="62" name="Google Shape;62;p13"/>
-          <p:cNvSpPr txBox="1"/>
+          <p:cNvSpPr txBox="1">
+            <a:spLocks noGrp="1"/>
+          </p:cNvSpPr>
           <p:nvPr>
             <p:ph type="ctrTitle"/>
           </p:nvPr>
@@ -6968,12 +7154,12 @@
           </a:prstGeom>
         </p:spPr>
         <p:txBody>
-          <a:bodyPr anchorCtr="0" anchor="b" bIns="91425" lIns="91425" spcFirstLastPara="1" rIns="91425" wrap="square" tIns="91425">
+          <a:bodyPr spcFirstLastPara="1" wrap="square" lIns="91425" tIns="91425" rIns="91425" bIns="91425" anchor="b" anchorCtr="0">
             <a:noAutofit/>
           </a:bodyPr>
           <a:lstStyle/>
           <a:p>
-            <a:pPr indent="0" lvl="0" marL="0" rtl="0" algn="ctr">
+            <a:pPr marL="0" lvl="0" indent="0" algn="ctr" rtl="0">
               <a:spcBef>
                 <a:spcPts val="0"/>
               </a:spcBef>
@@ -6993,9 +7179,11 @@
       <p:sp>
         <p:nvSpPr>
           <p:cNvPr id="63" name="Google Shape;63;p13"/>
-          <p:cNvSpPr txBox="1"/>
+          <p:cNvSpPr txBox="1">
+            <a:spLocks noGrp="1"/>
+          </p:cNvSpPr>
           <p:nvPr>
-            <p:ph idx="1" type="subTitle"/>
+            <p:ph type="subTitle" idx="1"/>
           </p:nvPr>
         </p:nvSpPr>
         <p:spPr>
@@ -7008,12 +7196,12 @@
           </a:prstGeom>
         </p:spPr>
         <p:txBody>
-          <a:bodyPr anchorCtr="0" anchor="t" bIns="91425" lIns="91425" spcFirstLastPara="1" rIns="91425" wrap="square" tIns="91425">
+          <a:bodyPr spcFirstLastPara="1" wrap="square" lIns="91425" tIns="91425" rIns="91425" bIns="91425" anchor="t" anchorCtr="0">
             <a:noAutofit/>
           </a:bodyPr>
           <a:lstStyle/>
           <a:p>
-            <a:pPr indent="0" lvl="0" marL="0" rtl="0" algn="ctr">
+            <a:pPr marL="0" lvl="0" indent="0" algn="ctr" rtl="0">
               <a:spcBef>
                 <a:spcPts val="0"/>
               </a:spcBef>
@@ -7039,11 +7227,141 @@
 </file>
 
 <file path=ppt/slides/slide2.xml><?xml version="1.0" encoding="utf-8"?>
-<p:sld xmlns:a="http://schemas.openxmlformats.org/drawingml/2006/main" xmlns:r="http://schemas.openxmlformats.org/officeDocument/2006/relationships" xmlns:mc="http://schemas.openxmlformats.org/markup-compatibility/2006" xmlns:mv="urn:schemas-microsoft-com:mac:vml" xmlns:p="http://schemas.openxmlformats.org/presentationml/2006/main" xmlns:c="http://schemas.openxmlformats.org/drawingml/2006/chart" xmlns:dgm="http://schemas.openxmlformats.org/drawingml/2006/diagram" xmlns:o="urn:schemas-microsoft-com:office:office" xmlns:v="urn:schemas-microsoft-com:vml" xmlns:pvml="urn:schemas-microsoft-com:office:powerpoint" xmlns:com="http://schemas.openxmlformats.org/drawingml/2006/compatibility" xmlns:p14="http://schemas.microsoft.com/office/powerpoint/2010/main" xmlns:p15="http://schemas.microsoft.com/office/powerpoint/2012/main">
+<p:sld xmlns:a="http://schemas.openxmlformats.org/drawingml/2006/main" xmlns:r="http://schemas.openxmlformats.org/officeDocument/2006/relationships" xmlns:p="http://schemas.openxmlformats.org/presentationml/2006/main">
   <p:cSld>
     <p:spTree>
       <p:nvGrpSpPr>
-        <p:cNvPr id="67" name="Shape 67"/>
+        <p:cNvPr id="1" name=""/>
+        <p:cNvGrpSpPr/>
+        <p:nvPr/>
+      </p:nvGrpSpPr>
+      <p:grpSpPr>
+        <a:xfrm>
+          <a:off x="0" y="0"/>
+          <a:ext cx="0" cy="0"/>
+          <a:chOff x="0" y="0"/>
+          <a:chExt cx="0" cy="0"/>
+        </a:xfrm>
+      </p:grpSpPr>
+      <p:sp>
+        <p:nvSpPr>
+          <p:cNvPr id="3" name="Title 2">
+            <a:extLst>
+              <a:ext uri="{FF2B5EF4-FFF2-40B4-BE49-F238E27FC236}">
+                <a16:creationId xmlns:a16="http://schemas.microsoft.com/office/drawing/2014/main" id="{85A532B4-9E25-4165-9C32-ACF734C1324F}"/>
+              </a:ext>
+            </a:extLst>
+          </p:cNvPr>
+          <p:cNvSpPr>
+            <a:spLocks noGrp="1"/>
+          </p:cNvSpPr>
+          <p:nvPr>
+            <p:ph type="title"/>
+          </p:nvPr>
+        </p:nvSpPr>
+        <p:spPr/>
+        <p:txBody>
+          <a:bodyPr/>
+          <a:lstStyle/>
+          <a:p>
+            <a:r>
+              <a:rPr lang="en-US" dirty="0"/>
+              <a:t>Group members</a:t>
+            </a:r>
+          </a:p>
+        </p:txBody>
+      </p:sp>
+      <p:sp>
+        <p:nvSpPr>
+          <p:cNvPr id="4" name="Text Placeholder 3">
+            <a:extLst>
+              <a:ext uri="{FF2B5EF4-FFF2-40B4-BE49-F238E27FC236}">
+                <a16:creationId xmlns:a16="http://schemas.microsoft.com/office/drawing/2014/main" id="{A843FE11-595D-4F69-8C6A-B12958CCCD97}"/>
+              </a:ext>
+            </a:extLst>
+          </p:cNvPr>
+          <p:cNvSpPr>
+            <a:spLocks noGrp="1"/>
+          </p:cNvSpPr>
+          <p:nvPr>
+            <p:ph type="body" idx="1"/>
+          </p:nvPr>
+        </p:nvSpPr>
+        <p:spPr/>
+        <p:txBody>
+          <a:bodyPr/>
+          <a:lstStyle/>
+          <a:p>
+            <a:r>
+              <a:rPr lang="en-US" dirty="0"/>
+              <a:t>Martin Dahl </a:t>
+            </a:r>
+            <a:r>
+              <a:rPr lang="en-US" dirty="0" err="1"/>
+              <a:t>Sørensen</a:t>
+            </a:r>
+            <a:endParaRPr lang="en-US" dirty="0"/>
+          </a:p>
+          <a:p>
+            <a:r>
+              <a:rPr lang="en-US" dirty="0"/>
+              <a:t>Arijus Grotuzas</a:t>
+            </a:r>
+          </a:p>
+          <a:p>
+            <a:r>
+              <a:rPr lang="en-US" dirty="0"/>
+              <a:t>Julia </a:t>
+            </a:r>
+            <a:r>
+              <a:rPr lang="en-US" dirty="0" err="1"/>
+              <a:t>Złotkowska</a:t>
+            </a:r>
+            <a:endParaRPr lang="en-US" dirty="0"/>
+          </a:p>
+          <a:p>
+            <a:r>
+              <a:rPr lang="en-US" dirty="0"/>
+              <a:t>Marcus </a:t>
+            </a:r>
+            <a:r>
+              <a:rPr lang="en-US" dirty="0" err="1"/>
+              <a:t>Hyttel</a:t>
+            </a:r>
+            <a:endParaRPr lang="en-US" dirty="0"/>
+          </a:p>
+          <a:p>
+            <a:r>
+              <a:rPr lang="en-US" dirty="0"/>
+              <a:t>Gia </a:t>
+            </a:r>
+            <a:r>
+              <a:rPr lang="en-US" dirty="0" err="1"/>
+              <a:t>Zveriachvili</a:t>
+            </a:r>
+            <a:endParaRPr lang="en-US" dirty="0"/>
+          </a:p>
+        </p:txBody>
+      </p:sp>
+    </p:spTree>
+    <p:extLst>
+      <p:ext uri="{BB962C8B-B14F-4D97-AF65-F5344CB8AC3E}">
+        <p14:creationId xmlns:p14="http://schemas.microsoft.com/office/powerpoint/2010/main" val="1831220284"/>
+      </p:ext>
+    </p:extLst>
+  </p:cSld>
+  <p:clrMapOvr>
+    <a:masterClrMapping/>
+  </p:clrMapOvr>
+</p:sld>
+</file>
+
+<file path=ppt/slides/slide3.xml><?xml version="1.0" encoding="utf-8"?>
+<p:sld xmlns:a="http://schemas.openxmlformats.org/drawingml/2006/main" xmlns:r="http://schemas.openxmlformats.org/officeDocument/2006/relationships" xmlns:p="http://schemas.openxmlformats.org/presentationml/2006/main">
+  <p:cSld>
+    <p:spTree>
+      <p:nvGrpSpPr>
+        <p:cNvPr id="1" name="Shape 67"/>
         <p:cNvGrpSpPr/>
         <p:nvPr/>
       </p:nvGrpSpPr>
@@ -7058,7 +7376,9 @@
       <p:sp>
         <p:nvSpPr>
           <p:cNvPr id="68" name="Google Shape;68;p14"/>
-          <p:cNvSpPr txBox="1"/>
+          <p:cNvSpPr txBox="1">
+            <a:spLocks noGrp="1"/>
+          </p:cNvSpPr>
           <p:nvPr>
             <p:ph type="title"/>
           </p:nvPr>
@@ -7073,12 +7393,12 @@
           </a:prstGeom>
         </p:spPr>
         <p:txBody>
-          <a:bodyPr anchorCtr="0" anchor="b" bIns="91425" lIns="91425" spcFirstLastPara="1" rIns="91425" wrap="square" tIns="91425">
+          <a:bodyPr spcFirstLastPara="1" wrap="square" lIns="91425" tIns="91425" rIns="91425" bIns="91425" anchor="b" anchorCtr="0">
             <a:noAutofit/>
           </a:bodyPr>
           <a:lstStyle/>
           <a:p>
-            <a:pPr indent="0" lvl="0" marL="0" rtl="0" algn="l">
+            <a:pPr marL="0" lvl="0" indent="0" algn="l" rtl="0">
               <a:spcBef>
                 <a:spcPts val="0"/>
               </a:spcBef>
@@ -7098,9 +7418,11 @@
       <p:sp>
         <p:nvSpPr>
           <p:cNvPr id="69" name="Google Shape;69;p14"/>
-          <p:cNvSpPr txBox="1"/>
+          <p:cNvSpPr txBox="1">
+            <a:spLocks noGrp="1"/>
+          </p:cNvSpPr>
           <p:nvPr>
-            <p:ph idx="1" type="body"/>
+            <p:ph type="body" idx="1"/>
           </p:nvPr>
         </p:nvSpPr>
         <p:spPr>
@@ -7113,12 +7435,12 @@
           </a:prstGeom>
         </p:spPr>
         <p:txBody>
-          <a:bodyPr anchorCtr="0" anchor="t" bIns="91425" lIns="91425" spcFirstLastPara="1" rIns="91425" wrap="square" tIns="91425">
+          <a:bodyPr spcFirstLastPara="1" wrap="square" lIns="91425" tIns="91425" rIns="91425" bIns="91425" anchor="t" anchorCtr="0">
             <a:noAutofit/>
           </a:bodyPr>
           <a:lstStyle/>
           <a:p>
-            <a:pPr indent="0" lvl="0" marL="0" rtl="0" algn="l">
+            <a:pPr marL="0" lvl="0" indent="0" algn="l" rtl="0">
               <a:spcBef>
                 <a:spcPts val="0"/>
               </a:spcBef>
@@ -7127,9 +7449,6 @@
               </a:spcAft>
               <a:buNone/>
             </a:pPr>
-            <a:r>
-              <a:t/>
-            </a:r>
             <a:endParaRPr/>
           </a:p>
         </p:txBody>
@@ -7170,12 +7489,12 @@
 </p:sld>
 </file>
 
-<file path=ppt/slides/slide3.xml><?xml version="1.0" encoding="utf-8"?>
-<p:sld xmlns:a="http://schemas.openxmlformats.org/drawingml/2006/main" xmlns:r="http://schemas.openxmlformats.org/officeDocument/2006/relationships" xmlns:mc="http://schemas.openxmlformats.org/markup-compatibility/2006" xmlns:mv="urn:schemas-microsoft-com:mac:vml" xmlns:p="http://schemas.openxmlformats.org/presentationml/2006/main" xmlns:c="http://schemas.openxmlformats.org/drawingml/2006/chart" xmlns:dgm="http://schemas.openxmlformats.org/drawingml/2006/diagram" xmlns:o="urn:schemas-microsoft-com:office:office" xmlns:v="urn:schemas-microsoft-com:vml" xmlns:pvml="urn:schemas-microsoft-com:office:powerpoint" xmlns:com="http://schemas.openxmlformats.org/drawingml/2006/compatibility" xmlns:p14="http://schemas.microsoft.com/office/powerpoint/2010/main" xmlns:p15="http://schemas.microsoft.com/office/powerpoint/2012/main">
+<file path=ppt/slides/slide4.xml><?xml version="1.0" encoding="utf-8"?>
+<p:sld xmlns:a="http://schemas.openxmlformats.org/drawingml/2006/main" xmlns:r="http://schemas.openxmlformats.org/officeDocument/2006/relationships" xmlns:p="http://schemas.openxmlformats.org/presentationml/2006/main">
   <p:cSld>
     <p:spTree>
       <p:nvGrpSpPr>
-        <p:cNvPr id="74" name="Shape 74"/>
+        <p:cNvPr id="1" name="Shape 74"/>
         <p:cNvGrpSpPr/>
         <p:nvPr/>
       </p:nvGrpSpPr>
@@ -7190,9 +7509,11 @@
       <p:sp>
         <p:nvSpPr>
           <p:cNvPr id="75" name="Google Shape;75;p15"/>
-          <p:cNvSpPr txBox="1"/>
+          <p:cNvSpPr txBox="1">
+            <a:spLocks noGrp="1"/>
+          </p:cNvSpPr>
           <p:nvPr>
-            <p:ph idx="1" type="body"/>
+            <p:ph type="body" idx="1"/>
           </p:nvPr>
         </p:nvSpPr>
         <p:spPr>
@@ -7205,12 +7526,12 @@
           </a:prstGeom>
         </p:spPr>
         <p:txBody>
-          <a:bodyPr anchorCtr="0" anchor="t" bIns="91425" lIns="91425" spcFirstLastPara="1" rIns="91425" wrap="square" tIns="91425">
+          <a:bodyPr spcFirstLastPara="1" wrap="square" lIns="91425" tIns="91425" rIns="91425" bIns="91425" anchor="t" anchorCtr="0">
             <a:noAutofit/>
           </a:bodyPr>
           <a:lstStyle/>
           <a:p>
-            <a:pPr indent="0" lvl="0" marL="0" rtl="0" algn="l">
+            <a:pPr marL="0" lvl="0" indent="0" algn="l" rtl="0">
               <a:spcBef>
                 <a:spcPts val="0"/>
               </a:spcBef>
@@ -7219,9 +7540,6 @@
               </a:spcAft>
               <a:buNone/>
             </a:pPr>
-            <a:r>
-              <a:t/>
-            </a:r>
             <a:endParaRPr/>
           </a:p>
         </p:txBody>
@@ -7257,7 +7575,9 @@
       <p:sp>
         <p:nvSpPr>
           <p:cNvPr id="77" name="Google Shape;77;p15"/>
-          <p:cNvSpPr txBox="1"/>
+          <p:cNvSpPr txBox="1">
+            <a:spLocks noGrp="1"/>
+          </p:cNvSpPr>
           <p:nvPr>
             <p:ph type="title"/>
           </p:nvPr>
@@ -7272,12 +7592,12 @@
           </a:prstGeom>
         </p:spPr>
         <p:txBody>
-          <a:bodyPr anchorCtr="0" anchor="b" bIns="91425" lIns="91425" spcFirstLastPara="1" rIns="91425" wrap="square" tIns="91425">
+          <a:bodyPr spcFirstLastPara="1" wrap="square" lIns="91425" tIns="91425" rIns="91425" bIns="91425" anchor="b" anchorCtr="0">
             <a:noAutofit/>
           </a:bodyPr>
           <a:lstStyle/>
           <a:p>
-            <a:pPr indent="0" lvl="0" marL="0" rtl="0" algn="l">
+            <a:pPr marL="0" lvl="0" indent="0" algn="l" rtl="0">
               <a:spcBef>
                 <a:spcPts val="0"/>
               </a:spcBef>
@@ -7286,9 +7606,6 @@
               </a:spcAft>
               <a:buNone/>
             </a:pPr>
-            <a:r>
-              <a:t/>
-            </a:r>
             <a:endParaRPr/>
           </a:p>
         </p:txBody>
@@ -7301,12 +7618,12 @@
 </p:sld>
 </file>
 
-<file path=ppt/slides/slide4.xml><?xml version="1.0" encoding="utf-8"?>
-<p:sld xmlns:a="http://schemas.openxmlformats.org/drawingml/2006/main" xmlns:r="http://schemas.openxmlformats.org/officeDocument/2006/relationships" xmlns:mc="http://schemas.openxmlformats.org/markup-compatibility/2006" xmlns:mv="urn:schemas-microsoft-com:mac:vml" xmlns:p="http://schemas.openxmlformats.org/presentationml/2006/main" xmlns:c="http://schemas.openxmlformats.org/drawingml/2006/chart" xmlns:dgm="http://schemas.openxmlformats.org/drawingml/2006/diagram" xmlns:o="urn:schemas-microsoft-com:office:office" xmlns:v="urn:schemas-microsoft-com:vml" xmlns:pvml="urn:schemas-microsoft-com:office:powerpoint" xmlns:com="http://schemas.openxmlformats.org/drawingml/2006/compatibility" xmlns:p14="http://schemas.microsoft.com/office/powerpoint/2010/main" xmlns:p15="http://schemas.microsoft.com/office/powerpoint/2012/main">
+<file path=ppt/slides/slide5.xml><?xml version="1.0" encoding="utf-8"?>
+<p:sld xmlns:a="http://schemas.openxmlformats.org/drawingml/2006/main" xmlns:r="http://schemas.openxmlformats.org/officeDocument/2006/relationships" xmlns:p="http://schemas.openxmlformats.org/presentationml/2006/main">
   <p:cSld>
     <p:spTree>
       <p:nvGrpSpPr>
-        <p:cNvPr id="81" name="Shape 81"/>
+        <p:cNvPr id="1" name="Shape 81"/>
         <p:cNvGrpSpPr/>
         <p:nvPr/>
       </p:nvGrpSpPr>
@@ -7321,7 +7638,9 @@
       <p:sp>
         <p:nvSpPr>
           <p:cNvPr id="82" name="Google Shape;82;p16"/>
-          <p:cNvSpPr txBox="1"/>
+          <p:cNvSpPr txBox="1">
+            <a:spLocks noGrp="1"/>
+          </p:cNvSpPr>
           <p:nvPr>
             <p:ph type="title"/>
           </p:nvPr>
@@ -7336,12 +7655,12 @@
           </a:prstGeom>
         </p:spPr>
         <p:txBody>
-          <a:bodyPr anchorCtr="0" anchor="b" bIns="91425" lIns="91425" spcFirstLastPara="1" rIns="91425" wrap="square" tIns="91425">
+          <a:bodyPr spcFirstLastPara="1" wrap="square" lIns="91425" tIns="91425" rIns="91425" bIns="91425" anchor="b" anchorCtr="0">
             <a:noAutofit/>
           </a:bodyPr>
           <a:lstStyle/>
           <a:p>
-            <a:pPr indent="0" lvl="0" marL="0" rtl="0" algn="r">
+            <a:pPr marL="0" lvl="0" indent="0" algn="r" rtl="0">
               <a:spcBef>
                 <a:spcPts val="0"/>
               </a:spcBef>
@@ -7361,9 +7680,11 @@
       <p:sp>
         <p:nvSpPr>
           <p:cNvPr id="83" name="Google Shape;83;p16"/>
-          <p:cNvSpPr txBox="1"/>
+          <p:cNvSpPr txBox="1">
+            <a:spLocks noGrp="1"/>
+          </p:cNvSpPr>
           <p:nvPr>
-            <p:ph idx="1" type="body"/>
+            <p:ph type="body" idx="1"/>
           </p:nvPr>
         </p:nvSpPr>
         <p:spPr>
@@ -7376,12 +7697,12 @@
           </a:prstGeom>
         </p:spPr>
         <p:txBody>
-          <a:bodyPr anchorCtr="0" anchor="t" bIns="91425" lIns="91425" spcFirstLastPara="1" rIns="91425" wrap="square" tIns="91425">
+          <a:bodyPr spcFirstLastPara="1" wrap="square" lIns="91425" tIns="91425" rIns="91425" bIns="91425" anchor="t" anchorCtr="0">
             <a:noAutofit/>
           </a:bodyPr>
           <a:lstStyle/>
           <a:p>
-            <a:pPr indent="0" lvl="0" marL="0" rtl="0" algn="l">
+            <a:pPr marL="0" lvl="0" indent="0" algn="l" rtl="0">
               <a:spcBef>
                 <a:spcPts val="0"/>
               </a:spcBef>
@@ -7390,9 +7711,6 @@
               </a:spcAft>
               <a:buNone/>
             </a:pPr>
-            <a:r>
-              <a:t/>
-            </a:r>
             <a:endParaRPr/>
           </a:p>
         </p:txBody>
@@ -7418,8 +7736,8 @@
           </a:xfrm>
           <a:prstGeom prst="corner">
             <a:avLst>
-              <a:gd fmla="val 50000" name="adj1"/>
-              <a:gd fmla="val 50000" name="adj2"/>
+              <a:gd name="adj1" fmla="val 50000"/>
+              <a:gd name="adj2" fmla="val 50000"/>
             </a:avLst>
           </a:prstGeom>
           <a:noFill/>
@@ -7436,12 +7754,12 @@
 </p:sld>
 </file>
 
-<file path=ppt/slides/slide5.xml><?xml version="1.0" encoding="utf-8"?>
-<p:sld xmlns:a="http://schemas.openxmlformats.org/drawingml/2006/main" xmlns:r="http://schemas.openxmlformats.org/officeDocument/2006/relationships" xmlns:mc="http://schemas.openxmlformats.org/markup-compatibility/2006" xmlns:mv="urn:schemas-microsoft-com:mac:vml" xmlns:p="http://schemas.openxmlformats.org/presentationml/2006/main" xmlns:c="http://schemas.openxmlformats.org/drawingml/2006/chart" xmlns:dgm="http://schemas.openxmlformats.org/drawingml/2006/diagram" xmlns:o="urn:schemas-microsoft-com:office:office" xmlns:v="urn:schemas-microsoft-com:vml" xmlns:pvml="urn:schemas-microsoft-com:office:powerpoint" xmlns:com="http://schemas.openxmlformats.org/drawingml/2006/compatibility" xmlns:p14="http://schemas.microsoft.com/office/powerpoint/2010/main" xmlns:p15="http://schemas.microsoft.com/office/powerpoint/2012/main">
+<file path=ppt/slides/slide6.xml><?xml version="1.0" encoding="utf-8"?>
+<p:sld xmlns:a="http://schemas.openxmlformats.org/drawingml/2006/main" xmlns:r="http://schemas.openxmlformats.org/officeDocument/2006/relationships" xmlns:p="http://schemas.openxmlformats.org/presentationml/2006/main">
   <p:cSld>
     <p:spTree>
       <p:nvGrpSpPr>
-        <p:cNvPr id="88" name="Shape 88"/>
+        <p:cNvPr id="1" name="Shape 88"/>
         <p:cNvGrpSpPr/>
         <p:nvPr/>
       </p:nvGrpSpPr>
@@ -7456,7 +7774,9 @@
       <p:sp>
         <p:nvSpPr>
           <p:cNvPr id="89" name="Google Shape;89;p17"/>
-          <p:cNvSpPr txBox="1"/>
+          <p:cNvSpPr txBox="1">
+            <a:spLocks noGrp="1"/>
+          </p:cNvSpPr>
           <p:nvPr>
             <p:ph type="title"/>
           </p:nvPr>
@@ -7471,12 +7791,12 @@
           </a:prstGeom>
         </p:spPr>
         <p:txBody>
-          <a:bodyPr anchorCtr="0" anchor="b" bIns="91425" lIns="91425" spcFirstLastPara="1" rIns="91425" wrap="square" tIns="91425">
+          <a:bodyPr spcFirstLastPara="1" wrap="square" lIns="91425" tIns="91425" rIns="91425" bIns="91425" anchor="b" anchorCtr="0">
             <a:noAutofit/>
           </a:bodyPr>
           <a:lstStyle/>
           <a:p>
-            <a:pPr indent="0" lvl="0" marL="0" rtl="0" algn="l">
+            <a:pPr marL="0" lvl="0" indent="0" algn="l" rtl="0">
               <a:spcBef>
                 <a:spcPts val="0"/>
               </a:spcBef>
@@ -7496,9 +7816,11 @@
       <p:sp>
         <p:nvSpPr>
           <p:cNvPr id="90" name="Google Shape;90;p17"/>
-          <p:cNvSpPr txBox="1"/>
+          <p:cNvSpPr txBox="1">
+            <a:spLocks noGrp="1"/>
+          </p:cNvSpPr>
           <p:nvPr>
-            <p:ph idx="1" type="body"/>
+            <p:ph type="body" idx="1"/>
           </p:nvPr>
         </p:nvSpPr>
         <p:spPr>
@@ -7511,12 +7833,12 @@
           </a:prstGeom>
         </p:spPr>
         <p:txBody>
-          <a:bodyPr anchorCtr="0" anchor="t" bIns="91425" lIns="91425" spcFirstLastPara="1" rIns="91425" wrap="square" tIns="91425">
+          <a:bodyPr spcFirstLastPara="1" wrap="square" lIns="91425" tIns="91425" rIns="91425" bIns="91425" anchor="t" anchorCtr="0">
             <a:noAutofit/>
           </a:bodyPr>
           <a:lstStyle/>
           <a:p>
-            <a:pPr indent="0" lvl="0" marL="0" rtl="0" algn="l">
+            <a:pPr marL="0" lvl="0" indent="0" algn="l" rtl="0">
               <a:spcBef>
                 <a:spcPts val="0"/>
               </a:spcBef>
@@ -7525,9 +7847,6 @@
               </a:spcAft>
               <a:buNone/>
             </a:pPr>
-            <a:r>
-              <a:t/>
-            </a:r>
             <a:endParaRPr/>
           </a:p>
         </p:txBody>
@@ -7570,12 +7889,12 @@
 </p:sld>
 </file>
 
-<file path=ppt/slides/slide6.xml><?xml version="1.0" encoding="utf-8"?>
-<p:sld xmlns:a="http://schemas.openxmlformats.org/drawingml/2006/main" xmlns:r="http://schemas.openxmlformats.org/officeDocument/2006/relationships" xmlns:mc="http://schemas.openxmlformats.org/markup-compatibility/2006" xmlns:mv="urn:schemas-microsoft-com:mac:vml" xmlns:p="http://schemas.openxmlformats.org/presentationml/2006/main" xmlns:c="http://schemas.openxmlformats.org/drawingml/2006/chart" xmlns:dgm="http://schemas.openxmlformats.org/drawingml/2006/diagram" xmlns:o="urn:schemas-microsoft-com:office:office" xmlns:v="urn:schemas-microsoft-com:vml" xmlns:pvml="urn:schemas-microsoft-com:office:powerpoint" xmlns:com="http://schemas.openxmlformats.org/drawingml/2006/compatibility" xmlns:p14="http://schemas.microsoft.com/office/powerpoint/2010/main" xmlns:p15="http://schemas.microsoft.com/office/powerpoint/2012/main">
+<file path=ppt/slides/slide7.xml><?xml version="1.0" encoding="utf-8"?>
+<p:sld xmlns:a="http://schemas.openxmlformats.org/drawingml/2006/main" xmlns:r="http://schemas.openxmlformats.org/officeDocument/2006/relationships" xmlns:p="http://schemas.openxmlformats.org/presentationml/2006/main">
   <p:cSld>
     <p:spTree>
       <p:nvGrpSpPr>
-        <p:cNvPr id="95" name="Shape 95"/>
+        <p:cNvPr id="1" name="Shape 95"/>
         <p:cNvGrpSpPr/>
         <p:nvPr/>
       </p:nvGrpSpPr>
@@ -7618,7 +7937,9 @@
       <p:sp>
         <p:nvSpPr>
           <p:cNvPr id="97" name="Google Shape;97;p18"/>
-          <p:cNvSpPr txBox="1"/>
+          <p:cNvSpPr txBox="1">
+            <a:spLocks noGrp="1"/>
+          </p:cNvSpPr>
           <p:nvPr>
             <p:ph type="title"/>
           </p:nvPr>
@@ -7633,12 +7954,12 @@
           </a:prstGeom>
         </p:spPr>
         <p:txBody>
-          <a:bodyPr anchorCtr="0" anchor="b" bIns="91425" lIns="91425" spcFirstLastPara="1" rIns="91425" wrap="square" tIns="91425">
+          <a:bodyPr spcFirstLastPara="1" wrap="square" lIns="91425" tIns="91425" rIns="91425" bIns="91425" anchor="b" anchorCtr="0">
             <a:noAutofit/>
           </a:bodyPr>
           <a:lstStyle/>
           <a:p>
-            <a:pPr indent="0" lvl="0" marL="0" rtl="0" algn="l">
+            <a:pPr marL="0" lvl="0" indent="0" algn="l" rtl="0">
               <a:spcBef>
                 <a:spcPts val="0"/>
               </a:spcBef>
@@ -7663,12 +7984,12 @@
 </p:sld>
 </file>
 
-<file path=ppt/slides/slide7.xml><?xml version="1.0" encoding="utf-8"?>
-<p:sld xmlns:a="http://schemas.openxmlformats.org/drawingml/2006/main" xmlns:r="http://schemas.openxmlformats.org/officeDocument/2006/relationships" xmlns:mc="http://schemas.openxmlformats.org/markup-compatibility/2006" xmlns:mv="urn:schemas-microsoft-com:mac:vml" xmlns:p="http://schemas.openxmlformats.org/presentationml/2006/main" xmlns:c="http://schemas.openxmlformats.org/drawingml/2006/chart" xmlns:dgm="http://schemas.openxmlformats.org/drawingml/2006/diagram" xmlns:o="urn:schemas-microsoft-com:office:office" xmlns:v="urn:schemas-microsoft-com:vml" xmlns:pvml="urn:schemas-microsoft-com:office:powerpoint" xmlns:com="http://schemas.openxmlformats.org/drawingml/2006/compatibility" xmlns:p14="http://schemas.microsoft.com/office/powerpoint/2010/main" xmlns:p15="http://schemas.microsoft.com/office/powerpoint/2012/main">
+<file path=ppt/slides/slide8.xml><?xml version="1.0" encoding="utf-8"?>
+<p:sld xmlns:a="http://schemas.openxmlformats.org/drawingml/2006/main" xmlns:r="http://schemas.openxmlformats.org/officeDocument/2006/relationships" xmlns:p="http://schemas.openxmlformats.org/presentationml/2006/main">
   <p:cSld>
     <p:spTree>
       <p:nvGrpSpPr>
-        <p:cNvPr id="101" name="Shape 101"/>
+        <p:cNvPr id="1" name="Shape 101"/>
         <p:cNvGrpSpPr/>
         <p:nvPr/>
       </p:nvGrpSpPr>
@@ -7683,7 +8004,9 @@
       <p:sp>
         <p:nvSpPr>
           <p:cNvPr id="102" name="Google Shape;102;p19"/>
-          <p:cNvSpPr txBox="1"/>
+          <p:cNvSpPr txBox="1">
+            <a:spLocks noGrp="1"/>
+          </p:cNvSpPr>
           <p:nvPr>
             <p:ph type="title"/>
           </p:nvPr>
@@ -7698,12 +8021,12 @@
           </a:prstGeom>
         </p:spPr>
         <p:txBody>
-          <a:bodyPr anchorCtr="0" anchor="b" bIns="91425" lIns="91425" spcFirstLastPara="1" rIns="91425" wrap="square" tIns="91425">
+          <a:bodyPr spcFirstLastPara="1" wrap="square" lIns="91425" tIns="91425" rIns="91425" bIns="91425" anchor="b" anchorCtr="0">
             <a:noAutofit/>
           </a:bodyPr>
           <a:lstStyle/>
           <a:p>
-            <a:pPr indent="0" lvl="0" marL="0" rtl="0" algn="l">
+            <a:pPr marL="0" lvl="0" indent="0" algn="l" rtl="0">
               <a:spcBef>
                 <a:spcPts val="0"/>
               </a:spcBef>
@@ -7723,9 +8046,11 @@
       <p:sp>
         <p:nvSpPr>
           <p:cNvPr id="103" name="Google Shape;103;p19"/>
-          <p:cNvSpPr txBox="1"/>
+          <p:cNvSpPr txBox="1">
+            <a:spLocks noGrp="1"/>
+          </p:cNvSpPr>
           <p:nvPr>
-            <p:ph idx="1" type="body"/>
+            <p:ph type="body" idx="1"/>
           </p:nvPr>
         </p:nvSpPr>
         <p:spPr>
@@ -7738,12 +8063,12 @@
           </a:prstGeom>
         </p:spPr>
         <p:txBody>
-          <a:bodyPr anchorCtr="0" anchor="t" bIns="91425" lIns="91425" spcFirstLastPara="1" rIns="91425" wrap="square" tIns="91425">
+          <a:bodyPr spcFirstLastPara="1" wrap="square" lIns="91425" tIns="91425" rIns="91425" bIns="91425" anchor="t" anchorCtr="0">
             <a:noAutofit/>
           </a:bodyPr>
           <a:lstStyle/>
           <a:p>
-            <a:pPr indent="0" lvl="0" marL="0" rtl="0" algn="l">
+            <a:pPr marL="0" lvl="0" indent="0" algn="l" rtl="0">
               <a:spcBef>
                 <a:spcPts val="0"/>
               </a:spcBef>
@@ -7752,9 +8077,6 @@
               </a:spcAft>
               <a:buNone/>
             </a:pPr>
-            <a:r>
-              <a:t/>
-            </a:r>
             <a:endParaRPr/>
           </a:p>
         </p:txBody>
@@ -7795,12 +8117,12 @@
 </p:sld>
 </file>
 
-<file path=ppt/slides/slide8.xml><?xml version="1.0" encoding="utf-8"?>
-<p:sld xmlns:a="http://schemas.openxmlformats.org/drawingml/2006/main" xmlns:r="http://schemas.openxmlformats.org/officeDocument/2006/relationships" xmlns:mc="http://schemas.openxmlformats.org/markup-compatibility/2006" xmlns:mv="urn:schemas-microsoft-com:mac:vml" xmlns:p="http://schemas.openxmlformats.org/presentationml/2006/main" xmlns:c="http://schemas.openxmlformats.org/drawingml/2006/chart" xmlns:dgm="http://schemas.openxmlformats.org/drawingml/2006/diagram" xmlns:o="urn:schemas-microsoft-com:office:office" xmlns:v="urn:schemas-microsoft-com:vml" xmlns:pvml="urn:schemas-microsoft-com:office:powerpoint" xmlns:com="http://schemas.openxmlformats.org/drawingml/2006/compatibility" xmlns:p14="http://schemas.microsoft.com/office/powerpoint/2010/main" xmlns:p15="http://schemas.microsoft.com/office/powerpoint/2012/main">
+<file path=ppt/slides/slide9.xml><?xml version="1.0" encoding="utf-8"?>
+<p:sld xmlns:a="http://schemas.openxmlformats.org/drawingml/2006/main" xmlns:r="http://schemas.openxmlformats.org/officeDocument/2006/relationships" xmlns:p="http://schemas.openxmlformats.org/presentationml/2006/main">
   <p:cSld>
     <p:spTree>
       <p:nvGrpSpPr>
-        <p:cNvPr id="108" name="Shape 108"/>
+        <p:cNvPr id="1" name="Shape 108"/>
         <p:cNvGrpSpPr/>
         <p:nvPr/>
       </p:nvGrpSpPr>
@@ -7815,7 +8137,9 @@
       <p:sp>
         <p:nvSpPr>
           <p:cNvPr id="109" name="Google Shape;109;p20"/>
-          <p:cNvSpPr txBox="1"/>
+          <p:cNvSpPr txBox="1">
+            <a:spLocks noGrp="1"/>
+          </p:cNvSpPr>
           <p:nvPr>
             <p:ph type="title"/>
           </p:nvPr>
@@ -7830,12 +8154,12 @@
           </a:prstGeom>
         </p:spPr>
         <p:txBody>
-          <a:bodyPr anchorCtr="0" anchor="b" bIns="91425" lIns="91425" spcFirstLastPara="1" rIns="91425" wrap="square" tIns="91425">
+          <a:bodyPr spcFirstLastPara="1" wrap="square" lIns="91425" tIns="91425" rIns="91425" bIns="91425" anchor="b" anchorCtr="0">
             <a:noAutofit/>
           </a:bodyPr>
           <a:lstStyle/>
           <a:p>
-            <a:pPr indent="0" lvl="0" marL="0" rtl="0" algn="l">
+            <a:pPr marL="0" lvl="0" indent="0" algn="l" rtl="0">
               <a:spcBef>
                 <a:spcPts val="0"/>
               </a:spcBef>
@@ -7855,9 +8179,11 @@
       <p:sp>
         <p:nvSpPr>
           <p:cNvPr id="110" name="Google Shape;110;p20"/>
-          <p:cNvSpPr txBox="1"/>
+          <p:cNvSpPr txBox="1">
+            <a:spLocks noGrp="1"/>
+          </p:cNvSpPr>
           <p:nvPr>
-            <p:ph idx="1" type="body"/>
+            <p:ph type="body" idx="1"/>
           </p:nvPr>
         </p:nvSpPr>
         <p:spPr>
@@ -7870,12 +8196,12 @@
           </a:prstGeom>
         </p:spPr>
         <p:txBody>
-          <a:bodyPr anchorCtr="0" anchor="t" bIns="91425" lIns="91425" spcFirstLastPara="1" rIns="91425" wrap="square" tIns="91425">
+          <a:bodyPr spcFirstLastPara="1" wrap="square" lIns="91425" tIns="91425" rIns="91425" bIns="91425" anchor="t" anchorCtr="0">
             <a:noAutofit/>
           </a:bodyPr>
           <a:lstStyle/>
           <a:p>
-            <a:pPr indent="0" lvl="0" marL="0" rtl="0" algn="l">
+            <a:pPr marL="0" lvl="0" indent="0" algn="l" rtl="0">
               <a:spcBef>
                 <a:spcPts val="0"/>
               </a:spcBef>
@@ -7890,7 +8216,7 @@
               <a:buNone/>
             </a:pPr>
             <a:r>
-              <a:rPr b="1" lang="en-GB" sz="1400">
+              <a:rPr lang="en-GB" sz="1400" b="1">
                 <a:latin typeface="Arial"/>
                 <a:ea typeface="Arial"/>
                 <a:cs typeface="Arial"/>
@@ -7898,7 +8224,7 @@
               </a:rPr>
               <a:t>On/ off button:</a:t>
             </a:r>
-            <a:endParaRPr b="1" sz="1400">
+            <a:endParaRPr sz="1400" b="1">
               <a:latin typeface="Arial"/>
               <a:ea typeface="Arial"/>
               <a:cs typeface="Arial"/>
@@ -7906,7 +8232,7 @@
             </a:endParaRPr>
           </a:p>
           <a:p>
-            <a:pPr indent="457200" lvl="0" marL="0" rtl="0" algn="l">
+            <a:pPr marL="0" lvl="0" indent="457200" algn="l" rtl="0">
               <a:spcBef>
                 <a:spcPts val="0"/>
               </a:spcBef>
@@ -7937,7 +8263,7 @@
             </a:endParaRPr>
           </a:p>
           <a:p>
-            <a:pPr indent="457200" lvl="0" marL="0" rtl="0" algn="l">
+            <a:pPr marL="0" lvl="0" indent="457200" algn="l" rtl="0">
               <a:spcBef>
                 <a:spcPts val="0"/>
               </a:spcBef>
@@ -7968,7 +8294,7 @@
             </a:endParaRPr>
           </a:p>
           <a:p>
-            <a:pPr indent="457200" lvl="0" marL="0" rtl="0" algn="l">
+            <a:pPr marL="0" lvl="0" indent="457200" algn="l" rtl="0">
               <a:spcBef>
                 <a:spcPts val="0"/>
               </a:spcBef>
@@ -7999,7 +8325,7 @@
             </a:endParaRPr>
           </a:p>
           <a:p>
-            <a:pPr indent="0" lvl="0" marL="0" rtl="0" algn="l">
+            <a:pPr marL="0" lvl="0" indent="0" algn="l" rtl="0">
               <a:spcBef>
                 <a:spcPts val="0"/>
               </a:spcBef>
@@ -8013,9 +8339,6 @@
               <a:buFont typeface="Arial"/>
               <a:buNone/>
             </a:pPr>
-            <a:r>
-              <a:t/>
-            </a:r>
             <a:endParaRPr sz="1400">
               <a:latin typeface="Arial"/>
               <a:ea typeface="Arial"/>
@@ -8024,7 +8347,7 @@
             </a:endParaRPr>
           </a:p>
           <a:p>
-            <a:pPr indent="0" lvl="0" marL="0" rtl="0" algn="l">
+            <a:pPr marL="0" lvl="0" indent="0" algn="l" rtl="0">
               <a:spcBef>
                 <a:spcPts val="0"/>
               </a:spcBef>
@@ -8039,7 +8362,7 @@
               <a:buNone/>
             </a:pPr>
             <a:r>
-              <a:rPr b="1" lang="en-GB" sz="1400">
+              <a:rPr lang="en-GB" sz="1400" b="1">
                 <a:latin typeface="Arial"/>
                 <a:ea typeface="Arial"/>
                 <a:cs typeface="Arial"/>
@@ -8047,7 +8370,7 @@
               </a:rPr>
               <a:t>Speed dial:</a:t>
             </a:r>
-            <a:endParaRPr b="1" sz="1400">
+            <a:endParaRPr sz="1400" b="1">
               <a:latin typeface="Arial"/>
               <a:ea typeface="Arial"/>
               <a:cs typeface="Arial"/>
@@ -8055,7 +8378,7 @@
             </a:endParaRPr>
           </a:p>
           <a:p>
-            <a:pPr indent="457200" lvl="0" marL="0" rtl="0" algn="l">
+            <a:pPr marL="0" lvl="0" indent="457200" algn="l" rtl="0">
               <a:spcBef>
                 <a:spcPts val="0"/>
               </a:spcBef>
@@ -8086,7 +8409,7 @@
             </a:endParaRPr>
           </a:p>
           <a:p>
-            <a:pPr indent="0" lvl="0" marL="0" rtl="0" algn="l">
+            <a:pPr marL="0" lvl="0" indent="0" algn="l" rtl="0">
               <a:spcBef>
                 <a:spcPts val="0"/>
               </a:spcBef>
@@ -8100,9 +8423,6 @@
               <a:buFont typeface="Arial"/>
               <a:buNone/>
             </a:pPr>
-            <a:r>
-              <a:t/>
-            </a:r>
             <a:endParaRPr sz="1400">
               <a:latin typeface="Arial"/>
               <a:ea typeface="Arial"/>
@@ -8111,7 +8431,7 @@
             </a:endParaRPr>
           </a:p>
           <a:p>
-            <a:pPr indent="0" lvl="0" marL="0" rtl="0" algn="l">
+            <a:pPr marL="0" lvl="0" indent="0" algn="l" rtl="0">
               <a:spcBef>
                 <a:spcPts val="0"/>
               </a:spcBef>
@@ -8126,7 +8446,7 @@
               <a:buNone/>
             </a:pPr>
             <a:r>
-              <a:rPr b="1" lang="en-GB" sz="1400">
+              <a:rPr lang="en-GB" sz="1400" b="1">
                 <a:latin typeface="Arial"/>
                 <a:ea typeface="Arial"/>
                 <a:cs typeface="Arial"/>
@@ -8134,7 +8454,7 @@
               </a:rPr>
               <a:t>Note buttons:</a:t>
             </a:r>
-            <a:endParaRPr b="1" sz="1400">
+            <a:endParaRPr sz="1400" b="1">
               <a:latin typeface="Arial"/>
               <a:ea typeface="Arial"/>
               <a:cs typeface="Arial"/>
@@ -8142,7 +8462,7 @@
             </a:endParaRPr>
           </a:p>
           <a:p>
-            <a:pPr indent="457200" lvl="0" marL="0" rtl="0" algn="l">
+            <a:pPr marL="0" lvl="0" indent="457200" algn="l" rtl="0">
               <a:spcBef>
                 <a:spcPts val="0"/>
               </a:spcBef>
@@ -8173,7 +8493,7 @@
             </a:endParaRPr>
           </a:p>
           <a:p>
-            <a:pPr indent="0" lvl="0" marL="457200" rtl="0" algn="l">
+            <a:pPr marL="457200" lvl="0" indent="0" algn="l" rtl="0">
               <a:spcBef>
                 <a:spcPts val="0"/>
               </a:spcBef>
@@ -8204,7 +8524,7 @@
             </a:endParaRPr>
           </a:p>
           <a:p>
-            <a:pPr indent="0" lvl="0" marL="0" rtl="0" algn="l">
+            <a:pPr marL="0" lvl="0" indent="0" algn="l" rtl="0">
               <a:spcBef>
                 <a:spcPts val="0"/>
               </a:spcBef>
@@ -8218,9 +8538,6 @@
               <a:buFont typeface="Arial"/>
               <a:buNone/>
             </a:pPr>
-            <a:r>
-              <a:t/>
-            </a:r>
             <a:endParaRPr sz="1400">
               <a:latin typeface="Arial"/>
               <a:ea typeface="Arial"/>
@@ -8229,7 +8546,7 @@
             </a:endParaRPr>
           </a:p>
           <a:p>
-            <a:pPr indent="0" lvl="0" marL="0" rtl="0" algn="l">
+            <a:pPr marL="0" lvl="0" indent="0" algn="l" rtl="0">
               <a:spcBef>
                 <a:spcPts val="0"/>
               </a:spcBef>
@@ -8244,7 +8561,7 @@
               <a:buNone/>
             </a:pPr>
             <a:r>
-              <a:rPr b="1" lang="en-GB" sz="1400">
+              <a:rPr lang="en-GB" sz="1400" b="1">
                 <a:latin typeface="Arial"/>
                 <a:ea typeface="Arial"/>
                 <a:cs typeface="Arial"/>
@@ -8252,7 +8569,7 @@
               </a:rPr>
               <a:t>Suggestions to the future prototype:</a:t>
             </a:r>
-            <a:endParaRPr b="1" sz="1400">
+            <a:endParaRPr sz="1400" b="1">
               <a:latin typeface="Arial"/>
               <a:ea typeface="Arial"/>
               <a:cs typeface="Arial"/>
@@ -8260,7 +8577,7 @@
             </a:endParaRPr>
           </a:p>
           <a:p>
-            <a:pPr indent="0" lvl="0" marL="457200" rtl="0" algn="l">
+            <a:pPr marL="457200" lvl="0" indent="0" algn="l" rtl="0">
               <a:spcBef>
                 <a:spcPts val="0"/>
               </a:spcBef>
@@ -8291,7 +8608,7 @@
             </a:endParaRPr>
           </a:p>
           <a:p>
-            <a:pPr indent="0" lvl="0" marL="457200" rtl="0" algn="l">
+            <a:pPr marL="457200" lvl="0" indent="0" algn="l" rtl="0">
               <a:spcBef>
                 <a:spcPts val="0"/>
               </a:spcBef>
@@ -8322,7 +8639,7 @@
             </a:endParaRPr>
           </a:p>
           <a:p>
-            <a:pPr indent="0" lvl="0" marL="0" rtl="0" algn="l">
+            <a:pPr marL="0" lvl="0" indent="0" algn="l" rtl="0">
               <a:spcBef>
                 <a:spcPts val="0"/>
               </a:spcBef>
@@ -8331,9 +8648,6 @@
               </a:spcAft>
               <a:buNone/>
             </a:pPr>
-            <a:r>
-              <a:t/>
-            </a:r>
             <a:endParaRPr/>
           </a:p>
         </p:txBody>
@@ -8347,7 +8661,288 @@
 </file>
 
 <file path=ppt/theme/theme1.xml><?xml version="1.0" encoding="utf-8"?>
-<a:theme xmlns:a="http://schemas.openxmlformats.org/drawingml/2006/main" xmlns:r="http://schemas.openxmlformats.org/officeDocument/2006/relationships">
+<a:theme xmlns:a="http://schemas.openxmlformats.org/drawingml/2006/main" name="Luxe">
+  <a:themeElements>
+    <a:clrScheme name="Luxe">
+      <a:dk1>
+        <a:srgbClr val="000000"/>
+      </a:dk1>
+      <a:lt1>
+        <a:srgbClr val="FFFFFF"/>
+      </a:lt1>
+      <a:dk2>
+        <a:srgbClr val="B7B7B7"/>
+      </a:dk2>
+      <a:lt2>
+        <a:srgbClr val="CCA677"/>
+      </a:lt2>
+      <a:accent1>
+        <a:srgbClr val="5D4037"/>
+      </a:accent1>
+      <a:accent2>
+        <a:srgbClr val="455A64"/>
+      </a:accent2>
+      <a:accent3>
+        <a:srgbClr val="607D8B"/>
+      </a:accent3>
+      <a:accent4>
+        <a:srgbClr val="78909C"/>
+      </a:accent4>
+      <a:accent5>
+        <a:srgbClr val="57BB8A"/>
+      </a:accent5>
+      <a:accent6>
+        <a:srgbClr val="DCE755"/>
+      </a:accent6>
+      <a:hlink>
+        <a:srgbClr val="57BB8A"/>
+      </a:hlink>
+      <a:folHlink>
+        <a:srgbClr val="57BB8A"/>
+      </a:folHlink>
+    </a:clrScheme>
+    <a:fontScheme name="Office">
+      <a:majorFont>
+        <a:latin typeface="Arial"/>
+        <a:ea typeface=""/>
+        <a:cs typeface=""/>
+        <a:font script="Jpan" typeface="ＭＳ Ｐゴシック"/>
+        <a:font script="Hang" typeface="맑은 고딕"/>
+        <a:font script="Hans" typeface="宋体"/>
+        <a:font script="Hant" typeface="新細明體"/>
+        <a:font script="Arab" typeface="Times New Roman"/>
+        <a:font script="Hebr" typeface="Times New Roman"/>
+        <a:font script="Thai" typeface="Angsana New"/>
+        <a:font script="Ethi" typeface="Nyala"/>
+        <a:font script="Beng" typeface="Vrinda"/>
+        <a:font script="Gujr" typeface="Shruti"/>
+        <a:font script="Khmr" typeface="MoolBoran"/>
+        <a:font script="Knda" typeface="Tunga"/>
+        <a:font script="Guru" typeface="Raavi"/>
+        <a:font script="Cans" typeface="Euphemia"/>
+        <a:font script="Cher" typeface="Plantagenet Cherokee"/>
+        <a:font script="Yiii" typeface="Microsoft Yi Baiti"/>
+        <a:font script="Tibt" typeface="Microsoft Himalaya"/>
+        <a:font script="Thaa" typeface="MV Boli"/>
+        <a:font script="Deva" typeface="Mangal"/>
+        <a:font script="Telu" typeface="Gautami"/>
+        <a:font script="Taml" typeface="Latha"/>
+        <a:font script="Syrc" typeface="Estrangelo Edessa"/>
+        <a:font script="Orya" typeface="Kalinga"/>
+        <a:font script="Mlym" typeface="Kartika"/>
+        <a:font script="Laoo" typeface="DokChampa"/>
+        <a:font script="Sinh" typeface="Iskoola Pota"/>
+        <a:font script="Mong" typeface="Mongolian Baiti"/>
+        <a:font script="Viet" typeface="Times New Roman"/>
+        <a:font script="Uigh" typeface="Microsoft Uighur"/>
+        <a:font script="Geor" typeface="Sylfaen"/>
+      </a:majorFont>
+      <a:minorFont>
+        <a:latin typeface="Arial"/>
+        <a:ea typeface=""/>
+        <a:cs typeface=""/>
+        <a:font script="Jpan" typeface="ＭＳ Ｐゴシック"/>
+        <a:font script="Hang" typeface="맑은 고딕"/>
+        <a:font script="Hans" typeface="宋体"/>
+        <a:font script="Hant" typeface="新細明體"/>
+        <a:font script="Arab" typeface="Arial"/>
+        <a:font script="Hebr" typeface="Arial"/>
+        <a:font script="Thai" typeface="Cordia New"/>
+        <a:font script="Ethi" typeface="Nyala"/>
+        <a:font script="Beng" typeface="Vrinda"/>
+        <a:font script="Gujr" typeface="Shruti"/>
+        <a:font script="Khmr" typeface="DaunPenh"/>
+        <a:font script="Knda" typeface="Tunga"/>
+        <a:font script="Guru" typeface="Raavi"/>
+        <a:font script="Cans" typeface="Euphemia"/>
+        <a:font script="Cher" typeface="Plantagenet Cherokee"/>
+        <a:font script="Yiii" typeface="Microsoft Yi Baiti"/>
+        <a:font script="Tibt" typeface="Microsoft Himalaya"/>
+        <a:font script="Thaa" typeface="MV Boli"/>
+        <a:font script="Deva" typeface="Mangal"/>
+        <a:font script="Telu" typeface="Gautami"/>
+        <a:font script="Taml" typeface="Latha"/>
+        <a:font script="Syrc" typeface="Estrangelo Edessa"/>
+        <a:font script="Orya" typeface="Kalinga"/>
+        <a:font script="Mlym" typeface="Kartika"/>
+        <a:font script="Laoo" typeface="DokChampa"/>
+        <a:font script="Sinh" typeface="Iskoola Pota"/>
+        <a:font script="Mong" typeface="Mongolian Baiti"/>
+        <a:font script="Viet" typeface="Arial"/>
+        <a:font script="Uigh" typeface="Microsoft Uighur"/>
+        <a:font script="Geor" typeface="Sylfaen"/>
+      </a:minorFont>
+    </a:fontScheme>
+    <a:fmtScheme name="Office">
+      <a:fillStyleLst>
+        <a:solidFill>
+          <a:schemeClr val="phClr"/>
+        </a:solidFill>
+        <a:gradFill rotWithShape="1">
+          <a:gsLst>
+            <a:gs pos="0">
+              <a:schemeClr val="phClr">
+                <a:tint val="50000"/>
+                <a:satMod val="300000"/>
+              </a:schemeClr>
+            </a:gs>
+            <a:gs pos="35000">
+              <a:schemeClr val="phClr">
+                <a:tint val="37000"/>
+                <a:satMod val="300000"/>
+              </a:schemeClr>
+            </a:gs>
+            <a:gs pos="100000">
+              <a:schemeClr val="phClr">
+                <a:tint val="15000"/>
+                <a:satMod val="350000"/>
+              </a:schemeClr>
+            </a:gs>
+          </a:gsLst>
+          <a:lin ang="16200000" scaled="1"/>
+        </a:gradFill>
+        <a:gradFill rotWithShape="1">
+          <a:gsLst>
+            <a:gs pos="0">
+              <a:schemeClr val="phClr">
+                <a:tint val="100000"/>
+                <a:shade val="100000"/>
+                <a:satMod val="130000"/>
+              </a:schemeClr>
+            </a:gs>
+            <a:gs pos="100000">
+              <a:schemeClr val="phClr">
+                <a:tint val="50000"/>
+                <a:shade val="100000"/>
+                <a:satMod val="350000"/>
+              </a:schemeClr>
+            </a:gs>
+          </a:gsLst>
+          <a:lin ang="16200000" scaled="0"/>
+        </a:gradFill>
+      </a:fillStyleLst>
+      <a:lnStyleLst>
+        <a:ln w="9525" cap="flat" cmpd="sng" algn="ctr">
+          <a:solidFill>
+            <a:schemeClr val="phClr">
+              <a:shade val="95000"/>
+              <a:satMod val="105000"/>
+            </a:schemeClr>
+          </a:solidFill>
+          <a:prstDash val="solid"/>
+        </a:ln>
+        <a:ln w="25400" cap="flat" cmpd="sng" algn="ctr">
+          <a:solidFill>
+            <a:schemeClr val="phClr"/>
+          </a:solidFill>
+          <a:prstDash val="solid"/>
+        </a:ln>
+        <a:ln w="38100" cap="flat" cmpd="sng" algn="ctr">
+          <a:solidFill>
+            <a:schemeClr val="phClr"/>
+          </a:solidFill>
+          <a:prstDash val="solid"/>
+        </a:ln>
+      </a:lnStyleLst>
+      <a:effectStyleLst>
+        <a:effectStyle>
+          <a:effectLst>
+            <a:outerShdw blurRad="40000" dist="20000" dir="5400000" rotWithShape="0">
+              <a:srgbClr val="000000">
+                <a:alpha val="38000"/>
+              </a:srgbClr>
+            </a:outerShdw>
+          </a:effectLst>
+        </a:effectStyle>
+        <a:effectStyle>
+          <a:effectLst>
+            <a:outerShdw blurRad="40000" dist="23000" dir="5400000" rotWithShape="0">
+              <a:srgbClr val="000000">
+                <a:alpha val="35000"/>
+              </a:srgbClr>
+            </a:outerShdw>
+          </a:effectLst>
+        </a:effectStyle>
+        <a:effectStyle>
+          <a:effectLst>
+            <a:outerShdw blurRad="40000" dist="23000" dir="5400000" rotWithShape="0">
+              <a:srgbClr val="000000">
+                <a:alpha val="35000"/>
+              </a:srgbClr>
+            </a:outerShdw>
+          </a:effectLst>
+          <a:scene3d>
+            <a:camera prst="orthographicFront">
+              <a:rot lat="0" lon="0" rev="0"/>
+            </a:camera>
+            <a:lightRig rig="threePt" dir="t">
+              <a:rot lat="0" lon="0" rev="1200000"/>
+            </a:lightRig>
+          </a:scene3d>
+          <a:sp3d>
+            <a:bevelT w="63500" h="25400"/>
+          </a:sp3d>
+        </a:effectStyle>
+      </a:effectStyleLst>
+      <a:bgFillStyleLst>
+        <a:solidFill>
+          <a:schemeClr val="phClr"/>
+        </a:solidFill>
+        <a:gradFill rotWithShape="1">
+          <a:gsLst>
+            <a:gs pos="0">
+              <a:schemeClr val="phClr">
+                <a:tint val="40000"/>
+                <a:satMod val="350000"/>
+              </a:schemeClr>
+            </a:gs>
+            <a:gs pos="40000">
+              <a:schemeClr val="phClr">
+                <a:tint val="45000"/>
+                <a:shade val="99000"/>
+                <a:satMod val="350000"/>
+              </a:schemeClr>
+            </a:gs>
+            <a:gs pos="100000">
+              <a:schemeClr val="phClr">
+                <a:shade val="20000"/>
+                <a:satMod val="255000"/>
+              </a:schemeClr>
+            </a:gs>
+          </a:gsLst>
+          <a:path path="circle">
+            <a:fillToRect l="50000" t="-80000" r="50000" b="180000"/>
+          </a:path>
+        </a:gradFill>
+        <a:gradFill rotWithShape="1">
+          <a:gsLst>
+            <a:gs pos="0">
+              <a:schemeClr val="phClr">
+                <a:tint val="80000"/>
+                <a:satMod val="300000"/>
+              </a:schemeClr>
+            </a:gs>
+            <a:gs pos="100000">
+              <a:schemeClr val="phClr">
+                <a:shade val="30000"/>
+                <a:satMod val="200000"/>
+              </a:schemeClr>
+            </a:gs>
+          </a:gsLst>
+          <a:path path="circle">
+            <a:fillToRect l="50000" t="50000" r="50000" b="50000"/>
+          </a:path>
+        </a:gradFill>
+      </a:bgFillStyleLst>
+    </a:fmtScheme>
+  </a:themeElements>
+  <a:objectDefaults/>
+  <a:extraClrSchemeLst/>
+</a:theme>
+</file>
+
+<file path=ppt/theme/theme2.xml><?xml version="1.0" encoding="utf-8"?>
+<a:theme xmlns:a="http://schemas.openxmlformats.org/drawingml/2006/main">
   <a:themeElements>
     <a:clrScheme name="Default">
       <a:dk1>
@@ -8622,284 +9217,7 @@
       </a:bgFillStyleLst>
     </a:fmtScheme>
   </a:themeElements>
-</a:theme>
-</file>
-
-<file path=ppt/theme/theme2.xml><?xml version="1.0" encoding="utf-8"?>
-<a:theme xmlns:a="http://schemas.openxmlformats.org/drawingml/2006/main" xmlns:r="http://schemas.openxmlformats.org/officeDocument/2006/relationships" name="Luxe">
-  <a:themeElements>
-    <a:clrScheme name="Luxe">
-      <a:dk1>
-        <a:srgbClr val="000000"/>
-      </a:dk1>
-      <a:lt1>
-        <a:srgbClr val="FFFFFF"/>
-      </a:lt1>
-      <a:dk2>
-        <a:srgbClr val="B7B7B7"/>
-      </a:dk2>
-      <a:lt2>
-        <a:srgbClr val="CCA677"/>
-      </a:lt2>
-      <a:accent1>
-        <a:srgbClr val="5D4037"/>
-      </a:accent1>
-      <a:accent2>
-        <a:srgbClr val="455A64"/>
-      </a:accent2>
-      <a:accent3>
-        <a:srgbClr val="607D8B"/>
-      </a:accent3>
-      <a:accent4>
-        <a:srgbClr val="78909C"/>
-      </a:accent4>
-      <a:accent5>
-        <a:srgbClr val="57BB8A"/>
-      </a:accent5>
-      <a:accent6>
-        <a:srgbClr val="DCE755"/>
-      </a:accent6>
-      <a:hlink>
-        <a:srgbClr val="57BB8A"/>
-      </a:hlink>
-      <a:folHlink>
-        <a:srgbClr val="57BB8A"/>
-      </a:folHlink>
-    </a:clrScheme>
-    <a:fontScheme name="Office">
-      <a:majorFont>
-        <a:latin typeface="Arial"/>
-        <a:ea typeface=""/>
-        <a:cs typeface=""/>
-        <a:font script="Jpan" typeface="ＭＳ Ｐゴシック"/>
-        <a:font script="Hang" typeface="맑은 고딕"/>
-        <a:font script="Hans" typeface="宋体"/>
-        <a:font script="Hant" typeface="新細明體"/>
-        <a:font script="Arab" typeface="Times New Roman"/>
-        <a:font script="Hebr" typeface="Times New Roman"/>
-        <a:font script="Thai" typeface="Angsana New"/>
-        <a:font script="Ethi" typeface="Nyala"/>
-        <a:font script="Beng" typeface="Vrinda"/>
-        <a:font script="Gujr" typeface="Shruti"/>
-        <a:font script="Khmr" typeface="MoolBoran"/>
-        <a:font script="Knda" typeface="Tunga"/>
-        <a:font script="Guru" typeface="Raavi"/>
-        <a:font script="Cans" typeface="Euphemia"/>
-        <a:font script="Cher" typeface="Plantagenet Cherokee"/>
-        <a:font script="Yiii" typeface="Microsoft Yi Baiti"/>
-        <a:font script="Tibt" typeface="Microsoft Himalaya"/>
-        <a:font script="Thaa" typeface="MV Boli"/>
-        <a:font script="Deva" typeface="Mangal"/>
-        <a:font script="Telu" typeface="Gautami"/>
-        <a:font script="Taml" typeface="Latha"/>
-        <a:font script="Syrc" typeface="Estrangelo Edessa"/>
-        <a:font script="Orya" typeface="Kalinga"/>
-        <a:font script="Mlym" typeface="Kartika"/>
-        <a:font script="Laoo" typeface="DokChampa"/>
-        <a:font script="Sinh" typeface="Iskoola Pota"/>
-        <a:font script="Mong" typeface="Mongolian Baiti"/>
-        <a:font script="Viet" typeface="Times New Roman"/>
-        <a:font script="Uigh" typeface="Microsoft Uighur"/>
-        <a:font script="Geor" typeface="Sylfaen"/>
-      </a:majorFont>
-      <a:minorFont>
-        <a:latin typeface="Arial"/>
-        <a:ea typeface=""/>
-        <a:cs typeface=""/>
-        <a:font script="Jpan" typeface="ＭＳ Ｐゴシック"/>
-        <a:font script="Hang" typeface="맑은 고딕"/>
-        <a:font script="Hans" typeface="宋体"/>
-        <a:font script="Hant" typeface="新細明體"/>
-        <a:font script="Arab" typeface="Arial"/>
-        <a:font script="Hebr" typeface="Arial"/>
-        <a:font script="Thai" typeface="Cordia New"/>
-        <a:font script="Ethi" typeface="Nyala"/>
-        <a:font script="Beng" typeface="Vrinda"/>
-        <a:font script="Gujr" typeface="Shruti"/>
-        <a:font script="Khmr" typeface="DaunPenh"/>
-        <a:font script="Knda" typeface="Tunga"/>
-        <a:font script="Guru" typeface="Raavi"/>
-        <a:font script="Cans" typeface="Euphemia"/>
-        <a:font script="Cher" typeface="Plantagenet Cherokee"/>
-        <a:font script="Yiii" typeface="Microsoft Yi Baiti"/>
-        <a:font script="Tibt" typeface="Microsoft Himalaya"/>
-        <a:font script="Thaa" typeface="MV Boli"/>
-        <a:font script="Deva" typeface="Mangal"/>
-        <a:font script="Telu" typeface="Gautami"/>
-        <a:font script="Taml" typeface="Latha"/>
-        <a:font script="Syrc" typeface="Estrangelo Edessa"/>
-        <a:font script="Orya" typeface="Kalinga"/>
-        <a:font script="Mlym" typeface="Kartika"/>
-        <a:font script="Laoo" typeface="DokChampa"/>
-        <a:font script="Sinh" typeface="Iskoola Pota"/>
-        <a:font script="Mong" typeface="Mongolian Baiti"/>
-        <a:font script="Viet" typeface="Arial"/>
-        <a:font script="Uigh" typeface="Microsoft Uighur"/>
-        <a:font script="Geor" typeface="Sylfaen"/>
-      </a:minorFont>
-    </a:fontScheme>
-    <a:fmtScheme name="Office">
-      <a:fillStyleLst>
-        <a:solidFill>
-          <a:schemeClr val="phClr"/>
-        </a:solidFill>
-        <a:gradFill rotWithShape="1">
-          <a:gsLst>
-            <a:gs pos="0">
-              <a:schemeClr val="phClr">
-                <a:tint val="50000"/>
-                <a:satMod val="300000"/>
-              </a:schemeClr>
-            </a:gs>
-            <a:gs pos="35000">
-              <a:schemeClr val="phClr">
-                <a:tint val="37000"/>
-                <a:satMod val="300000"/>
-              </a:schemeClr>
-            </a:gs>
-            <a:gs pos="100000">
-              <a:schemeClr val="phClr">
-                <a:tint val="15000"/>
-                <a:satMod val="350000"/>
-              </a:schemeClr>
-            </a:gs>
-          </a:gsLst>
-          <a:lin ang="16200000" scaled="1"/>
-        </a:gradFill>
-        <a:gradFill rotWithShape="1">
-          <a:gsLst>
-            <a:gs pos="0">
-              <a:schemeClr val="phClr">
-                <a:tint val="100000"/>
-                <a:shade val="100000"/>
-                <a:satMod val="130000"/>
-              </a:schemeClr>
-            </a:gs>
-            <a:gs pos="100000">
-              <a:schemeClr val="phClr">
-                <a:tint val="50000"/>
-                <a:shade val="100000"/>
-                <a:satMod val="350000"/>
-              </a:schemeClr>
-            </a:gs>
-          </a:gsLst>
-          <a:lin ang="16200000" scaled="0"/>
-        </a:gradFill>
-      </a:fillStyleLst>
-      <a:lnStyleLst>
-        <a:ln w="9525" cap="flat" cmpd="sng" algn="ctr">
-          <a:solidFill>
-            <a:schemeClr val="phClr">
-              <a:shade val="95000"/>
-              <a:satMod val="105000"/>
-            </a:schemeClr>
-          </a:solidFill>
-          <a:prstDash val="solid"/>
-        </a:ln>
-        <a:ln w="25400" cap="flat" cmpd="sng" algn="ctr">
-          <a:solidFill>
-            <a:schemeClr val="phClr"/>
-          </a:solidFill>
-          <a:prstDash val="solid"/>
-        </a:ln>
-        <a:ln w="38100" cap="flat" cmpd="sng" algn="ctr">
-          <a:solidFill>
-            <a:schemeClr val="phClr"/>
-          </a:solidFill>
-          <a:prstDash val="solid"/>
-        </a:ln>
-      </a:lnStyleLst>
-      <a:effectStyleLst>
-        <a:effectStyle>
-          <a:effectLst>
-            <a:outerShdw blurRad="40000" dist="20000" dir="5400000" rotWithShape="0">
-              <a:srgbClr val="000000">
-                <a:alpha val="38000"/>
-              </a:srgbClr>
-            </a:outerShdw>
-          </a:effectLst>
-        </a:effectStyle>
-        <a:effectStyle>
-          <a:effectLst>
-            <a:outerShdw blurRad="40000" dist="23000" dir="5400000" rotWithShape="0">
-              <a:srgbClr val="000000">
-                <a:alpha val="35000"/>
-              </a:srgbClr>
-            </a:outerShdw>
-          </a:effectLst>
-        </a:effectStyle>
-        <a:effectStyle>
-          <a:effectLst>
-            <a:outerShdw blurRad="40000" dist="23000" dir="5400000" rotWithShape="0">
-              <a:srgbClr val="000000">
-                <a:alpha val="35000"/>
-              </a:srgbClr>
-            </a:outerShdw>
-          </a:effectLst>
-          <a:scene3d>
-            <a:camera prst="orthographicFront">
-              <a:rot lat="0" lon="0" rev="0"/>
-            </a:camera>
-            <a:lightRig rig="threePt" dir="t">
-              <a:rot lat="0" lon="0" rev="1200000"/>
-            </a:lightRig>
-          </a:scene3d>
-          <a:sp3d>
-            <a:bevelT w="63500" h="25400"/>
-          </a:sp3d>
-        </a:effectStyle>
-      </a:effectStyleLst>
-      <a:bgFillStyleLst>
-        <a:solidFill>
-          <a:schemeClr val="phClr"/>
-        </a:solidFill>
-        <a:gradFill rotWithShape="1">
-          <a:gsLst>
-            <a:gs pos="0">
-              <a:schemeClr val="phClr">
-                <a:tint val="40000"/>
-                <a:satMod val="350000"/>
-              </a:schemeClr>
-            </a:gs>
-            <a:gs pos="40000">
-              <a:schemeClr val="phClr">
-                <a:tint val="45000"/>
-                <a:shade val="99000"/>
-                <a:satMod val="350000"/>
-              </a:schemeClr>
-            </a:gs>
-            <a:gs pos="100000">
-              <a:schemeClr val="phClr">
-                <a:shade val="20000"/>
-                <a:satMod val="255000"/>
-              </a:schemeClr>
-            </a:gs>
-          </a:gsLst>
-          <a:path path="circle">
-            <a:fillToRect l="50000" t="-80000" r="50000" b="180000"/>
-          </a:path>
-        </a:gradFill>
-        <a:gradFill rotWithShape="1">
-          <a:gsLst>
-            <a:gs pos="0">
-              <a:schemeClr val="phClr">
-                <a:tint val="80000"/>
-                <a:satMod val="300000"/>
-              </a:schemeClr>
-            </a:gs>
-            <a:gs pos="100000">
-              <a:schemeClr val="phClr">
-                <a:shade val="30000"/>
-                <a:satMod val="200000"/>
-              </a:schemeClr>
-            </a:gs>
-          </a:gsLst>
-          <a:path path="circle">
-            <a:fillToRect l="50000" t="50000" r="50000" b="50000"/>
-          </a:path>
-        </a:gradFill>
-      </a:bgFillStyleLst>
-    </a:fmtScheme>
-  </a:themeElements>
+  <a:objectDefaults/>
+  <a:extraClrSchemeLst/>
 </a:theme>
 </file>